--- a/power-point/arquitectura de micro servicios.pptx
+++ b/power-point/arquitectura de micro servicios.pptx
@@ -5,45 +5,41 @@
     <p:sldMasterId id="2147483661" r:id="rId1"/>
   </p:sldMasterIdLst>
   <p:notesMasterIdLst>
-    <p:notesMasterId r:id="rId19"/>
+    <p:notesMasterId r:id="rId15"/>
   </p:notesMasterIdLst>
   <p:sldIdLst>
     <p:sldId id="256" r:id="rId2"/>
     <p:sldId id="257" r:id="rId3"/>
     <p:sldId id="258" r:id="rId4"/>
     <p:sldId id="259" r:id="rId5"/>
-    <p:sldId id="260" r:id="rId6"/>
-    <p:sldId id="261" r:id="rId7"/>
-    <p:sldId id="262" r:id="rId8"/>
-    <p:sldId id="263" r:id="rId9"/>
-    <p:sldId id="264" r:id="rId10"/>
-    <p:sldId id="266" r:id="rId11"/>
-    <p:sldId id="285" r:id="rId12"/>
-    <p:sldId id="284" r:id="rId13"/>
-    <p:sldId id="280" r:id="rId14"/>
-    <p:sldId id="281" r:id="rId15"/>
-    <p:sldId id="282" r:id="rId16"/>
-    <p:sldId id="283" r:id="rId17"/>
-    <p:sldId id="279" r:id="rId18"/>
+    <p:sldId id="262" r:id="rId6"/>
+    <p:sldId id="286" r:id="rId7"/>
+    <p:sldId id="287" r:id="rId8"/>
+    <p:sldId id="288" r:id="rId9"/>
+    <p:sldId id="263" r:id="rId10"/>
+    <p:sldId id="264" r:id="rId11"/>
+    <p:sldId id="266" r:id="rId12"/>
+    <p:sldId id="285" r:id="rId13"/>
+    <p:sldId id="279" r:id="rId14"/>
   </p:sldIdLst>
   <p:sldSz cx="9144000" cy="5143500" type="screen16x9"/>
   <p:notesSz cx="6858000" cy="9144000"/>
   <p:embeddedFontLst>
     <p:embeddedFont>
       <p:font typeface="Algerian" panose="04020705040A02060702" pitchFamily="82" charset="0"/>
-      <p:regular r:id="rId20"/>
+      <p:regular r:id="rId16"/>
     </p:embeddedFont>
     <p:embeddedFont>
       <p:font typeface="Calibri" panose="020F0502020204030204" pitchFamily="34" charset="0"/>
-      <p:regular r:id="rId21"/>
-      <p:bold r:id="rId22"/>
-      <p:italic r:id="rId23"/>
-      <p:boldItalic r:id="rId24"/>
+      <p:regular r:id="rId17"/>
+      <p:bold r:id="rId18"/>
+      <p:italic r:id="rId19"/>
+      <p:boldItalic r:id="rId20"/>
     </p:embeddedFont>
     <p:embeddedFont>
       <p:font typeface="Hind" panose="020B0604020202020204" charset="0"/>
-      <p:regular r:id="rId25"/>
-      <p:bold r:id="rId26"/>
+      <p:regular r:id="rId21"/>
+      <p:bold r:id="rId22"/>
     </p:embeddedFont>
   </p:embeddedFontLst>
   <p:defaultTextStyle>
@@ -284,26 +280,14 @@
             <p14:sldId id="257"/>
             <p14:sldId id="258"/>
             <p14:sldId id="259"/>
-            <p14:sldId id="260"/>
-            <p14:sldId id="261"/>
             <p14:sldId id="262"/>
+            <p14:sldId id="286"/>
+            <p14:sldId id="287"/>
+            <p14:sldId id="288"/>
             <p14:sldId id="263"/>
             <p14:sldId id="264"/>
             <p14:sldId id="266"/>
-          </p14:sldIdLst>
-        </p14:section>
-        <p14:section name="Sección de resumen" id="{75EE3601-5983-4468-A40C-FDFADDEF902E}">
-          <p14:sldIdLst>
             <p14:sldId id="285"/>
-          </p14:sldIdLst>
-        </p14:section>
-        <p14:section name="Estructura de carpetas" id="{6B699B64-5751-47C1-B3E3-4BC5E009144F}">
-          <p14:sldIdLst>
-            <p14:sldId id="284"/>
-            <p14:sldId id="280"/>
-            <p14:sldId id="281"/>
-            <p14:sldId id="282"/>
-            <p14:sldId id="283"/>
             <p14:sldId id="279"/>
           </p14:sldIdLst>
         </p14:section>
@@ -876,333 +860,6 @@
   <p:cSld>
     <p:spTree>
       <p:nvGrpSpPr>
-        <p:cNvPr id="1" name="Shape 277"/>
-        <p:cNvGrpSpPr/>
-        <p:nvPr/>
-      </p:nvGrpSpPr>
-      <p:grpSpPr>
-        <a:xfrm>
-          <a:off x="0" y="0"/>
-          <a:ext cx="0" cy="0"/>
-          <a:chOff x="0" y="0"/>
-          <a:chExt cx="0" cy="0"/>
-        </a:xfrm>
-      </p:grpSpPr>
-      <p:sp>
-        <p:nvSpPr>
-          <p:cNvPr id="278" name="Google Shape;278;g35f391192_065:notes"/>
-          <p:cNvSpPr>
-            <a:spLocks noGrp="1" noRot="1" noChangeAspect="1"/>
-          </p:cNvSpPr>
-          <p:nvPr>
-            <p:ph type="sldImg" idx="2"/>
-          </p:nvPr>
-        </p:nvSpPr>
-        <p:spPr>
-          <a:xfrm>
-            <a:off x="381000" y="685800"/>
-            <a:ext cx="6096000" cy="3429000"/>
-          </a:xfrm>
-          <a:custGeom>
-            <a:avLst/>
-            <a:gdLst/>
-            <a:ahLst/>
-            <a:cxnLst/>
-            <a:rect l="l" t="t" r="r" b="b"/>
-            <a:pathLst>
-              <a:path w="120000" h="120000" extrusionOk="0">
-                <a:moveTo>
-                  <a:pt x="0" y="0"/>
-                </a:moveTo>
-                <a:lnTo>
-                  <a:pt x="120000" y="0"/>
-                </a:lnTo>
-                <a:lnTo>
-                  <a:pt x="120000" y="120000"/>
-                </a:lnTo>
-                <a:lnTo>
-                  <a:pt x="0" y="120000"/>
-                </a:lnTo>
-                <a:close/>
-              </a:path>
-            </a:pathLst>
-          </a:custGeom>
-        </p:spPr>
-      </p:sp>
-      <p:sp>
-        <p:nvSpPr>
-          <p:cNvPr id="279" name="Google Shape;279;g35f391192_065:notes"/>
-          <p:cNvSpPr txBox="1">
-            <a:spLocks noGrp="1"/>
-          </p:cNvSpPr>
-          <p:nvPr>
-            <p:ph type="body" idx="1"/>
-          </p:nvPr>
-        </p:nvSpPr>
-        <p:spPr>
-          <a:xfrm>
-            <a:off x="685800" y="4343400"/>
-            <a:ext cx="5486400" cy="4114800"/>
-          </a:xfrm>
-          <a:prstGeom prst="rect">
-            <a:avLst/>
-          </a:prstGeom>
-        </p:spPr>
-        <p:txBody>
-          <a:bodyPr spcFirstLastPara="1" wrap="square" lIns="91425" tIns="91425" rIns="91425" bIns="91425" anchor="t" anchorCtr="0">
-            <a:noAutofit/>
-          </a:bodyPr>
-          <a:lstStyle/>
-          <a:p>
-            <a:pPr marL="0" lvl="0" indent="0" algn="l" rtl="0">
-              <a:spcBef>
-                <a:spcPts val="0"/>
-              </a:spcBef>
-              <a:spcAft>
-                <a:spcPts val="0"/>
-              </a:spcAft>
-              <a:buNone/>
-            </a:pPr>
-            <a:endParaRPr/>
-          </a:p>
-        </p:txBody>
-      </p:sp>
-    </p:spTree>
-    <p:extLst>
-      <p:ext uri="{BB962C8B-B14F-4D97-AF65-F5344CB8AC3E}">
-        <p14:creationId xmlns:p14="http://schemas.microsoft.com/office/powerpoint/2010/main" val="2813492839"/>
-      </p:ext>
-    </p:extLst>
-  </p:cSld>
-  <p:clrMapOvr>
-    <a:masterClrMapping/>
-  </p:clrMapOvr>
-</p:notes>
-</file>
-
-<file path=ppt/notesSlides/notesSlide11.xml><?xml version="1.0" encoding="utf-8"?>
-<p:notes xmlns:a="http://schemas.openxmlformats.org/drawingml/2006/main" xmlns:r="http://schemas.openxmlformats.org/officeDocument/2006/relationships" xmlns:p="http://schemas.openxmlformats.org/presentationml/2006/main" showMasterSp="0" showMasterPhAnim="0">
-  <p:cSld>
-    <p:spTree>
-      <p:nvGrpSpPr>
-        <p:cNvPr id="1" name="Shape 260"/>
-        <p:cNvGrpSpPr/>
-        <p:nvPr/>
-      </p:nvGrpSpPr>
-      <p:grpSpPr>
-        <a:xfrm>
-          <a:off x="0" y="0"/>
-          <a:ext cx="0" cy="0"/>
-          <a:chOff x="0" y="0"/>
-          <a:chExt cx="0" cy="0"/>
-        </a:xfrm>
-      </p:grpSpPr>
-      <p:sp>
-        <p:nvSpPr>
-          <p:cNvPr id="261" name="Google Shape;261;g35f391192_045:notes"/>
-          <p:cNvSpPr>
-            <a:spLocks noGrp="1" noRot="1" noChangeAspect="1"/>
-          </p:cNvSpPr>
-          <p:nvPr>
-            <p:ph type="sldImg" idx="2"/>
-          </p:nvPr>
-        </p:nvSpPr>
-        <p:spPr>
-          <a:xfrm>
-            <a:off x="381000" y="685800"/>
-            <a:ext cx="6096000" cy="3429000"/>
-          </a:xfrm>
-          <a:custGeom>
-            <a:avLst/>
-            <a:gdLst/>
-            <a:ahLst/>
-            <a:cxnLst/>
-            <a:rect l="l" t="t" r="r" b="b"/>
-            <a:pathLst>
-              <a:path w="120000" h="120000" extrusionOk="0">
-                <a:moveTo>
-                  <a:pt x="0" y="0"/>
-                </a:moveTo>
-                <a:lnTo>
-                  <a:pt x="120000" y="0"/>
-                </a:lnTo>
-                <a:lnTo>
-                  <a:pt x="120000" y="120000"/>
-                </a:lnTo>
-                <a:lnTo>
-                  <a:pt x="0" y="120000"/>
-                </a:lnTo>
-                <a:close/>
-              </a:path>
-            </a:pathLst>
-          </a:custGeom>
-        </p:spPr>
-      </p:sp>
-      <p:sp>
-        <p:nvSpPr>
-          <p:cNvPr id="262" name="Google Shape;262;g35f391192_045:notes"/>
-          <p:cNvSpPr txBox="1">
-            <a:spLocks noGrp="1"/>
-          </p:cNvSpPr>
-          <p:nvPr>
-            <p:ph type="body" idx="1"/>
-          </p:nvPr>
-        </p:nvSpPr>
-        <p:spPr>
-          <a:xfrm>
-            <a:off x="685800" y="4343400"/>
-            <a:ext cx="5486400" cy="4114800"/>
-          </a:xfrm>
-          <a:prstGeom prst="rect">
-            <a:avLst/>
-          </a:prstGeom>
-        </p:spPr>
-        <p:txBody>
-          <a:bodyPr spcFirstLastPara="1" wrap="square" lIns="91425" tIns="91425" rIns="91425" bIns="91425" anchor="t" anchorCtr="0">
-            <a:noAutofit/>
-          </a:bodyPr>
-          <a:lstStyle/>
-          <a:p>
-            <a:pPr marL="0" lvl="0" indent="0" algn="l" rtl="0">
-              <a:spcBef>
-                <a:spcPts val="0"/>
-              </a:spcBef>
-              <a:spcAft>
-                <a:spcPts val="0"/>
-              </a:spcAft>
-              <a:buNone/>
-            </a:pPr>
-            <a:endParaRPr/>
-          </a:p>
-        </p:txBody>
-      </p:sp>
-    </p:spTree>
-    <p:extLst>
-      <p:ext uri="{BB962C8B-B14F-4D97-AF65-F5344CB8AC3E}">
-        <p14:creationId xmlns:p14="http://schemas.microsoft.com/office/powerpoint/2010/main" val="1052666935"/>
-      </p:ext>
-    </p:extLst>
-  </p:cSld>
-  <p:clrMapOvr>
-    <a:masterClrMapping/>
-  </p:clrMapOvr>
-</p:notes>
-</file>
-
-<file path=ppt/notesSlides/notesSlide12.xml><?xml version="1.0" encoding="utf-8"?>
-<p:notes xmlns:a="http://schemas.openxmlformats.org/drawingml/2006/main" xmlns:r="http://schemas.openxmlformats.org/officeDocument/2006/relationships" xmlns:p="http://schemas.openxmlformats.org/presentationml/2006/main" showMasterSp="0" showMasterPhAnim="0">
-  <p:cSld>
-    <p:spTree>
-      <p:nvGrpSpPr>
-        <p:cNvPr id="1" name="Shape 407"/>
-        <p:cNvGrpSpPr/>
-        <p:nvPr/>
-      </p:nvGrpSpPr>
-      <p:grpSpPr>
-        <a:xfrm>
-          <a:off x="0" y="0"/>
-          <a:ext cx="0" cy="0"/>
-          <a:chOff x="0" y="0"/>
-          <a:chExt cx="0" cy="0"/>
-        </a:xfrm>
-      </p:grpSpPr>
-      <p:sp>
-        <p:nvSpPr>
-          <p:cNvPr id="408" name="Google Shape;408;g35ed75ccf_0134:notes"/>
-          <p:cNvSpPr>
-            <a:spLocks noGrp="1" noRot="1" noChangeAspect="1"/>
-          </p:cNvSpPr>
-          <p:nvPr>
-            <p:ph type="sldImg" idx="2"/>
-          </p:nvPr>
-        </p:nvSpPr>
-        <p:spPr>
-          <a:xfrm>
-            <a:off x="381000" y="685800"/>
-            <a:ext cx="6096000" cy="3429000"/>
-          </a:xfrm>
-          <a:custGeom>
-            <a:avLst/>
-            <a:gdLst/>
-            <a:ahLst/>
-            <a:cxnLst/>
-            <a:rect l="l" t="t" r="r" b="b"/>
-            <a:pathLst>
-              <a:path w="120000" h="120000" extrusionOk="0">
-                <a:moveTo>
-                  <a:pt x="0" y="0"/>
-                </a:moveTo>
-                <a:lnTo>
-                  <a:pt x="120000" y="0"/>
-                </a:lnTo>
-                <a:lnTo>
-                  <a:pt x="120000" y="120000"/>
-                </a:lnTo>
-                <a:lnTo>
-                  <a:pt x="0" y="120000"/>
-                </a:lnTo>
-                <a:close/>
-              </a:path>
-            </a:pathLst>
-          </a:custGeom>
-        </p:spPr>
-      </p:sp>
-      <p:sp>
-        <p:nvSpPr>
-          <p:cNvPr id="409" name="Google Shape;409;g35ed75ccf_0134:notes"/>
-          <p:cNvSpPr txBox="1">
-            <a:spLocks noGrp="1"/>
-          </p:cNvSpPr>
-          <p:nvPr>
-            <p:ph type="body" idx="1"/>
-          </p:nvPr>
-        </p:nvSpPr>
-        <p:spPr>
-          <a:xfrm>
-            <a:off x="685800" y="4343400"/>
-            <a:ext cx="5486400" cy="4114800"/>
-          </a:xfrm>
-          <a:prstGeom prst="rect">
-            <a:avLst/>
-          </a:prstGeom>
-        </p:spPr>
-        <p:txBody>
-          <a:bodyPr spcFirstLastPara="1" wrap="square" lIns="91425" tIns="91425" rIns="91425" bIns="91425" anchor="t" anchorCtr="0">
-            <a:noAutofit/>
-          </a:bodyPr>
-          <a:lstStyle/>
-          <a:p>
-            <a:pPr marL="0" lvl="0" indent="0" algn="l" rtl="0">
-              <a:spcBef>
-                <a:spcPts val="0"/>
-              </a:spcBef>
-              <a:spcAft>
-                <a:spcPts val="0"/>
-              </a:spcAft>
-              <a:buNone/>
-            </a:pPr>
-            <a:endParaRPr/>
-          </a:p>
-        </p:txBody>
-      </p:sp>
-    </p:spTree>
-    <p:extLst>
-      <p:ext uri="{BB962C8B-B14F-4D97-AF65-F5344CB8AC3E}">
-        <p14:creationId xmlns:p14="http://schemas.microsoft.com/office/powerpoint/2010/main" val="1380365149"/>
-      </p:ext>
-    </p:extLst>
-  </p:cSld>
-  <p:clrMapOvr>
-    <a:masterClrMapping/>
-  </p:clrMapOvr>
-</p:notes>
-</file>
-
-<file path=ppt/notesSlides/notesSlide13.xml><?xml version="1.0" encoding="utf-8"?>
-<p:notes xmlns:a="http://schemas.openxmlformats.org/drawingml/2006/main" xmlns:r="http://schemas.openxmlformats.org/officeDocument/2006/relationships" xmlns:p="http://schemas.openxmlformats.org/presentationml/2006/main" showMasterSp="0" showMasterPhAnim="0">
-  <p:cSld>
-    <p:spTree>
-      <p:nvGrpSpPr>
         <p:cNvPr id="1" name="Shape 399"/>
         <p:cNvGrpSpPr/>
         <p:nvPr/>
@@ -1639,224 +1296,6 @@
   <p:cSld>
     <p:spTree>
       <p:nvGrpSpPr>
-        <p:cNvPr id="1" name="Shape 221"/>
-        <p:cNvGrpSpPr/>
-        <p:nvPr/>
-      </p:nvGrpSpPr>
-      <p:grpSpPr>
-        <a:xfrm>
-          <a:off x="0" y="0"/>
-          <a:ext cx="0" cy="0"/>
-          <a:chOff x="0" y="0"/>
-          <a:chExt cx="0" cy="0"/>
-        </a:xfrm>
-      </p:grpSpPr>
-      <p:sp>
-        <p:nvSpPr>
-          <p:cNvPr id="222" name="Google Shape;222;g35f391192_09:notes"/>
-          <p:cNvSpPr>
-            <a:spLocks noGrp="1" noRot="1" noChangeAspect="1"/>
-          </p:cNvSpPr>
-          <p:nvPr>
-            <p:ph type="sldImg" idx="2"/>
-          </p:nvPr>
-        </p:nvSpPr>
-        <p:spPr>
-          <a:xfrm>
-            <a:off x="381000" y="685800"/>
-            <a:ext cx="6096000" cy="3429000"/>
-          </a:xfrm>
-          <a:custGeom>
-            <a:avLst/>
-            <a:gdLst/>
-            <a:ahLst/>
-            <a:cxnLst/>
-            <a:rect l="l" t="t" r="r" b="b"/>
-            <a:pathLst>
-              <a:path w="120000" h="120000" extrusionOk="0">
-                <a:moveTo>
-                  <a:pt x="0" y="0"/>
-                </a:moveTo>
-                <a:lnTo>
-                  <a:pt x="120000" y="0"/>
-                </a:lnTo>
-                <a:lnTo>
-                  <a:pt x="120000" y="120000"/>
-                </a:lnTo>
-                <a:lnTo>
-                  <a:pt x="0" y="120000"/>
-                </a:lnTo>
-                <a:close/>
-              </a:path>
-            </a:pathLst>
-          </a:custGeom>
-        </p:spPr>
-      </p:sp>
-      <p:sp>
-        <p:nvSpPr>
-          <p:cNvPr id="223" name="Google Shape;223;g35f391192_09:notes"/>
-          <p:cNvSpPr txBox="1">
-            <a:spLocks noGrp="1"/>
-          </p:cNvSpPr>
-          <p:nvPr>
-            <p:ph type="body" idx="1"/>
-          </p:nvPr>
-        </p:nvSpPr>
-        <p:spPr>
-          <a:xfrm>
-            <a:off x="685800" y="4343400"/>
-            <a:ext cx="5486400" cy="4114800"/>
-          </a:xfrm>
-          <a:prstGeom prst="rect">
-            <a:avLst/>
-          </a:prstGeom>
-        </p:spPr>
-        <p:txBody>
-          <a:bodyPr spcFirstLastPara="1" wrap="square" lIns="91425" tIns="91425" rIns="91425" bIns="91425" anchor="t" anchorCtr="0">
-            <a:noAutofit/>
-          </a:bodyPr>
-          <a:lstStyle/>
-          <a:p>
-            <a:pPr marL="0" lvl="0" indent="0" algn="l" rtl="0">
-              <a:spcBef>
-                <a:spcPts val="0"/>
-              </a:spcBef>
-              <a:spcAft>
-                <a:spcPts val="0"/>
-              </a:spcAft>
-              <a:buNone/>
-            </a:pPr>
-            <a:endParaRPr/>
-          </a:p>
-        </p:txBody>
-      </p:sp>
-    </p:spTree>
-    <p:extLst>
-      <p:ext uri="{BB962C8B-B14F-4D97-AF65-F5344CB8AC3E}">
-        <p14:creationId xmlns:p14="http://schemas.microsoft.com/office/powerpoint/2010/main" val="932180337"/>
-      </p:ext>
-    </p:extLst>
-  </p:cSld>
-  <p:clrMapOvr>
-    <a:masterClrMapping/>
-  </p:clrMapOvr>
-</p:notes>
-</file>
-
-<file path=ppt/notesSlides/notesSlide6.xml><?xml version="1.0" encoding="utf-8"?>
-<p:notes xmlns:a="http://schemas.openxmlformats.org/drawingml/2006/main" xmlns:r="http://schemas.openxmlformats.org/officeDocument/2006/relationships" xmlns:p="http://schemas.openxmlformats.org/presentationml/2006/main" showMasterSp="0" showMasterPhAnim="0">
-  <p:cSld>
-    <p:spTree>
-      <p:nvGrpSpPr>
-        <p:cNvPr id="1" name="Shape 227"/>
-        <p:cNvGrpSpPr/>
-        <p:nvPr/>
-      </p:nvGrpSpPr>
-      <p:grpSpPr>
-        <a:xfrm>
-          <a:off x="0" y="0"/>
-          <a:ext cx="0" cy="0"/>
-          <a:chOff x="0" y="0"/>
-          <a:chExt cx="0" cy="0"/>
-        </a:xfrm>
-      </p:grpSpPr>
-      <p:sp>
-        <p:nvSpPr>
-          <p:cNvPr id="228" name="Google Shape;228;p:notes"/>
-          <p:cNvSpPr>
-            <a:spLocks noGrp="1" noRot="1" noChangeAspect="1"/>
-          </p:cNvSpPr>
-          <p:nvPr>
-            <p:ph type="sldImg" idx="2"/>
-          </p:nvPr>
-        </p:nvSpPr>
-        <p:spPr>
-          <a:xfrm>
-            <a:off x="381000" y="685800"/>
-            <a:ext cx="6096000" cy="3429000"/>
-          </a:xfrm>
-          <a:custGeom>
-            <a:avLst/>
-            <a:gdLst/>
-            <a:ahLst/>
-            <a:cxnLst/>
-            <a:rect l="l" t="t" r="r" b="b"/>
-            <a:pathLst>
-              <a:path w="120000" h="120000" extrusionOk="0">
-                <a:moveTo>
-                  <a:pt x="0" y="0"/>
-                </a:moveTo>
-                <a:lnTo>
-                  <a:pt x="120000" y="0"/>
-                </a:lnTo>
-                <a:lnTo>
-                  <a:pt x="120000" y="120000"/>
-                </a:lnTo>
-                <a:lnTo>
-                  <a:pt x="0" y="120000"/>
-                </a:lnTo>
-                <a:close/>
-              </a:path>
-            </a:pathLst>
-          </a:custGeom>
-        </p:spPr>
-      </p:sp>
-      <p:sp>
-        <p:nvSpPr>
-          <p:cNvPr id="229" name="Google Shape;229;p:notes"/>
-          <p:cNvSpPr txBox="1">
-            <a:spLocks noGrp="1"/>
-          </p:cNvSpPr>
-          <p:nvPr>
-            <p:ph type="body" idx="1"/>
-          </p:nvPr>
-        </p:nvSpPr>
-        <p:spPr>
-          <a:xfrm>
-            <a:off x="685800" y="4343400"/>
-            <a:ext cx="5486400" cy="4114800"/>
-          </a:xfrm>
-          <a:prstGeom prst="rect">
-            <a:avLst/>
-          </a:prstGeom>
-        </p:spPr>
-        <p:txBody>
-          <a:bodyPr spcFirstLastPara="1" wrap="square" lIns="91425" tIns="91425" rIns="91425" bIns="91425" anchor="t" anchorCtr="0">
-            <a:noAutofit/>
-          </a:bodyPr>
-          <a:lstStyle/>
-          <a:p>
-            <a:pPr marL="0" lvl="0" indent="0" algn="l" rtl="0">
-              <a:spcBef>
-                <a:spcPts val="0"/>
-              </a:spcBef>
-              <a:spcAft>
-                <a:spcPts val="0"/>
-              </a:spcAft>
-              <a:buNone/>
-            </a:pPr>
-            <a:endParaRPr/>
-          </a:p>
-        </p:txBody>
-      </p:sp>
-    </p:spTree>
-    <p:extLst>
-      <p:ext uri="{BB962C8B-B14F-4D97-AF65-F5344CB8AC3E}">
-        <p14:creationId xmlns:p14="http://schemas.microsoft.com/office/powerpoint/2010/main" val="800063505"/>
-      </p:ext>
-    </p:extLst>
-  </p:cSld>
-  <p:clrMapOvr>
-    <a:masterClrMapping/>
-  </p:clrMapOvr>
-</p:notes>
-</file>
-
-<file path=ppt/notesSlides/notesSlide7.xml><?xml version="1.0" encoding="utf-8"?>
-<p:notes xmlns:a="http://schemas.openxmlformats.org/drawingml/2006/main" xmlns:r="http://schemas.openxmlformats.org/officeDocument/2006/relationships" xmlns:p="http://schemas.openxmlformats.org/presentationml/2006/main" showMasterSp="0" showMasterPhAnim="0">
-  <p:cSld>
-    <p:spTree>
-      <p:nvGrpSpPr>
         <p:cNvPr id="1" name="Shape 234"/>
         <p:cNvGrpSpPr/>
         <p:nvPr/>
@@ -1961,7 +1400,116 @@
 </p:notes>
 </file>
 
-<file path=ppt/notesSlides/notesSlide8.xml><?xml version="1.0" encoding="utf-8"?>
+<file path=ppt/notesSlides/notesSlide6.xml><?xml version="1.0" encoding="utf-8"?>
+<p:notes xmlns:a="http://schemas.openxmlformats.org/drawingml/2006/main" xmlns:r="http://schemas.openxmlformats.org/officeDocument/2006/relationships" xmlns:p="http://schemas.openxmlformats.org/presentationml/2006/main" showMasterSp="0" showMasterPhAnim="0">
+  <p:cSld>
+    <p:spTree>
+      <p:nvGrpSpPr>
+        <p:cNvPr id="1" name="Shape 407"/>
+        <p:cNvGrpSpPr/>
+        <p:nvPr/>
+      </p:nvGrpSpPr>
+      <p:grpSpPr>
+        <a:xfrm>
+          <a:off x="0" y="0"/>
+          <a:ext cx="0" cy="0"/>
+          <a:chOff x="0" y="0"/>
+          <a:chExt cx="0" cy="0"/>
+        </a:xfrm>
+      </p:grpSpPr>
+      <p:sp>
+        <p:nvSpPr>
+          <p:cNvPr id="408" name="Google Shape;408;g35ed75ccf_0134:notes"/>
+          <p:cNvSpPr>
+            <a:spLocks noGrp="1" noRot="1" noChangeAspect="1"/>
+          </p:cNvSpPr>
+          <p:nvPr>
+            <p:ph type="sldImg" idx="2"/>
+          </p:nvPr>
+        </p:nvSpPr>
+        <p:spPr>
+          <a:xfrm>
+            <a:off x="381000" y="685800"/>
+            <a:ext cx="6096000" cy="3429000"/>
+          </a:xfrm>
+          <a:custGeom>
+            <a:avLst/>
+            <a:gdLst/>
+            <a:ahLst/>
+            <a:cxnLst/>
+            <a:rect l="l" t="t" r="r" b="b"/>
+            <a:pathLst>
+              <a:path w="120000" h="120000" extrusionOk="0">
+                <a:moveTo>
+                  <a:pt x="0" y="0"/>
+                </a:moveTo>
+                <a:lnTo>
+                  <a:pt x="120000" y="0"/>
+                </a:lnTo>
+                <a:lnTo>
+                  <a:pt x="120000" y="120000"/>
+                </a:lnTo>
+                <a:lnTo>
+                  <a:pt x="0" y="120000"/>
+                </a:lnTo>
+                <a:close/>
+              </a:path>
+            </a:pathLst>
+          </a:custGeom>
+        </p:spPr>
+      </p:sp>
+      <p:sp>
+        <p:nvSpPr>
+          <p:cNvPr id="409" name="Google Shape;409;g35ed75ccf_0134:notes"/>
+          <p:cNvSpPr txBox="1">
+            <a:spLocks noGrp="1"/>
+          </p:cNvSpPr>
+          <p:nvPr>
+            <p:ph type="body" idx="1"/>
+          </p:nvPr>
+        </p:nvSpPr>
+        <p:spPr>
+          <a:xfrm>
+            <a:off x="685800" y="4343400"/>
+            <a:ext cx="5486400" cy="4114800"/>
+          </a:xfrm>
+          <a:prstGeom prst="rect">
+            <a:avLst/>
+          </a:prstGeom>
+        </p:spPr>
+        <p:txBody>
+          <a:bodyPr spcFirstLastPara="1" wrap="square" lIns="91425" tIns="91425" rIns="91425" bIns="91425" anchor="t" anchorCtr="0">
+            <a:noAutofit/>
+          </a:bodyPr>
+          <a:lstStyle/>
+          <a:p>
+            <a:pPr marL="0" lvl="0" indent="0" algn="l" rtl="0">
+              <a:spcBef>
+                <a:spcPts val="0"/>
+              </a:spcBef>
+              <a:spcAft>
+                <a:spcPts val="0"/>
+              </a:spcAft>
+              <a:buNone/>
+            </a:pPr>
+            <a:endParaRPr/>
+          </a:p>
+        </p:txBody>
+      </p:sp>
+    </p:spTree>
+    <p:extLst>
+      <p:ext uri="{BB962C8B-B14F-4D97-AF65-F5344CB8AC3E}">
+        <p14:creationId xmlns:p14="http://schemas.microsoft.com/office/powerpoint/2010/main" val="1380365149"/>
+      </p:ext>
+    </p:extLst>
+  </p:cSld>
+  <p:clrMapOvr>
+    <a:masterClrMapping/>
+  </p:clrMapOvr>
+</p:notes>
+</file>
+
+<file path=ppt/notesSlides/notesSlide7.xml><?xml version="1.0" encoding="utf-8"?>
 <p:notes xmlns:a="http://schemas.openxmlformats.org/drawingml/2006/main" xmlns:r="http://schemas.openxmlformats.org/officeDocument/2006/relationships" xmlns:p="http://schemas.openxmlformats.org/presentationml/2006/main" showMasterSp="0" showMasterPhAnim="0">
   <p:cSld>
     <p:spTree>
@@ -2070,7 +1618,7 @@
 </p:notes>
 </file>
 
-<file path=ppt/notesSlides/notesSlide9.xml><?xml version="1.0" encoding="utf-8"?>
+<file path=ppt/notesSlides/notesSlide8.xml><?xml version="1.0" encoding="utf-8"?>
 <p:notes xmlns:a="http://schemas.openxmlformats.org/drawingml/2006/main" xmlns:r="http://schemas.openxmlformats.org/officeDocument/2006/relationships" xmlns:p="http://schemas.openxmlformats.org/presentationml/2006/main" showMasterSp="0" showMasterPhAnim="0">
   <p:cSld>
     <p:spTree>
@@ -2170,6 +1718,115 @@
     <p:extLst>
       <p:ext uri="{BB962C8B-B14F-4D97-AF65-F5344CB8AC3E}">
         <p14:creationId xmlns:p14="http://schemas.microsoft.com/office/powerpoint/2010/main" val="1730064174"/>
+      </p:ext>
+    </p:extLst>
+  </p:cSld>
+  <p:clrMapOvr>
+    <a:masterClrMapping/>
+  </p:clrMapOvr>
+</p:notes>
+</file>
+
+<file path=ppt/notesSlides/notesSlide9.xml><?xml version="1.0" encoding="utf-8"?>
+<p:notes xmlns:a="http://schemas.openxmlformats.org/drawingml/2006/main" xmlns:r="http://schemas.openxmlformats.org/officeDocument/2006/relationships" xmlns:p="http://schemas.openxmlformats.org/presentationml/2006/main" showMasterSp="0" showMasterPhAnim="0">
+  <p:cSld>
+    <p:spTree>
+      <p:nvGrpSpPr>
+        <p:cNvPr id="1" name="Shape 277"/>
+        <p:cNvGrpSpPr/>
+        <p:nvPr/>
+      </p:nvGrpSpPr>
+      <p:grpSpPr>
+        <a:xfrm>
+          <a:off x="0" y="0"/>
+          <a:ext cx="0" cy="0"/>
+          <a:chOff x="0" y="0"/>
+          <a:chExt cx="0" cy="0"/>
+        </a:xfrm>
+      </p:grpSpPr>
+      <p:sp>
+        <p:nvSpPr>
+          <p:cNvPr id="278" name="Google Shape;278;g35f391192_065:notes"/>
+          <p:cNvSpPr>
+            <a:spLocks noGrp="1" noRot="1" noChangeAspect="1"/>
+          </p:cNvSpPr>
+          <p:nvPr>
+            <p:ph type="sldImg" idx="2"/>
+          </p:nvPr>
+        </p:nvSpPr>
+        <p:spPr>
+          <a:xfrm>
+            <a:off x="381000" y="685800"/>
+            <a:ext cx="6096000" cy="3429000"/>
+          </a:xfrm>
+          <a:custGeom>
+            <a:avLst/>
+            <a:gdLst/>
+            <a:ahLst/>
+            <a:cxnLst/>
+            <a:rect l="l" t="t" r="r" b="b"/>
+            <a:pathLst>
+              <a:path w="120000" h="120000" extrusionOk="0">
+                <a:moveTo>
+                  <a:pt x="0" y="0"/>
+                </a:moveTo>
+                <a:lnTo>
+                  <a:pt x="120000" y="0"/>
+                </a:lnTo>
+                <a:lnTo>
+                  <a:pt x="120000" y="120000"/>
+                </a:lnTo>
+                <a:lnTo>
+                  <a:pt x="0" y="120000"/>
+                </a:lnTo>
+                <a:close/>
+              </a:path>
+            </a:pathLst>
+          </a:custGeom>
+        </p:spPr>
+      </p:sp>
+      <p:sp>
+        <p:nvSpPr>
+          <p:cNvPr id="279" name="Google Shape;279;g35f391192_065:notes"/>
+          <p:cNvSpPr txBox="1">
+            <a:spLocks noGrp="1"/>
+          </p:cNvSpPr>
+          <p:nvPr>
+            <p:ph type="body" idx="1"/>
+          </p:nvPr>
+        </p:nvSpPr>
+        <p:spPr>
+          <a:xfrm>
+            <a:off x="685800" y="4343400"/>
+            <a:ext cx="5486400" cy="4114800"/>
+          </a:xfrm>
+          <a:prstGeom prst="rect">
+            <a:avLst/>
+          </a:prstGeom>
+        </p:spPr>
+        <p:txBody>
+          <a:bodyPr spcFirstLastPara="1" wrap="square" lIns="91425" tIns="91425" rIns="91425" bIns="91425" anchor="t" anchorCtr="0">
+            <a:noAutofit/>
+          </a:bodyPr>
+          <a:lstStyle/>
+          <a:p>
+            <a:pPr marL="0" lvl="0" indent="0" algn="l" rtl="0">
+              <a:spcBef>
+                <a:spcPts val="0"/>
+              </a:spcBef>
+              <a:spcAft>
+                <a:spcPts val="0"/>
+              </a:spcAft>
+              <a:buNone/>
+            </a:pPr>
+            <a:endParaRPr/>
+          </a:p>
+        </p:txBody>
+      </p:sp>
+    </p:spTree>
+    <p:extLst>
+      <p:ext uri="{BB962C8B-B14F-4D97-AF65-F5344CB8AC3E}">
+        <p14:creationId xmlns:p14="http://schemas.microsoft.com/office/powerpoint/2010/main" val="2813492839"/>
       </p:ext>
     </p:extLst>
   </p:cSld>
@@ -3792,810 +3449,6 @@
 </file>
 
 <file path=ppt/slideLayouts/slideLayout3.xml><?xml version="1.0" encoding="utf-8"?>
-<p:sldLayout xmlns:a="http://schemas.openxmlformats.org/drawingml/2006/main" xmlns:r="http://schemas.openxmlformats.org/officeDocument/2006/relationships" xmlns:p="http://schemas.openxmlformats.org/presentationml/2006/main" matchingName="Quote">
-  <p:cSld name="TITLE_1_1">
-    <p:spTree>
-      <p:nvGrpSpPr>
-        <p:cNvPr id="1" name="Shape 34"/>
-        <p:cNvGrpSpPr/>
-        <p:nvPr/>
-      </p:nvGrpSpPr>
-      <p:grpSpPr>
-        <a:xfrm>
-          <a:off x="0" y="0"/>
-          <a:ext cx="0" cy="0"/>
-          <a:chOff x="0" y="0"/>
-          <a:chExt cx="0" cy="0"/>
-        </a:xfrm>
-      </p:grpSpPr>
-      <p:sp>
-        <p:nvSpPr>
-          <p:cNvPr id="35" name="Google Shape;35;p4"/>
-          <p:cNvSpPr txBox="1">
-            <a:spLocks noGrp="1"/>
-          </p:cNvSpPr>
-          <p:nvPr>
-            <p:ph type="body" idx="1"/>
-          </p:nvPr>
-        </p:nvSpPr>
-        <p:spPr>
-          <a:xfrm>
-            <a:off x="2225675" y="2161800"/>
-            <a:ext cx="4692600" cy="819900"/>
-          </a:xfrm>
-          <a:prstGeom prst="rect">
-            <a:avLst/>
-          </a:prstGeom>
-        </p:spPr>
-        <p:txBody>
-          <a:bodyPr spcFirstLastPara="1" wrap="square" lIns="91425" tIns="91425" rIns="91425" bIns="91425" anchor="ctr" anchorCtr="0">
-            <a:noAutofit/>
-          </a:bodyPr>
-          <a:lstStyle>
-            <a:lvl1pPr marL="457200" lvl="0" indent="-381000" algn="ctr" rtl="0">
-              <a:spcBef>
-                <a:spcPts val="600"/>
-              </a:spcBef>
-              <a:spcAft>
-                <a:spcPts val="0"/>
-              </a:spcAft>
-              <a:buSzPts val="2400"/>
-              <a:buChar char="›"/>
-              <a:defRPr b="1" i="1"/>
-            </a:lvl1pPr>
-            <a:lvl2pPr marL="914400" lvl="1" indent="-381000" algn="ctr" rtl="0">
-              <a:spcBef>
-                <a:spcPts val="0"/>
-              </a:spcBef>
-              <a:spcAft>
-                <a:spcPts val="0"/>
-              </a:spcAft>
-              <a:buSzPts val="2400"/>
-              <a:buChar char="›"/>
-              <a:defRPr b="1" i="1"/>
-            </a:lvl2pPr>
-            <a:lvl3pPr marL="1371600" lvl="2" indent="-381000" algn="ctr" rtl="0">
-              <a:spcBef>
-                <a:spcPts val="0"/>
-              </a:spcBef>
-              <a:spcAft>
-                <a:spcPts val="0"/>
-              </a:spcAft>
-              <a:buSzPts val="2400"/>
-              <a:buChar char="›"/>
-              <a:defRPr b="1" i="1"/>
-            </a:lvl3pPr>
-            <a:lvl4pPr marL="1828800" lvl="3" indent="-381000" algn="ctr" rtl="0">
-              <a:spcBef>
-                <a:spcPts val="0"/>
-              </a:spcBef>
-              <a:spcAft>
-                <a:spcPts val="0"/>
-              </a:spcAft>
-              <a:buSzPts val="2400"/>
-              <a:buChar char="›"/>
-              <a:defRPr b="1" i="1"/>
-            </a:lvl4pPr>
-            <a:lvl5pPr marL="2286000" lvl="4" indent="-381000" algn="ctr" rtl="0">
-              <a:spcBef>
-                <a:spcPts val="0"/>
-              </a:spcBef>
-              <a:spcAft>
-                <a:spcPts val="0"/>
-              </a:spcAft>
-              <a:buSzPts val="2400"/>
-              <a:buChar char="›"/>
-              <a:defRPr b="1" i="1"/>
-            </a:lvl5pPr>
-            <a:lvl6pPr marL="2743200" lvl="5" indent="-381000" algn="ctr" rtl="0">
-              <a:spcBef>
-                <a:spcPts val="0"/>
-              </a:spcBef>
-              <a:spcAft>
-                <a:spcPts val="0"/>
-              </a:spcAft>
-              <a:buSzPts val="2400"/>
-              <a:buChar char="›"/>
-              <a:defRPr b="1" i="1"/>
-            </a:lvl6pPr>
-            <a:lvl7pPr marL="3200400" lvl="6" indent="-381000" algn="ctr" rtl="0">
-              <a:spcBef>
-                <a:spcPts val="0"/>
-              </a:spcBef>
-              <a:spcAft>
-                <a:spcPts val="0"/>
-              </a:spcAft>
-              <a:buSzPts val="2400"/>
-              <a:buChar char="›"/>
-              <a:defRPr b="1" i="1"/>
-            </a:lvl7pPr>
-            <a:lvl8pPr marL="3657600" lvl="7" indent="-381000" algn="ctr" rtl="0">
-              <a:spcBef>
-                <a:spcPts val="0"/>
-              </a:spcBef>
-              <a:spcAft>
-                <a:spcPts val="0"/>
-              </a:spcAft>
-              <a:buSzPts val="2400"/>
-              <a:buChar char="›"/>
-              <a:defRPr b="1" i="1"/>
-            </a:lvl8pPr>
-            <a:lvl9pPr marL="4114800" lvl="8" indent="-381000" algn="ctr">
-              <a:spcBef>
-                <a:spcPts val="0"/>
-              </a:spcBef>
-              <a:spcAft>
-                <a:spcPts val="0"/>
-              </a:spcAft>
-              <a:buSzPts val="2400"/>
-              <a:buChar char="»"/>
-              <a:defRPr b="1" i="1"/>
-            </a:lvl9pPr>
-          </a:lstStyle>
-          <a:p>
-            <a:endParaRPr/>
-          </a:p>
-        </p:txBody>
-      </p:sp>
-      <p:grpSp>
-        <p:nvGrpSpPr>
-          <p:cNvPr id="36" name="Google Shape;36;p4"/>
-          <p:cNvGrpSpPr/>
-          <p:nvPr/>
-        </p:nvGrpSpPr>
-        <p:grpSpPr>
-          <a:xfrm>
-            <a:off x="7395202" y="-6"/>
-            <a:ext cx="1748884" cy="4013021"/>
-            <a:chOff x="7395202" y="-6"/>
-            <a:chExt cx="1748884" cy="4013021"/>
-          </a:xfrm>
-        </p:grpSpPr>
-        <p:sp>
-          <p:nvSpPr>
-            <p:cNvPr id="37" name="Google Shape;37;p4"/>
-            <p:cNvSpPr/>
-            <p:nvPr/>
-          </p:nvSpPr>
-          <p:spPr>
-            <a:xfrm rot="5400000" flipH="1">
-              <a:off x="7471942" y="406044"/>
-              <a:ext cx="2078100" cy="1266000"/>
-            </a:xfrm>
-            <a:prstGeom prst="parallelogram">
-              <a:avLst>
-                <a:gd name="adj" fmla="val 81897"/>
-              </a:avLst>
-            </a:prstGeom>
-            <a:gradFill>
-              <a:gsLst>
-                <a:gs pos="0">
-                  <a:srgbClr val="CC3399"/>
-                </a:gs>
-                <a:gs pos="100000">
-                  <a:srgbClr val="6699FF"/>
-                </a:gs>
-              </a:gsLst>
-              <a:lin ang="5400012" scaled="0"/>
-            </a:gradFill>
-            <a:ln>
-              <a:noFill/>
-            </a:ln>
-          </p:spPr>
-          <p:txBody>
-            <a:bodyPr spcFirstLastPara="1" wrap="square" lIns="91425" tIns="45700" rIns="91425" bIns="45700" anchor="ctr" anchorCtr="0">
-              <a:noAutofit/>
-            </a:bodyPr>
-            <a:lstStyle/>
-            <a:p>
-              <a:pPr marL="0" marR="0" lvl="0" indent="0" algn="ctr" rtl="0">
-                <a:spcBef>
-                  <a:spcPts val="0"/>
-                </a:spcBef>
-                <a:spcAft>
-                  <a:spcPts val="0"/>
-                </a:spcAft>
-                <a:buNone/>
-              </a:pPr>
-              <a:endParaRPr sz="1800" b="0" i="0" u="none" strike="noStrike" cap="none">
-                <a:solidFill>
-                  <a:srgbClr val="FFFFFF"/>
-                </a:solidFill>
-                <a:latin typeface="Calibri"/>
-                <a:ea typeface="Calibri"/>
-                <a:cs typeface="Calibri"/>
-                <a:sym typeface="Calibri"/>
-              </a:endParaRPr>
-            </a:p>
-          </p:txBody>
-        </p:sp>
-        <p:sp>
-          <p:nvSpPr>
-            <p:cNvPr id="38" name="Google Shape;38;p4"/>
-            <p:cNvSpPr/>
-            <p:nvPr/>
-          </p:nvSpPr>
-          <p:spPr>
-            <a:xfrm rot="5400000" flipH="1">
-              <a:off x="7072800" y="1666234"/>
-              <a:ext cx="2574300" cy="1568100"/>
-            </a:xfrm>
-            <a:prstGeom prst="parallelogram">
-              <a:avLst>
-                <a:gd name="adj" fmla="val 81897"/>
-              </a:avLst>
-            </a:prstGeom>
-            <a:gradFill>
-              <a:gsLst>
-                <a:gs pos="0">
-                  <a:srgbClr val="33CCCC"/>
-                </a:gs>
-                <a:gs pos="100000">
-                  <a:srgbClr val="66FF33"/>
-                </a:gs>
-              </a:gsLst>
-              <a:lin ang="5400012" scaled="0"/>
-            </a:gradFill>
-            <a:ln>
-              <a:noFill/>
-            </a:ln>
-          </p:spPr>
-          <p:txBody>
-            <a:bodyPr spcFirstLastPara="1" wrap="square" lIns="91425" tIns="45700" rIns="91425" bIns="45700" anchor="ctr" anchorCtr="0">
-              <a:noAutofit/>
-            </a:bodyPr>
-            <a:lstStyle/>
-            <a:p>
-              <a:pPr marL="0" marR="0" lvl="0" indent="0" algn="ctr" rtl="0">
-                <a:spcBef>
-                  <a:spcPts val="0"/>
-                </a:spcBef>
-                <a:spcAft>
-                  <a:spcPts val="0"/>
-                </a:spcAft>
-                <a:buNone/>
-              </a:pPr>
-              <a:endParaRPr sz="1800" b="0" i="0" u="none" strike="noStrike" cap="none">
-                <a:solidFill>
-                  <a:srgbClr val="FFFFFF"/>
-                </a:solidFill>
-                <a:latin typeface="Calibri"/>
-                <a:ea typeface="Calibri"/>
-                <a:cs typeface="Calibri"/>
-                <a:sym typeface="Calibri"/>
-              </a:endParaRPr>
-            </a:p>
-          </p:txBody>
-        </p:sp>
-        <p:sp>
-          <p:nvSpPr>
-            <p:cNvPr id="39" name="Google Shape;39;p4"/>
-            <p:cNvSpPr/>
-            <p:nvPr/>
-          </p:nvSpPr>
-          <p:spPr>
-            <a:xfrm rot="-5400000">
-              <a:off x="8020587" y="2718092"/>
-              <a:ext cx="1396200" cy="850800"/>
-            </a:xfrm>
-            <a:prstGeom prst="parallelogram">
-              <a:avLst>
-                <a:gd name="adj" fmla="val 81897"/>
-              </a:avLst>
-            </a:prstGeom>
-            <a:gradFill>
-              <a:gsLst>
-                <a:gs pos="0">
-                  <a:srgbClr val="FF0066"/>
-                </a:gs>
-                <a:gs pos="100000">
-                  <a:srgbClr val="FF9900"/>
-                </a:gs>
-              </a:gsLst>
-              <a:lin ang="5400012" scaled="0"/>
-            </a:gradFill>
-            <a:ln>
-              <a:noFill/>
-            </a:ln>
-          </p:spPr>
-          <p:txBody>
-            <a:bodyPr spcFirstLastPara="1" wrap="square" lIns="91425" tIns="45700" rIns="91425" bIns="45700" anchor="ctr" anchorCtr="0">
-              <a:noAutofit/>
-            </a:bodyPr>
-            <a:lstStyle/>
-            <a:p>
-              <a:pPr marL="0" marR="0" lvl="0" indent="0" algn="ctr" rtl="0">
-                <a:spcBef>
-                  <a:spcPts val="0"/>
-                </a:spcBef>
-                <a:spcAft>
-                  <a:spcPts val="0"/>
-                </a:spcAft>
-                <a:buNone/>
-              </a:pPr>
-              <a:endParaRPr sz="1800" b="0" i="0" u="none" strike="noStrike" cap="none">
-                <a:solidFill>
-                  <a:srgbClr val="FFFFFF"/>
-                </a:solidFill>
-                <a:latin typeface="Calibri"/>
-                <a:ea typeface="Calibri"/>
-                <a:cs typeface="Calibri"/>
-                <a:sym typeface="Calibri"/>
-              </a:endParaRPr>
-            </a:p>
-          </p:txBody>
-        </p:sp>
-        <p:sp>
-          <p:nvSpPr>
-            <p:cNvPr id="40" name="Google Shape;40;p4"/>
-            <p:cNvSpPr/>
-            <p:nvPr/>
-          </p:nvSpPr>
-          <p:spPr>
-            <a:xfrm rot="-5400000">
-              <a:off x="7178152" y="542730"/>
-              <a:ext cx="1110900" cy="676800"/>
-            </a:xfrm>
-            <a:prstGeom prst="parallelogram">
-              <a:avLst>
-                <a:gd name="adj" fmla="val 81897"/>
-              </a:avLst>
-            </a:prstGeom>
-            <a:solidFill>
-              <a:srgbClr val="FFFFFF">
-                <a:alpha val="14229"/>
-              </a:srgbClr>
-            </a:solidFill>
-            <a:ln>
-              <a:noFill/>
-            </a:ln>
-          </p:spPr>
-          <p:txBody>
-            <a:bodyPr spcFirstLastPara="1" wrap="square" lIns="91425" tIns="45700" rIns="91425" bIns="45700" anchor="ctr" anchorCtr="0">
-              <a:noAutofit/>
-            </a:bodyPr>
-            <a:lstStyle/>
-            <a:p>
-              <a:pPr marL="0" marR="0" lvl="0" indent="0" algn="ctr" rtl="0">
-                <a:spcBef>
-                  <a:spcPts val="0"/>
-                </a:spcBef>
-                <a:spcAft>
-                  <a:spcPts val="0"/>
-                </a:spcAft>
-                <a:buNone/>
-              </a:pPr>
-              <a:endParaRPr sz="1800" b="0" i="0" u="none" strike="noStrike" cap="none">
-                <a:solidFill>
-                  <a:srgbClr val="FFFFFF"/>
-                </a:solidFill>
-                <a:latin typeface="Calibri"/>
-                <a:ea typeface="Calibri"/>
-                <a:cs typeface="Calibri"/>
-                <a:sym typeface="Calibri"/>
-              </a:endParaRPr>
-            </a:p>
-          </p:txBody>
-        </p:sp>
-        <p:sp>
-          <p:nvSpPr>
-            <p:cNvPr id="41" name="Google Shape;41;p4"/>
-            <p:cNvSpPr/>
-            <p:nvPr/>
-          </p:nvSpPr>
-          <p:spPr>
-            <a:xfrm rot="-5400000" flipH="1">
-              <a:off x="8242801" y="3381815"/>
-              <a:ext cx="784500" cy="477900"/>
-            </a:xfrm>
-            <a:prstGeom prst="parallelogram">
-              <a:avLst>
-                <a:gd name="adj" fmla="val 81897"/>
-              </a:avLst>
-            </a:prstGeom>
-            <a:solidFill>
-              <a:srgbClr val="0066FF">
-                <a:alpha val="22690"/>
-              </a:srgbClr>
-            </a:solidFill>
-            <a:ln>
-              <a:noFill/>
-            </a:ln>
-          </p:spPr>
-          <p:txBody>
-            <a:bodyPr spcFirstLastPara="1" wrap="square" lIns="91425" tIns="45700" rIns="91425" bIns="45700" anchor="ctr" anchorCtr="0">
-              <a:noAutofit/>
-            </a:bodyPr>
-            <a:lstStyle/>
-            <a:p>
-              <a:pPr marL="0" marR="0" lvl="0" indent="0" algn="ctr" rtl="0">
-                <a:spcBef>
-                  <a:spcPts val="0"/>
-                </a:spcBef>
-                <a:spcAft>
-                  <a:spcPts val="0"/>
-                </a:spcAft>
-                <a:buNone/>
-              </a:pPr>
-              <a:endParaRPr sz="1800" b="0" i="0" u="none" strike="noStrike" cap="none">
-                <a:solidFill>
-                  <a:srgbClr val="FFFFFF"/>
-                </a:solidFill>
-                <a:latin typeface="Calibri"/>
-                <a:ea typeface="Calibri"/>
-                <a:cs typeface="Calibri"/>
-                <a:sym typeface="Calibri"/>
-              </a:endParaRPr>
-            </a:p>
-          </p:txBody>
-        </p:sp>
-      </p:grpSp>
-      <p:sp>
-        <p:nvSpPr>
-          <p:cNvPr id="42" name="Google Shape;42;p4"/>
-          <p:cNvSpPr/>
-          <p:nvPr/>
-        </p:nvSpPr>
-        <p:spPr>
-          <a:xfrm rot="5400000" flipH="1">
-            <a:off x="-479615" y="1845054"/>
-            <a:ext cx="2455200" cy="1495800"/>
-          </a:xfrm>
-          <a:prstGeom prst="parallelogram">
-            <a:avLst>
-              <a:gd name="adj" fmla="val 81897"/>
-            </a:avLst>
-          </a:prstGeom>
-          <a:gradFill>
-            <a:gsLst>
-              <a:gs pos="0">
-                <a:srgbClr val="CC3399"/>
-              </a:gs>
-              <a:gs pos="100000">
-                <a:srgbClr val="6699FF"/>
-              </a:gs>
-            </a:gsLst>
-            <a:lin ang="5400012" scaled="0"/>
-          </a:gradFill>
-          <a:ln>
-            <a:noFill/>
-          </a:ln>
-        </p:spPr>
-        <p:txBody>
-          <a:bodyPr spcFirstLastPara="1" wrap="square" lIns="91425" tIns="45700" rIns="91425" bIns="45700" anchor="ctr" anchorCtr="0">
-            <a:noAutofit/>
-          </a:bodyPr>
-          <a:lstStyle/>
-          <a:p>
-            <a:pPr marL="0" marR="0" lvl="0" indent="0" algn="ctr" rtl="0">
-              <a:spcBef>
-                <a:spcPts val="0"/>
-              </a:spcBef>
-              <a:spcAft>
-                <a:spcPts val="0"/>
-              </a:spcAft>
-              <a:buNone/>
-            </a:pPr>
-            <a:endParaRPr sz="1800" b="0" i="0" u="none" strike="noStrike" cap="none">
-              <a:solidFill>
-                <a:srgbClr val="FFFFFF"/>
-              </a:solidFill>
-              <a:latin typeface="Calibri"/>
-              <a:ea typeface="Calibri"/>
-              <a:cs typeface="Calibri"/>
-              <a:sym typeface="Calibri"/>
-            </a:endParaRPr>
-          </a:p>
-        </p:txBody>
-      </p:sp>
-      <p:sp>
-        <p:nvSpPr>
-          <p:cNvPr id="43" name="Google Shape;43;p4"/>
-          <p:cNvSpPr/>
-          <p:nvPr/>
-        </p:nvSpPr>
-        <p:spPr>
-          <a:xfrm rot="5400000">
-            <a:off x="-262152" y="1526813"/>
-            <a:ext cx="1340700" cy="816300"/>
-          </a:xfrm>
-          <a:prstGeom prst="parallelogram">
-            <a:avLst>
-              <a:gd name="adj" fmla="val 81897"/>
-            </a:avLst>
-          </a:prstGeom>
-          <a:gradFill>
-            <a:gsLst>
-              <a:gs pos="0">
-                <a:srgbClr val="33CCCC"/>
-              </a:gs>
-              <a:gs pos="100000">
-                <a:srgbClr val="66FF33"/>
-              </a:gs>
-            </a:gsLst>
-            <a:lin ang="5400012" scaled="0"/>
-          </a:gradFill>
-          <a:ln>
-            <a:noFill/>
-          </a:ln>
-        </p:spPr>
-        <p:txBody>
-          <a:bodyPr spcFirstLastPara="1" wrap="square" lIns="91425" tIns="45700" rIns="91425" bIns="45700" anchor="ctr" anchorCtr="0">
-            <a:noAutofit/>
-          </a:bodyPr>
-          <a:lstStyle/>
-          <a:p>
-            <a:pPr marL="0" marR="0" lvl="0" indent="0" algn="ctr" rtl="0">
-              <a:spcBef>
-                <a:spcPts val="0"/>
-              </a:spcBef>
-              <a:spcAft>
-                <a:spcPts val="0"/>
-              </a:spcAft>
-              <a:buNone/>
-            </a:pPr>
-            <a:endParaRPr sz="1800" b="0" i="0" u="none" strike="noStrike" cap="none">
-              <a:solidFill>
-                <a:srgbClr val="FFFFFF"/>
-              </a:solidFill>
-              <a:latin typeface="Calibri"/>
-              <a:ea typeface="Calibri"/>
-              <a:cs typeface="Calibri"/>
-              <a:sym typeface="Calibri"/>
-            </a:endParaRPr>
-          </a:p>
-        </p:txBody>
-      </p:sp>
-      <p:sp>
-        <p:nvSpPr>
-          <p:cNvPr id="44" name="Google Shape;44;p4"/>
-          <p:cNvSpPr/>
-          <p:nvPr/>
-        </p:nvSpPr>
-        <p:spPr>
-          <a:xfrm rot="-5400000" flipH="1">
-            <a:off x="-358985" y="3663619"/>
-            <a:ext cx="1838515" cy="1120555"/>
-          </a:xfrm>
-          <a:prstGeom prst="parallelogram">
-            <a:avLst>
-              <a:gd name="adj" fmla="val 81897"/>
-            </a:avLst>
-          </a:prstGeom>
-          <a:gradFill>
-            <a:gsLst>
-              <a:gs pos="0">
-                <a:srgbClr val="FF0066"/>
-              </a:gs>
-              <a:gs pos="100000">
-                <a:srgbClr val="FF9900"/>
-              </a:gs>
-            </a:gsLst>
-            <a:lin ang="5400012" scaled="0"/>
-          </a:gradFill>
-          <a:ln>
-            <a:noFill/>
-          </a:ln>
-        </p:spPr>
-        <p:txBody>
-          <a:bodyPr spcFirstLastPara="1" wrap="square" lIns="91425" tIns="45700" rIns="91425" bIns="45700" anchor="ctr" anchorCtr="0">
-            <a:noAutofit/>
-          </a:bodyPr>
-          <a:lstStyle/>
-          <a:p>
-            <a:pPr marL="0" marR="0" lvl="0" indent="0" algn="ctr" rtl="0">
-              <a:spcBef>
-                <a:spcPts val="0"/>
-              </a:spcBef>
-              <a:spcAft>
-                <a:spcPts val="0"/>
-              </a:spcAft>
-              <a:buNone/>
-            </a:pPr>
-            <a:endParaRPr sz="1800" b="0" i="0" u="none" strike="noStrike" cap="none">
-              <a:solidFill>
-                <a:srgbClr val="FFFFFF"/>
-              </a:solidFill>
-              <a:latin typeface="Calibri"/>
-              <a:ea typeface="Calibri"/>
-              <a:cs typeface="Calibri"/>
-              <a:sym typeface="Calibri"/>
-            </a:endParaRPr>
-          </a:p>
-        </p:txBody>
-      </p:sp>
-      <p:sp>
-        <p:nvSpPr>
-          <p:cNvPr id="45" name="Google Shape;45;p4"/>
-          <p:cNvSpPr/>
-          <p:nvPr/>
-        </p:nvSpPr>
-        <p:spPr>
-          <a:xfrm rot="-5400000">
-            <a:off x="-199052" y="1206482"/>
-            <a:ext cx="1018800" cy="620700"/>
-          </a:xfrm>
-          <a:prstGeom prst="parallelogram">
-            <a:avLst>
-              <a:gd name="adj" fmla="val 81897"/>
-            </a:avLst>
-          </a:prstGeom>
-          <a:solidFill>
-            <a:srgbClr val="FFFFFF">
-              <a:alpha val="14229"/>
-            </a:srgbClr>
-          </a:solidFill>
-          <a:ln>
-            <a:noFill/>
-          </a:ln>
-        </p:spPr>
-        <p:txBody>
-          <a:bodyPr spcFirstLastPara="1" wrap="square" lIns="91425" tIns="45700" rIns="91425" bIns="45700" anchor="ctr" anchorCtr="0">
-            <a:noAutofit/>
-          </a:bodyPr>
-          <a:lstStyle/>
-          <a:p>
-            <a:pPr marL="0" marR="0" lvl="0" indent="0" algn="ctr" rtl="0">
-              <a:spcBef>
-                <a:spcPts val="0"/>
-              </a:spcBef>
-              <a:spcAft>
-                <a:spcPts val="0"/>
-              </a:spcAft>
-              <a:buNone/>
-            </a:pPr>
-            <a:endParaRPr sz="1800" b="0" i="0" u="none" strike="noStrike" cap="none">
-              <a:solidFill>
-                <a:srgbClr val="FFFFFF"/>
-              </a:solidFill>
-              <a:latin typeface="Calibri"/>
-              <a:ea typeface="Calibri"/>
-              <a:cs typeface="Calibri"/>
-              <a:sym typeface="Calibri"/>
-            </a:endParaRPr>
-          </a:p>
-        </p:txBody>
-      </p:sp>
-      <p:sp>
-        <p:nvSpPr>
-          <p:cNvPr id="46" name="Google Shape;46;p4"/>
-          <p:cNvSpPr/>
-          <p:nvPr/>
-        </p:nvSpPr>
-        <p:spPr>
-          <a:xfrm rot="-5400000" flipH="1">
-            <a:off x="472234" y="3024661"/>
-            <a:ext cx="1272000" cy="775200"/>
-          </a:xfrm>
-          <a:prstGeom prst="parallelogram">
-            <a:avLst>
-              <a:gd name="adj" fmla="val 81897"/>
-            </a:avLst>
-          </a:prstGeom>
-          <a:solidFill>
-            <a:srgbClr val="0066FF">
-              <a:alpha val="22690"/>
-            </a:srgbClr>
-          </a:solidFill>
-          <a:ln>
-            <a:noFill/>
-          </a:ln>
-        </p:spPr>
-        <p:txBody>
-          <a:bodyPr spcFirstLastPara="1" wrap="square" lIns="91425" tIns="45700" rIns="91425" bIns="45700" anchor="ctr" anchorCtr="0">
-            <a:noAutofit/>
-          </a:bodyPr>
-          <a:lstStyle/>
-          <a:p>
-            <a:pPr marL="0" marR="0" lvl="0" indent="0" algn="ctr" rtl="0">
-              <a:spcBef>
-                <a:spcPts val="0"/>
-              </a:spcBef>
-              <a:spcAft>
-                <a:spcPts val="0"/>
-              </a:spcAft>
-              <a:buNone/>
-            </a:pPr>
-            <a:endParaRPr sz="1800" b="0" i="0" u="none" strike="noStrike" cap="none">
-              <a:solidFill>
-                <a:srgbClr val="FFFFFF"/>
-              </a:solidFill>
-              <a:latin typeface="Calibri"/>
-              <a:ea typeface="Calibri"/>
-              <a:cs typeface="Calibri"/>
-              <a:sym typeface="Calibri"/>
-            </a:endParaRPr>
-          </a:p>
-        </p:txBody>
-      </p:sp>
-      <p:sp>
-        <p:nvSpPr>
-          <p:cNvPr id="47" name="Google Shape;47;p4"/>
-          <p:cNvSpPr txBox="1">
-            <a:spLocks noGrp="1"/>
-          </p:cNvSpPr>
-          <p:nvPr>
-            <p:ph type="sldNum" idx="12"/>
-          </p:nvPr>
-        </p:nvSpPr>
-        <p:spPr>
-          <a:xfrm>
-            <a:off x="8556775" y="4812625"/>
-            <a:ext cx="587100" cy="330900"/>
-          </a:xfrm>
-          <a:prstGeom prst="rect">
-            <a:avLst/>
-          </a:prstGeom>
-        </p:spPr>
-        <p:txBody>
-          <a:bodyPr spcFirstLastPara="1" wrap="square" lIns="91425" tIns="91425" rIns="91425" bIns="91425" anchor="t" anchorCtr="0">
-            <a:noAutofit/>
-          </a:bodyPr>
-          <a:lstStyle>
-            <a:lvl1pPr lvl="0">
-              <a:buNone/>
-              <a:defRPr/>
-            </a:lvl1pPr>
-            <a:lvl2pPr lvl="1">
-              <a:buNone/>
-              <a:defRPr/>
-            </a:lvl2pPr>
-            <a:lvl3pPr lvl="2">
-              <a:buNone/>
-              <a:defRPr/>
-            </a:lvl3pPr>
-            <a:lvl4pPr lvl="3">
-              <a:buNone/>
-              <a:defRPr/>
-            </a:lvl4pPr>
-            <a:lvl5pPr lvl="4">
-              <a:buNone/>
-              <a:defRPr/>
-            </a:lvl5pPr>
-            <a:lvl6pPr lvl="5">
-              <a:buNone/>
-              <a:defRPr/>
-            </a:lvl6pPr>
-            <a:lvl7pPr lvl="6">
-              <a:buNone/>
-              <a:defRPr/>
-            </a:lvl7pPr>
-            <a:lvl8pPr lvl="7">
-              <a:buNone/>
-              <a:defRPr/>
-            </a:lvl8pPr>
-            <a:lvl9pPr lvl="8">
-              <a:buNone/>
-              <a:defRPr/>
-            </a:lvl9pPr>
-          </a:lstStyle>
-          <a:p>
-            <a:pPr marL="0" lvl="0" indent="0" algn="r" rtl="0">
-              <a:spcBef>
-                <a:spcPts val="0"/>
-              </a:spcBef>
-              <a:spcAft>
-                <a:spcPts val="0"/>
-              </a:spcAft>
-              <a:buNone/>
-            </a:pPr>
-            <a:fld id="{00000000-1234-1234-1234-123412341234}" type="slidenum">
-              <a:rPr lang="en"/>
-              <a:t>‹Nº›</a:t>
-            </a:fld>
-            <a:endParaRPr/>
-          </a:p>
-        </p:txBody>
-      </p:sp>
-    </p:spTree>
-  </p:cSld>
-  <p:clrMapOvr>
-    <a:masterClrMapping/>
-  </p:clrMapOvr>
-</p:sldLayout>
-</file>
-
-<file path=ppt/slideLayouts/slideLayout4.xml><?xml version="1.0" encoding="utf-8"?>
 <p:sldLayout xmlns:a="http://schemas.openxmlformats.org/drawingml/2006/main" xmlns:r="http://schemas.openxmlformats.org/officeDocument/2006/relationships" xmlns:p="http://schemas.openxmlformats.org/presentationml/2006/main" matchingName="Title + 1 column" type="tx">
   <p:cSld name="TITLE_AND_BODY">
     <p:spTree>
@@ -5543,7 +4396,7 @@
 </p:sldLayout>
 </file>
 
-<file path=ppt/slideLayouts/slideLayout5.xml><?xml version="1.0" encoding="utf-8"?>
+<file path=ppt/slideLayouts/slideLayout4.xml><?xml version="1.0" encoding="utf-8"?>
 <p:sldLayout xmlns:a="http://schemas.openxmlformats.org/drawingml/2006/main" xmlns:r="http://schemas.openxmlformats.org/officeDocument/2006/relationships" xmlns:p="http://schemas.openxmlformats.org/presentationml/2006/main" matchingName="Title + 2 columns" type="twoColTx">
   <p:cSld name="TITLE_AND_TWO_COLUMNS">
     <p:spTree>
@@ -6620,7 +5473,7 @@
 </p:sldLayout>
 </file>
 
-<file path=ppt/slideLayouts/slideLayout6.xml><?xml version="1.0" encoding="utf-8"?>
+<file path=ppt/slideLayouts/slideLayout5.xml><?xml version="1.0" encoding="utf-8"?>
 <p:sldLayout xmlns:a="http://schemas.openxmlformats.org/drawingml/2006/main" xmlns:r="http://schemas.openxmlformats.org/officeDocument/2006/relationships" xmlns:p="http://schemas.openxmlformats.org/presentationml/2006/main" matchingName="Title + 3 columns">
   <p:cSld name="TITLE_AND_TWO_COLUMNS_1">
     <p:spTree>
@@ -7826,7 +6679,7 @@
 </p:sldLayout>
 </file>
 
-<file path=ppt/slideLayouts/slideLayout7.xml><?xml version="1.0" encoding="utf-8"?>
+<file path=ppt/slideLayouts/slideLayout6.xml><?xml version="1.0" encoding="utf-8"?>
 <p:sldLayout xmlns:a="http://schemas.openxmlformats.org/drawingml/2006/main" xmlns:r="http://schemas.openxmlformats.org/officeDocument/2006/relationships" xmlns:p="http://schemas.openxmlformats.org/presentationml/2006/main" matchingName="Blank small" type="blank">
   <p:cSld name="BLANK">
     <p:spTree>
@@ -8516,7 +7369,7 @@
 </p:sldLayout>
 </file>
 
-<file path=ppt/slideLayouts/slideLayout8.xml><?xml version="1.0" encoding="utf-8"?>
+<file path=ppt/slideLayouts/slideLayout7.xml><?xml version="1.0" encoding="utf-8"?>
 <p:sldLayout xmlns:a="http://schemas.openxmlformats.org/drawingml/2006/main" xmlns:r="http://schemas.openxmlformats.org/officeDocument/2006/relationships" xmlns:p="http://schemas.openxmlformats.org/presentationml/2006/main" matchingName="Blank green gradient">
   <p:cSld name="BLANK_2">
     <p:bg>
@@ -9156,7 +8009,7 @@
 </p:sldLayout>
 </file>
 
-<file path=ppt/slideLayouts/slideLayout9.xml><?xml version="1.0" encoding="utf-8"?>
+<file path=ppt/slideLayouts/slideLayout8.xml><?xml version="1.0" encoding="utf-8"?>
 <p:sldLayout xmlns:a="http://schemas.openxmlformats.org/drawingml/2006/main" xmlns:r="http://schemas.openxmlformats.org/officeDocument/2006/relationships" xmlns:p="http://schemas.openxmlformats.org/presentationml/2006/main" matchingName="Blank big">
   <p:cSld name="BLANK_1">
     <p:spTree>
@@ -10499,13 +9352,12 @@
   <p:sldLayoutIdLst>
     <p:sldLayoutId id="2147483648" r:id="rId1"/>
     <p:sldLayoutId id="2147483649" r:id="rId2"/>
-    <p:sldLayoutId id="2147483650" r:id="rId3"/>
-    <p:sldLayoutId id="2147483651" r:id="rId4"/>
-    <p:sldLayoutId id="2147483652" r:id="rId5"/>
-    <p:sldLayoutId id="2147483653" r:id="rId6"/>
-    <p:sldLayoutId id="2147483656" r:id="rId7"/>
-    <p:sldLayoutId id="2147483657" r:id="rId8"/>
-    <p:sldLayoutId id="2147483660" r:id="rId9"/>
+    <p:sldLayoutId id="2147483651" r:id="rId3"/>
+    <p:sldLayoutId id="2147483652" r:id="rId4"/>
+    <p:sldLayoutId id="2147483653" r:id="rId5"/>
+    <p:sldLayoutId id="2147483656" r:id="rId6"/>
+    <p:sldLayoutId id="2147483657" r:id="rId7"/>
+    <p:sldLayoutId id="2147483660" r:id="rId8"/>
   </p:sldLayoutIdLst>
   <p:transition>
     <p:fade thruBlk="1"/>
@@ -11277,6 +10129,145 @@
 <file path=ppt/slides/slide10.xml><?xml version="1.0" encoding="utf-8"?>
 <p:sld xmlns:a="http://schemas.openxmlformats.org/drawingml/2006/main" xmlns:r="http://schemas.openxmlformats.org/officeDocument/2006/relationships" xmlns:p="http://schemas.openxmlformats.org/presentationml/2006/main">
   <p:cSld>
+    <p:spTree>
+      <p:nvGrpSpPr>
+        <p:cNvPr id="1" name="Shape 263"/>
+        <p:cNvGrpSpPr/>
+        <p:nvPr/>
+      </p:nvGrpSpPr>
+      <p:grpSpPr>
+        <a:xfrm>
+          <a:off x="0" y="0"/>
+          <a:ext cx="0" cy="0"/>
+          <a:chOff x="0" y="0"/>
+          <a:chExt cx="0" cy="0"/>
+        </a:xfrm>
+      </p:grpSpPr>
+      <p:sp>
+        <p:nvSpPr>
+          <p:cNvPr id="264" name="Google Shape;264;p23"/>
+          <p:cNvSpPr txBox="1">
+            <a:spLocks noGrp="1"/>
+          </p:cNvSpPr>
+          <p:nvPr>
+            <p:ph type="title"/>
+          </p:nvPr>
+        </p:nvSpPr>
+        <p:spPr>
+          <a:xfrm>
+            <a:off x="1067099" y="217700"/>
+            <a:ext cx="5972100" cy="636000"/>
+          </a:xfrm>
+          <a:prstGeom prst="rect">
+            <a:avLst/>
+          </a:prstGeom>
+        </p:spPr>
+        <p:txBody>
+          <a:bodyPr spcFirstLastPara="1" wrap="square" lIns="91425" tIns="91425" rIns="91425" bIns="91425" anchor="b" anchorCtr="0">
+            <a:noAutofit/>
+          </a:bodyPr>
+          <a:lstStyle/>
+          <a:p>
+            <a:pPr marL="0" lvl="0" indent="0" algn="l" rtl="0">
+              <a:spcBef>
+                <a:spcPts val="0"/>
+              </a:spcBef>
+              <a:spcAft>
+                <a:spcPts val="0"/>
+              </a:spcAft>
+              <a:buNone/>
+            </a:pPr>
+            <a:r>
+              <a:rPr lang="en" dirty="0"/>
+              <a:t>Diagrama de Despliegue</a:t>
+            </a:r>
+            <a:endParaRPr dirty="0"/>
+          </a:p>
+        </p:txBody>
+      </p:sp>
+      <p:sp>
+        <p:nvSpPr>
+          <p:cNvPr id="268" name="Google Shape;268;p23"/>
+          <p:cNvSpPr txBox="1">
+            <a:spLocks noGrp="1"/>
+          </p:cNvSpPr>
+          <p:nvPr>
+            <p:ph type="sldNum" idx="12"/>
+          </p:nvPr>
+        </p:nvSpPr>
+        <p:spPr>
+          <a:xfrm>
+            <a:off x="8556775" y="4812625"/>
+            <a:ext cx="587100" cy="330900"/>
+          </a:xfrm>
+          <a:prstGeom prst="rect">
+            <a:avLst/>
+          </a:prstGeom>
+        </p:spPr>
+        <p:txBody>
+          <a:bodyPr spcFirstLastPara="1" wrap="square" lIns="91425" tIns="91425" rIns="91425" bIns="91425" anchor="t" anchorCtr="0">
+            <a:noAutofit/>
+          </a:bodyPr>
+          <a:lstStyle/>
+          <a:p>
+            <a:pPr marL="0" lvl="0" indent="0" algn="r" rtl="0">
+              <a:spcBef>
+                <a:spcPts val="0"/>
+              </a:spcBef>
+              <a:spcAft>
+                <a:spcPts val="0"/>
+              </a:spcAft>
+              <a:buNone/>
+            </a:pPr>
+            <a:fld id="{00000000-1234-1234-1234-123412341234}" type="slidenum">
+              <a:rPr lang="en"/>
+              <a:t>10</a:t>
+            </a:fld>
+            <a:endParaRPr/>
+          </a:p>
+        </p:txBody>
+      </p:sp>
+      <p:pic>
+        <p:nvPicPr>
+          <p:cNvPr id="3" name="Imagen 2" descr="Diagrama&#10;&#10;Descripción generada automáticamente">
+            <a:extLst>
+              <a:ext uri="{FF2B5EF4-FFF2-40B4-BE49-F238E27FC236}">
+                <a16:creationId xmlns:a16="http://schemas.microsoft.com/office/drawing/2014/main" id="{E757F36B-0B4B-4A2F-8188-C68A480972E1}"/>
+              </a:ext>
+            </a:extLst>
+          </p:cNvPr>
+          <p:cNvPicPr>
+            <a:picLocks noChangeAspect="1"/>
+          </p:cNvPicPr>
+          <p:nvPr/>
+        </p:nvPicPr>
+        <p:blipFill>
+          <a:blip r:embed="rId3"/>
+          <a:stretch>
+            <a:fillRect/>
+          </a:stretch>
+        </p:blipFill>
+        <p:spPr>
+          <a:xfrm>
+            <a:off x="928179" y="790640"/>
+            <a:ext cx="7287642" cy="4237763"/>
+          </a:xfrm>
+          <a:prstGeom prst="rect">
+            <a:avLst/>
+          </a:prstGeom>
+        </p:spPr>
+      </p:pic>
+    </p:spTree>
+  </p:cSld>
+  <p:clrMapOvr>
+    <a:masterClrMapping/>
+  </p:clrMapOvr>
+</p:sld>
+</file>
+
+<file path=ppt/slides/slide11.xml><?xml version="1.0" encoding="utf-8"?>
+<p:sld xmlns:a="http://schemas.openxmlformats.org/drawingml/2006/main" xmlns:r="http://schemas.openxmlformats.org/officeDocument/2006/relationships" xmlns:p="http://schemas.openxmlformats.org/presentationml/2006/main">
+  <p:cSld>
     <p:bg>
       <p:bgPr>
         <a:blipFill>
@@ -11382,7 +10373,7 @@
             </a:pPr>
             <a:fld id="{00000000-1234-1234-1234-123412341234}" type="slidenum">
               <a:rPr lang="en"/>
-              <a:t>10</a:t>
+              <a:t>11</a:t>
             </a:fld>
             <a:endParaRPr/>
           </a:p>
@@ -11426,7 +10417,7 @@
 </p:sld>
 </file>
 
-<file path=ppt/slides/slide11.xml><?xml version="1.0" encoding="utf-8"?>
+<file path=ppt/slides/slide12.xml><?xml version="1.0" encoding="utf-8"?>
 <p:sld xmlns:a="http://schemas.openxmlformats.org/drawingml/2006/main" xmlns:r="http://schemas.openxmlformats.org/officeDocument/2006/relationships" xmlns:p="http://schemas.openxmlformats.org/presentationml/2006/main">
   <p:cSld>
     <p:spTree>
@@ -11527,9 +10518,7 @@
             </p:grpSpPr>
             <p:pic>
               <p:nvPicPr>
-                <p:cNvPr id="7" name="Imagen 7">
-                  <a:hlinkClick r:id="rId3" action="ppaction://hlinksldjump"/>
-                </p:cNvPr>
+                <p:cNvPr id="2" name="Imagen 2"/>
                 <p:cNvPicPr>
                   <a:picLocks noSelect="1" noRot="1" noChangeAspect="1" noMove="1" noResize="1" noEditPoints="1" noAdjustHandles="1" noChangeArrowheads="1" noChangeShapeType="1"/>
                 </p:cNvPicPr>
@@ -11589,7 +10578,7 @@
           <a:p>
             <a:r>
               <a:rPr lang="es-CO" dirty="0">
-                <a:hlinkClick r:id="rId4"/>
+                <a:hlinkClick r:id="rId3"/>
               </a:rPr>
               <a:t>https://github.com/LauraCamilaPaez/Microservices-Architecture</a:t>
             </a:r>
@@ -11610,12 +10599,12 @@
 </p:sld>
 </file>
 
-<file path=ppt/slides/slide12.xml><?xml version="1.0" encoding="utf-8"?>
+<file path=ppt/slides/slide13.xml><?xml version="1.0" encoding="utf-8"?>
 <p:sld xmlns:a="http://schemas.openxmlformats.org/drawingml/2006/main" xmlns:r="http://schemas.openxmlformats.org/officeDocument/2006/relationships" xmlns:p="http://schemas.openxmlformats.org/presentationml/2006/main">
   <p:cSld>
     <p:spTree>
       <p:nvGrpSpPr>
-        <p:cNvPr id="1" name="Shape 263"/>
+        <p:cNvPr id="1" name="Shape 402"/>
         <p:cNvGrpSpPr/>
         <p:nvPr/>
       </p:nvGrpSpPr>
@@ -11629,18 +10618,18 @@
       </p:grpSpPr>
       <p:sp>
         <p:nvSpPr>
-          <p:cNvPr id="264" name="Google Shape;264;p23"/>
+          <p:cNvPr id="403" name="Google Shape;403;p38"/>
           <p:cNvSpPr txBox="1">
             <a:spLocks noGrp="1"/>
           </p:cNvSpPr>
           <p:nvPr>
-            <p:ph type="title"/>
+            <p:ph type="ctrTitle" idx="4294967295"/>
           </p:nvPr>
         </p:nvSpPr>
         <p:spPr>
           <a:xfrm>
-            <a:off x="1067099" y="217700"/>
-            <a:ext cx="5972100" cy="636000"/>
+            <a:off x="2715450" y="1523250"/>
+            <a:ext cx="3691200" cy="1159800"/>
           </a:xfrm>
           <a:prstGeom prst="rect">
             <a:avLst/>
@@ -11662,16 +10651,49 @@
               <a:buNone/>
             </a:pPr>
             <a:r>
-              <a:rPr lang="es-CO" dirty="0"/>
-              <a:t>Estructura de carpetas</a:t>
+              <a:rPr lang="en" sz="6000" dirty="0">
+                <a:latin typeface="Algerian" panose="04020705040A02060702" pitchFamily="82" charset="0"/>
+              </a:rPr>
+              <a:t>GRACIAS!</a:t>
             </a:r>
-            <a:endParaRPr dirty="0"/>
+            <a:endParaRPr sz="6000" dirty="0">
+              <a:latin typeface="Algerian" panose="04020705040A02060702" pitchFamily="82" charset="0"/>
+            </a:endParaRPr>
           </a:p>
         </p:txBody>
       </p:sp>
+      <p:pic>
+        <p:nvPicPr>
+          <p:cNvPr id="405" name="Google Shape;405;p38" descr="10.jpg"/>
+          <p:cNvPicPr preferRelativeResize="0"/>
+          <p:nvPr/>
+        </p:nvPicPr>
+        <p:blipFill rotWithShape="1">
+          <a:blip r:embed="rId3">
+            <a:alphaModFix/>
+          </a:blip>
+          <a:srcRect l="22840" t="14463" r="22840" b="19038"/>
+          <a:stretch/>
+        </p:blipFill>
+        <p:spPr>
+          <a:xfrm rot="-5400000">
+            <a:off x="-506100" y="506025"/>
+            <a:ext cx="3251400" cy="2239200"/>
+          </a:xfrm>
+          <a:prstGeom prst="parallelogram">
+            <a:avLst>
+              <a:gd name="adj" fmla="val 63779"/>
+            </a:avLst>
+          </a:prstGeom>
+          <a:noFill/>
+          <a:ln>
+            <a:noFill/>
+          </a:ln>
+        </p:spPr>
+      </p:pic>
       <p:sp>
         <p:nvSpPr>
-          <p:cNvPr id="268" name="Google Shape;268;p23"/>
+          <p:cNvPr id="406" name="Google Shape;406;p38"/>
           <p:cNvSpPr txBox="1">
             <a:spLocks noGrp="1"/>
           </p:cNvSpPr>
@@ -11705,18 +10727,13 @@
             </a:pPr>
             <a:fld id="{00000000-1234-1234-1234-123412341234}" type="slidenum">
               <a:rPr lang="en"/>
-              <a:t>12</a:t>
+              <a:t>13</a:t>
             </a:fld>
             <a:endParaRPr/>
           </a:p>
         </p:txBody>
       </p:sp>
     </p:spTree>
-    <p:extLst>
-      <p:ext uri="{BB962C8B-B14F-4D97-AF65-F5344CB8AC3E}">
-        <p14:creationId xmlns:p14="http://schemas.microsoft.com/office/powerpoint/2010/main" val="826480659"/>
-      </p:ext>
-    </p:extLst>
   </p:cSld>
   <p:clrMapOvr>
     <a:masterClrMapping/>
@@ -11724,7 +10741,3512 @@
 </p:sld>
 </file>
 
-<file path=ppt/slides/slide13.xml><?xml version="1.0" encoding="utf-8"?>
+<file path=ppt/slides/slide2.xml><?xml version="1.0" encoding="utf-8"?>
+<p:sld xmlns:a="http://schemas.openxmlformats.org/drawingml/2006/main" xmlns:r="http://schemas.openxmlformats.org/officeDocument/2006/relationships" xmlns:p="http://schemas.openxmlformats.org/presentationml/2006/main">
+  <p:cSld>
+    <p:spTree>
+      <p:nvGrpSpPr>
+        <p:cNvPr id="1" name="Shape 200"/>
+        <p:cNvGrpSpPr/>
+        <p:nvPr/>
+      </p:nvGrpSpPr>
+      <p:grpSpPr>
+        <a:xfrm>
+          <a:off x="0" y="0"/>
+          <a:ext cx="0" cy="0"/>
+          <a:chOff x="0" y="0"/>
+          <a:chExt cx="0" cy="0"/>
+        </a:xfrm>
+      </p:grpSpPr>
+      <p:sp>
+        <p:nvSpPr>
+          <p:cNvPr id="201" name="Google Shape;201;p16"/>
+          <p:cNvSpPr txBox="1">
+            <a:spLocks noGrp="1"/>
+          </p:cNvSpPr>
+          <p:nvPr>
+            <p:ph type="title"/>
+          </p:nvPr>
+        </p:nvSpPr>
+        <p:spPr>
+          <a:xfrm>
+            <a:off x="1067088" y="303250"/>
+            <a:ext cx="5972100" cy="636000"/>
+          </a:xfrm>
+          <a:prstGeom prst="rect">
+            <a:avLst/>
+          </a:prstGeom>
+        </p:spPr>
+        <p:txBody>
+          <a:bodyPr spcFirstLastPara="1" wrap="square" lIns="91425" tIns="91425" rIns="91425" bIns="91425" anchor="b" anchorCtr="0">
+            <a:noAutofit/>
+          </a:bodyPr>
+          <a:lstStyle/>
+          <a:p>
+            <a:pPr marL="0" lvl="0" indent="0" algn="l" rtl="0">
+              <a:spcBef>
+                <a:spcPts val="0"/>
+              </a:spcBef>
+              <a:spcAft>
+                <a:spcPts val="0"/>
+              </a:spcAft>
+              <a:buNone/>
+            </a:pPr>
+            <a:r>
+              <a:rPr lang="en" sz="4400" dirty="0">
+                <a:latin typeface="Algerian" panose="04020705040A02060702" pitchFamily="82" charset="0"/>
+              </a:rPr>
+              <a:t>INTEGRANTES</a:t>
+            </a:r>
+            <a:endParaRPr sz="4400" dirty="0">
+              <a:latin typeface="Algerian" panose="04020705040A02060702" pitchFamily="82" charset="0"/>
+            </a:endParaRPr>
+          </a:p>
+        </p:txBody>
+      </p:sp>
+      <p:sp>
+        <p:nvSpPr>
+          <p:cNvPr id="203" name="Google Shape;203;p16"/>
+          <p:cNvSpPr txBox="1">
+            <a:spLocks noGrp="1"/>
+          </p:cNvSpPr>
+          <p:nvPr>
+            <p:ph type="body" idx="2"/>
+          </p:nvPr>
+        </p:nvSpPr>
+        <p:spPr>
+          <a:xfrm>
+            <a:off x="1067087" y="1371597"/>
+            <a:ext cx="6147751" cy="3441027"/>
+          </a:xfrm>
+          <a:prstGeom prst="rect">
+            <a:avLst/>
+          </a:prstGeom>
+        </p:spPr>
+        <p:txBody>
+          <a:bodyPr spcFirstLastPara="1" wrap="square" lIns="91425" tIns="91425" rIns="91425" bIns="91425" anchor="t" anchorCtr="0">
+            <a:noAutofit/>
+          </a:bodyPr>
+          <a:lstStyle/>
+          <a:p>
+            <a:pPr marL="0" lvl="0" indent="0" algn="l" rtl="0">
+              <a:spcBef>
+                <a:spcPts val="600"/>
+              </a:spcBef>
+              <a:spcAft>
+                <a:spcPts val="0"/>
+              </a:spcAft>
+              <a:buNone/>
+            </a:pPr>
+            <a:r>
+              <a:rPr lang="es-CO" sz="2400" dirty="0"/>
+              <a:t>Leonardo Aponte</a:t>
+            </a:r>
+          </a:p>
+          <a:p>
+            <a:pPr marL="0" lvl="0" indent="0" algn="l" rtl="0">
+              <a:spcBef>
+                <a:spcPts val="600"/>
+              </a:spcBef>
+              <a:spcAft>
+                <a:spcPts val="0"/>
+              </a:spcAft>
+              <a:buNone/>
+            </a:pPr>
+            <a:r>
+              <a:rPr lang="es-CO" sz="2400" dirty="0"/>
+              <a:t>Laura Páez</a:t>
+            </a:r>
+          </a:p>
+          <a:p>
+            <a:pPr marL="0" lvl="0" indent="0" algn="l" rtl="0">
+              <a:spcBef>
+                <a:spcPts val="600"/>
+              </a:spcBef>
+              <a:spcAft>
+                <a:spcPts val="0"/>
+              </a:spcAft>
+              <a:buNone/>
+            </a:pPr>
+            <a:r>
+              <a:rPr lang="es-CO" sz="2400" dirty="0"/>
+              <a:t>Kevin Rodríguez</a:t>
+            </a:r>
+            <a:endParaRPr sz="2400" dirty="0"/>
+          </a:p>
+        </p:txBody>
+      </p:sp>
+      <p:sp>
+        <p:nvSpPr>
+          <p:cNvPr id="205" name="Google Shape;205;p16"/>
+          <p:cNvSpPr txBox="1">
+            <a:spLocks noGrp="1"/>
+          </p:cNvSpPr>
+          <p:nvPr>
+            <p:ph type="sldNum" idx="12"/>
+          </p:nvPr>
+        </p:nvSpPr>
+        <p:spPr>
+          <a:xfrm>
+            <a:off x="8556775" y="4812625"/>
+            <a:ext cx="587100" cy="330900"/>
+          </a:xfrm>
+          <a:prstGeom prst="rect">
+            <a:avLst/>
+          </a:prstGeom>
+        </p:spPr>
+        <p:txBody>
+          <a:bodyPr spcFirstLastPara="1" wrap="square" lIns="91425" tIns="91425" rIns="91425" bIns="91425" anchor="t" anchorCtr="0">
+            <a:noAutofit/>
+          </a:bodyPr>
+          <a:lstStyle/>
+          <a:p>
+            <a:pPr marL="0" lvl="0" indent="0" algn="r" rtl="0">
+              <a:spcBef>
+                <a:spcPts val="0"/>
+              </a:spcBef>
+              <a:spcAft>
+                <a:spcPts val="0"/>
+              </a:spcAft>
+              <a:buNone/>
+            </a:pPr>
+            <a:fld id="{00000000-1234-1234-1234-123412341234}" type="slidenum">
+              <a:rPr lang="en"/>
+              <a:t>2</a:t>
+            </a:fld>
+            <a:endParaRPr/>
+          </a:p>
+        </p:txBody>
+      </p:sp>
+    </p:spTree>
+  </p:cSld>
+  <p:clrMapOvr>
+    <a:masterClrMapping/>
+  </p:clrMapOvr>
+</p:sld>
+</file>
+
+<file path=ppt/slides/slide3.xml><?xml version="1.0" encoding="utf-8"?>
+<p:sld xmlns:a="http://schemas.openxmlformats.org/drawingml/2006/main" xmlns:r="http://schemas.openxmlformats.org/officeDocument/2006/relationships" xmlns:p="http://schemas.openxmlformats.org/presentationml/2006/main">
+  <p:cSld>
+    <p:spTree>
+      <p:nvGrpSpPr>
+        <p:cNvPr id="1" name="Shape 209"/>
+        <p:cNvGrpSpPr/>
+        <p:nvPr/>
+      </p:nvGrpSpPr>
+      <p:grpSpPr>
+        <a:xfrm>
+          <a:off x="0" y="0"/>
+          <a:ext cx="0" cy="0"/>
+          <a:chOff x="0" y="0"/>
+          <a:chExt cx="0" cy="0"/>
+        </a:xfrm>
+      </p:grpSpPr>
+      <p:sp>
+        <p:nvSpPr>
+          <p:cNvPr id="210" name="Google Shape;210;p17"/>
+          <p:cNvSpPr txBox="1">
+            <a:spLocks noGrp="1"/>
+          </p:cNvSpPr>
+          <p:nvPr>
+            <p:ph type="ctrTitle" idx="4294967295"/>
+          </p:nvPr>
+        </p:nvSpPr>
+        <p:spPr>
+          <a:xfrm>
+            <a:off x="2726600" y="291872"/>
+            <a:ext cx="4477087" cy="1333753"/>
+          </a:xfrm>
+          <a:prstGeom prst="rect">
+            <a:avLst/>
+          </a:prstGeom>
+        </p:spPr>
+        <p:txBody>
+          <a:bodyPr spcFirstLastPara="1" wrap="square" lIns="91425" tIns="91425" rIns="91425" bIns="91425" anchor="b" anchorCtr="0">
+            <a:noAutofit/>
+          </a:bodyPr>
+          <a:lstStyle/>
+          <a:p>
+            <a:pPr marL="0" lvl="0" indent="0" algn="l" rtl="0">
+              <a:spcBef>
+                <a:spcPts val="0"/>
+              </a:spcBef>
+              <a:spcAft>
+                <a:spcPts val="0"/>
+              </a:spcAft>
+              <a:buNone/>
+            </a:pPr>
+            <a:r>
+              <a:rPr lang="es-CO" sz="4000" dirty="0">
+                <a:latin typeface="Algerian" panose="04020705040A02060702" pitchFamily="82" charset="0"/>
+              </a:rPr>
+              <a:t>OPINION SEGÚN INDICACION</a:t>
+            </a:r>
+            <a:endParaRPr sz="4000" dirty="0">
+              <a:latin typeface="Algerian" panose="04020705040A02060702" pitchFamily="82" charset="0"/>
+            </a:endParaRPr>
+          </a:p>
+        </p:txBody>
+      </p:sp>
+      <p:sp>
+        <p:nvSpPr>
+          <p:cNvPr id="211" name="Google Shape;211;p17"/>
+          <p:cNvSpPr txBox="1">
+            <a:spLocks noGrp="1"/>
+          </p:cNvSpPr>
+          <p:nvPr>
+            <p:ph type="subTitle" idx="4294967295"/>
+          </p:nvPr>
+        </p:nvSpPr>
+        <p:spPr>
+          <a:xfrm>
+            <a:off x="2495543" y="1480660"/>
+            <a:ext cx="4939200" cy="1451700"/>
+          </a:xfrm>
+          <a:prstGeom prst="rect">
+            <a:avLst/>
+          </a:prstGeom>
+        </p:spPr>
+        <p:txBody>
+          <a:bodyPr spcFirstLastPara="1" wrap="square" lIns="91425" tIns="91425" rIns="91425" bIns="91425" anchor="t" anchorCtr="0">
+            <a:noAutofit/>
+          </a:bodyPr>
+          <a:lstStyle/>
+          <a:p>
+            <a:pPr marL="0" lvl="0" indent="0">
+              <a:buNone/>
+            </a:pPr>
+            <a:r>
+              <a:rPr lang="es-CO" sz="1800" dirty="0"/>
+              <a:t>Nuestro grupo opina que a arquitectura micro servicios son una cantidad indefinida de servidores que se ayudan de un servidor a otro dado que cada servidor fue creado única y exclusivamente para que realice una sola tarea de acuerdo a lo que haya pedido el cliente dándole un servicio, ya que si se le da la tarea de que realice un negocio completo es imposible que un solo servidor la realice, por eso se necesita de varios servidores que a su vez crean una red el cual hace que cada servidor se ayude mutuamente el cual facilita el uso de varias bases de datos.</a:t>
+            </a:r>
+            <a:endParaRPr sz="1800" b="1" dirty="0"/>
+          </a:p>
+        </p:txBody>
+      </p:sp>
+      <p:pic>
+        <p:nvPicPr>
+          <p:cNvPr id="212" name="Google Shape;212;p17" descr="10.jpg"/>
+          <p:cNvPicPr preferRelativeResize="0"/>
+          <p:nvPr/>
+        </p:nvPicPr>
+        <p:blipFill rotWithShape="1">
+          <a:blip r:embed="rId3">
+            <a:alphaModFix/>
+          </a:blip>
+          <a:srcRect l="22840" t="14463" r="22840" b="19038"/>
+          <a:stretch/>
+        </p:blipFill>
+        <p:spPr>
+          <a:xfrm rot="-5400000">
+            <a:off x="-506100" y="506025"/>
+            <a:ext cx="3251400" cy="2239200"/>
+          </a:xfrm>
+          <a:prstGeom prst="parallelogram">
+            <a:avLst>
+              <a:gd name="adj" fmla="val 63779"/>
+            </a:avLst>
+          </a:prstGeom>
+          <a:noFill/>
+          <a:ln>
+            <a:noFill/>
+          </a:ln>
+        </p:spPr>
+      </p:pic>
+      <p:sp>
+        <p:nvSpPr>
+          <p:cNvPr id="213" name="Google Shape;213;p17"/>
+          <p:cNvSpPr txBox="1">
+            <a:spLocks noGrp="1"/>
+          </p:cNvSpPr>
+          <p:nvPr>
+            <p:ph type="sldNum" idx="12"/>
+          </p:nvPr>
+        </p:nvSpPr>
+        <p:spPr>
+          <a:xfrm>
+            <a:off x="8556775" y="4812625"/>
+            <a:ext cx="587100" cy="330900"/>
+          </a:xfrm>
+          <a:prstGeom prst="rect">
+            <a:avLst/>
+          </a:prstGeom>
+        </p:spPr>
+        <p:txBody>
+          <a:bodyPr spcFirstLastPara="1" wrap="square" lIns="91425" tIns="91425" rIns="91425" bIns="91425" anchor="t" anchorCtr="0">
+            <a:noAutofit/>
+          </a:bodyPr>
+          <a:lstStyle/>
+          <a:p>
+            <a:pPr marL="0" lvl="0" indent="0" algn="r" rtl="0">
+              <a:spcBef>
+                <a:spcPts val="0"/>
+              </a:spcBef>
+              <a:spcAft>
+                <a:spcPts val="0"/>
+              </a:spcAft>
+              <a:buNone/>
+            </a:pPr>
+            <a:fld id="{00000000-1234-1234-1234-123412341234}" type="slidenum">
+              <a:rPr lang="en"/>
+              <a:t>3</a:t>
+            </a:fld>
+            <a:endParaRPr/>
+          </a:p>
+        </p:txBody>
+      </p:sp>
+    </p:spTree>
+  </p:cSld>
+  <p:clrMapOvr>
+    <a:masterClrMapping/>
+  </p:clrMapOvr>
+</p:sld>
+</file>
+
+<file path=ppt/slides/slide4.xml><?xml version="1.0" encoding="utf-8"?>
+<p:sld xmlns:a="http://schemas.openxmlformats.org/drawingml/2006/main" xmlns:r="http://schemas.openxmlformats.org/officeDocument/2006/relationships" xmlns:p="http://schemas.openxmlformats.org/presentationml/2006/main">
+  <p:cSld>
+    <p:spTree>
+      <p:nvGrpSpPr>
+        <p:cNvPr id="1" name="Shape 217"/>
+        <p:cNvGrpSpPr/>
+        <p:nvPr/>
+      </p:nvGrpSpPr>
+      <p:grpSpPr>
+        <a:xfrm>
+          <a:off x="0" y="0"/>
+          <a:ext cx="0" cy="0"/>
+          <a:chOff x="0" y="0"/>
+          <a:chExt cx="0" cy="0"/>
+        </a:xfrm>
+      </p:grpSpPr>
+      <p:sp>
+        <p:nvSpPr>
+          <p:cNvPr id="218" name="Google Shape;218;p18"/>
+          <p:cNvSpPr txBox="1">
+            <a:spLocks noGrp="1"/>
+          </p:cNvSpPr>
+          <p:nvPr>
+            <p:ph type="ctrTitle"/>
+          </p:nvPr>
+        </p:nvSpPr>
+        <p:spPr>
+          <a:xfrm>
+            <a:off x="2302211" y="156117"/>
+            <a:ext cx="3848100" cy="1003610"/>
+          </a:xfrm>
+          <a:prstGeom prst="rect">
+            <a:avLst/>
+          </a:prstGeom>
+        </p:spPr>
+        <p:txBody>
+          <a:bodyPr spcFirstLastPara="1" wrap="square" lIns="91425" tIns="91425" rIns="91425" bIns="91425" anchor="b" anchorCtr="0">
+            <a:noAutofit/>
+          </a:bodyPr>
+          <a:lstStyle/>
+          <a:p>
+            <a:pPr marL="0" lvl="0" indent="0" algn="ctr" rtl="0">
+              <a:spcBef>
+                <a:spcPts val="0"/>
+              </a:spcBef>
+              <a:spcAft>
+                <a:spcPts val="0"/>
+              </a:spcAft>
+              <a:buNone/>
+            </a:pPr>
+            <a:r>
+              <a:rPr lang="es-CO" dirty="0">
+                <a:latin typeface="Algerian" panose="04020705040A02060702" pitchFamily="82" charset="0"/>
+              </a:rPr>
+              <a:t>REGISTRO DE SERVICIOS</a:t>
+            </a:r>
+            <a:endParaRPr dirty="0">
+              <a:latin typeface="Algerian" panose="04020705040A02060702" pitchFamily="82" charset="0"/>
+            </a:endParaRPr>
+          </a:p>
+        </p:txBody>
+      </p:sp>
+      <p:sp>
+        <p:nvSpPr>
+          <p:cNvPr id="219" name="Google Shape;219;p18"/>
+          <p:cNvSpPr txBox="1">
+            <a:spLocks noGrp="1"/>
+          </p:cNvSpPr>
+          <p:nvPr>
+            <p:ph type="subTitle" idx="1"/>
+          </p:nvPr>
+        </p:nvSpPr>
+        <p:spPr>
+          <a:xfrm>
+            <a:off x="2152185" y="1076298"/>
+            <a:ext cx="4549697" cy="784800"/>
+          </a:xfrm>
+          <a:prstGeom prst="rect">
+            <a:avLst/>
+          </a:prstGeom>
+        </p:spPr>
+        <p:txBody>
+          <a:bodyPr spcFirstLastPara="1" wrap="square" lIns="91425" tIns="91425" rIns="91425" bIns="91425" anchor="t" anchorCtr="0">
+            <a:noAutofit/>
+          </a:bodyPr>
+          <a:lstStyle/>
+          <a:p>
+            <a:pPr marL="0" lvl="0" indent="0"/>
+            <a:r>
+              <a:rPr lang="es-CO" sz="1800" dirty="0"/>
+              <a:t>Nuestro grupo opina</a:t>
+            </a:r>
+            <a:r>
+              <a:rPr lang="es-CO" dirty="0"/>
+              <a:t> que a arquitectura micro servicios son una cantidad indefinida de servidores que se ayudan de un servidor a otro dado que cada servidor fue creado única y exclusivamente para que realice una sola tarea de acuerdo a lo que haya pedido el cliente dándole un servicio, ya que si se le da la tarea de que realice un negocio completo es imposible que un solo servidor la realice, por eso se necesita de varios servidores que a su vez crean una red el cual hace que cada servidor se ayude mutuamente el cual facilita el uso de varias bases de datos.</a:t>
+            </a:r>
+            <a:endParaRPr dirty="0"/>
+          </a:p>
+        </p:txBody>
+      </p:sp>
+      <p:sp>
+        <p:nvSpPr>
+          <p:cNvPr id="220" name="Google Shape;220;p18"/>
+          <p:cNvSpPr txBox="1">
+            <a:spLocks noGrp="1"/>
+          </p:cNvSpPr>
+          <p:nvPr>
+            <p:ph type="sldNum" idx="4294967295"/>
+          </p:nvPr>
+        </p:nvSpPr>
+        <p:spPr>
+          <a:xfrm>
+            <a:off x="8556775" y="4812625"/>
+            <a:ext cx="587100" cy="330900"/>
+          </a:xfrm>
+          <a:prstGeom prst="rect">
+            <a:avLst/>
+          </a:prstGeom>
+        </p:spPr>
+        <p:txBody>
+          <a:bodyPr spcFirstLastPara="1" wrap="square" lIns="91425" tIns="91425" rIns="91425" bIns="91425" anchor="t" anchorCtr="0">
+            <a:noAutofit/>
+          </a:bodyPr>
+          <a:lstStyle/>
+          <a:p>
+            <a:pPr marL="0" lvl="0" indent="0" algn="r" rtl="0">
+              <a:spcBef>
+                <a:spcPts val="0"/>
+              </a:spcBef>
+              <a:spcAft>
+                <a:spcPts val="0"/>
+              </a:spcAft>
+              <a:buNone/>
+            </a:pPr>
+            <a:fld id="{00000000-1234-1234-1234-123412341234}" type="slidenum">
+              <a:rPr lang="en"/>
+              <a:t>4</a:t>
+            </a:fld>
+            <a:endParaRPr/>
+          </a:p>
+        </p:txBody>
+      </p:sp>
+    </p:spTree>
+  </p:cSld>
+  <p:clrMapOvr>
+    <a:masterClrMapping/>
+  </p:clrMapOvr>
+</p:sld>
+</file>
+
+<file path=ppt/slides/slide5.xml><?xml version="1.0" encoding="utf-8"?>
+<p:sld xmlns:a="http://schemas.openxmlformats.org/drawingml/2006/main" xmlns:r="http://schemas.openxmlformats.org/officeDocument/2006/relationships" xmlns:p="http://schemas.openxmlformats.org/presentationml/2006/main">
+  <p:cSld>
+    <p:spTree>
+      <p:nvGrpSpPr>
+        <p:cNvPr id="1" name="Shape 237"/>
+        <p:cNvGrpSpPr/>
+        <p:nvPr/>
+      </p:nvGrpSpPr>
+      <p:grpSpPr>
+        <a:xfrm>
+          <a:off x="0" y="0"/>
+          <a:ext cx="0" cy="0"/>
+          <a:chOff x="0" y="0"/>
+          <a:chExt cx="0" cy="0"/>
+        </a:xfrm>
+      </p:grpSpPr>
+      <p:sp>
+        <p:nvSpPr>
+          <p:cNvPr id="238" name="Google Shape;238;p21"/>
+          <p:cNvSpPr txBox="1">
+            <a:spLocks noGrp="1"/>
+          </p:cNvSpPr>
+          <p:nvPr>
+            <p:ph type="ctrTitle" idx="4294967295"/>
+          </p:nvPr>
+        </p:nvSpPr>
+        <p:spPr>
+          <a:xfrm>
+            <a:off x="171085" y="137451"/>
+            <a:ext cx="4949070" cy="1711747"/>
+          </a:xfrm>
+          <a:prstGeom prst="rect">
+            <a:avLst/>
+          </a:prstGeom>
+        </p:spPr>
+        <p:txBody>
+          <a:bodyPr spcFirstLastPara="1" wrap="square" lIns="91425" tIns="91425" rIns="91425" bIns="91425" anchor="b" anchorCtr="0">
+            <a:noAutofit/>
+          </a:bodyPr>
+          <a:lstStyle/>
+          <a:p>
+            <a:pPr lvl="0"/>
+            <a:r>
+              <a:rPr lang="es-CO" sz="2000" dirty="0">
+                <a:latin typeface="Algerian" panose="04020705040A02060702" pitchFamily="82" charset="0"/>
+              </a:rPr>
+              <a:t>¿Cuál es la razón por la que Netflix tomo la decisión de moverse de un datacenter monolítico a una nube basada en arquitectura micro servicios?</a:t>
+            </a:r>
+          </a:p>
+        </p:txBody>
+      </p:sp>
+      <p:sp>
+        <p:nvSpPr>
+          <p:cNvPr id="239" name="Google Shape;239;p21"/>
+          <p:cNvSpPr txBox="1">
+            <a:spLocks noGrp="1"/>
+          </p:cNvSpPr>
+          <p:nvPr>
+            <p:ph type="subTitle" idx="4294967295"/>
+          </p:nvPr>
+        </p:nvSpPr>
+        <p:spPr>
+          <a:xfrm>
+            <a:off x="1019919" y="1986650"/>
+            <a:ext cx="6930900" cy="784800"/>
+          </a:xfrm>
+          <a:prstGeom prst="rect">
+            <a:avLst/>
+          </a:prstGeom>
+        </p:spPr>
+        <p:txBody>
+          <a:bodyPr spcFirstLastPara="1" wrap="square" lIns="91425" tIns="91425" rIns="91425" bIns="91425" anchor="t" anchorCtr="0">
+            <a:noAutofit/>
+          </a:bodyPr>
+          <a:lstStyle/>
+          <a:p>
+            <a:pPr marL="0" indent="0">
+              <a:buNone/>
+            </a:pPr>
+            <a:r>
+              <a:rPr lang="es-CO" sz="1800" dirty="0"/>
+              <a:t>La razón por la que Netflix tomo la decisión de moverse de un datacenter monolítico a una nube basada en arquitectura de macro servicios  es porque conforme fueron cambiando los años la tecnología ha ido  cambiado tanto que Netflix vio una oportunidad y la uso que es volverse una plataforma de uso gratuito de la que solo es necesario suscribirse para gozar de todo el contenido único y pagado de Netflix, acordando una asociación con distintas empresas como Sony, fue tan eficaz y apoyado por mucha gente del mundo que obligo a BluckBuster quedara en bancarrota, gracias al gran progreso tecnológico de Netflix. </a:t>
+            </a:r>
+          </a:p>
+          <a:p>
+            <a:pPr marL="0" lvl="0" indent="0" algn="l" rtl="0">
+              <a:spcBef>
+                <a:spcPts val="600"/>
+              </a:spcBef>
+              <a:spcAft>
+                <a:spcPts val="0"/>
+              </a:spcAft>
+              <a:buNone/>
+            </a:pPr>
+            <a:endParaRPr sz="1800" dirty="0"/>
+          </a:p>
+        </p:txBody>
+      </p:sp>
+      <p:sp>
+        <p:nvSpPr>
+          <p:cNvPr id="240" name="Google Shape;240;p21"/>
+          <p:cNvSpPr/>
+          <p:nvPr/>
+        </p:nvSpPr>
+        <p:spPr>
+          <a:xfrm>
+            <a:off x="5722472" y="291615"/>
+            <a:ext cx="275621" cy="263172"/>
+          </a:xfrm>
+          <a:custGeom>
+            <a:avLst/>
+            <a:gdLst/>
+            <a:ahLst/>
+            <a:cxnLst/>
+            <a:rect l="l" t="t" r="r" b="b"/>
+            <a:pathLst>
+              <a:path w="15144" h="14460" extrusionOk="0">
+                <a:moveTo>
+                  <a:pt x="7572" y="1"/>
+                </a:moveTo>
+                <a:lnTo>
+                  <a:pt x="7499" y="25"/>
+                </a:lnTo>
+                <a:lnTo>
+                  <a:pt x="7401" y="74"/>
+                </a:lnTo>
+                <a:lnTo>
+                  <a:pt x="7328" y="172"/>
+                </a:lnTo>
+                <a:lnTo>
+                  <a:pt x="7255" y="294"/>
+                </a:lnTo>
+                <a:lnTo>
+                  <a:pt x="5594" y="4104"/>
+                </a:lnTo>
+                <a:lnTo>
+                  <a:pt x="5521" y="4226"/>
+                </a:lnTo>
+                <a:lnTo>
+                  <a:pt x="5398" y="4373"/>
+                </a:lnTo>
+                <a:lnTo>
+                  <a:pt x="5276" y="4495"/>
+                </a:lnTo>
+                <a:lnTo>
+                  <a:pt x="5130" y="4617"/>
+                </a:lnTo>
+                <a:lnTo>
+                  <a:pt x="4983" y="4715"/>
+                </a:lnTo>
+                <a:lnTo>
+                  <a:pt x="4812" y="4788"/>
+                </a:lnTo>
+                <a:lnTo>
+                  <a:pt x="4666" y="4861"/>
+                </a:lnTo>
+                <a:lnTo>
+                  <a:pt x="4495" y="4886"/>
+                </a:lnTo>
+                <a:lnTo>
+                  <a:pt x="392" y="5301"/>
+                </a:lnTo>
+                <a:lnTo>
+                  <a:pt x="245" y="5325"/>
+                </a:lnTo>
+                <a:lnTo>
+                  <a:pt x="123" y="5374"/>
+                </a:lnTo>
+                <a:lnTo>
+                  <a:pt x="50" y="5423"/>
+                </a:lnTo>
+                <a:lnTo>
+                  <a:pt x="1" y="5521"/>
+                </a:lnTo>
+                <a:lnTo>
+                  <a:pt x="1" y="5594"/>
+                </a:lnTo>
+                <a:lnTo>
+                  <a:pt x="25" y="5692"/>
+                </a:lnTo>
+                <a:lnTo>
+                  <a:pt x="74" y="5789"/>
+                </a:lnTo>
+                <a:lnTo>
+                  <a:pt x="196" y="5911"/>
+                </a:lnTo>
+                <a:lnTo>
+                  <a:pt x="3274" y="8647"/>
+                </a:lnTo>
+                <a:lnTo>
+                  <a:pt x="3396" y="8769"/>
+                </a:lnTo>
+                <a:lnTo>
+                  <a:pt x="3493" y="8915"/>
+                </a:lnTo>
+                <a:lnTo>
+                  <a:pt x="3567" y="9086"/>
+                </a:lnTo>
+                <a:lnTo>
+                  <a:pt x="3640" y="9257"/>
+                </a:lnTo>
+                <a:lnTo>
+                  <a:pt x="3689" y="9428"/>
+                </a:lnTo>
+                <a:lnTo>
+                  <a:pt x="3713" y="9599"/>
+                </a:lnTo>
+                <a:lnTo>
+                  <a:pt x="3713" y="9770"/>
+                </a:lnTo>
+                <a:lnTo>
+                  <a:pt x="3689" y="9941"/>
+                </a:lnTo>
+                <a:lnTo>
+                  <a:pt x="2810" y="13995"/>
+                </a:lnTo>
+                <a:lnTo>
+                  <a:pt x="2785" y="14142"/>
+                </a:lnTo>
+                <a:lnTo>
+                  <a:pt x="2810" y="14240"/>
+                </a:lnTo>
+                <a:lnTo>
+                  <a:pt x="2834" y="14337"/>
+                </a:lnTo>
+                <a:lnTo>
+                  <a:pt x="2883" y="14411"/>
+                </a:lnTo>
+                <a:lnTo>
+                  <a:pt x="2981" y="14435"/>
+                </a:lnTo>
+                <a:lnTo>
+                  <a:pt x="3078" y="14459"/>
+                </a:lnTo>
+                <a:lnTo>
+                  <a:pt x="3200" y="14411"/>
+                </a:lnTo>
+                <a:lnTo>
+                  <a:pt x="3322" y="14362"/>
+                </a:lnTo>
+                <a:lnTo>
+                  <a:pt x="6888" y="12261"/>
+                </a:lnTo>
+                <a:lnTo>
+                  <a:pt x="7035" y="12188"/>
+                </a:lnTo>
+                <a:lnTo>
+                  <a:pt x="7206" y="12139"/>
+                </a:lnTo>
+                <a:lnTo>
+                  <a:pt x="7401" y="12115"/>
+                </a:lnTo>
+                <a:lnTo>
+                  <a:pt x="7743" y="12115"/>
+                </a:lnTo>
+                <a:lnTo>
+                  <a:pt x="7938" y="12139"/>
+                </a:lnTo>
+                <a:lnTo>
+                  <a:pt x="8109" y="12188"/>
+                </a:lnTo>
+                <a:lnTo>
+                  <a:pt x="8256" y="12261"/>
+                </a:lnTo>
+                <a:lnTo>
+                  <a:pt x="11822" y="14362"/>
+                </a:lnTo>
+                <a:lnTo>
+                  <a:pt x="11944" y="14411"/>
+                </a:lnTo>
+                <a:lnTo>
+                  <a:pt x="12066" y="14459"/>
+                </a:lnTo>
+                <a:lnTo>
+                  <a:pt x="12164" y="14435"/>
+                </a:lnTo>
+                <a:lnTo>
+                  <a:pt x="12261" y="14411"/>
+                </a:lnTo>
+                <a:lnTo>
+                  <a:pt x="12310" y="14337"/>
+                </a:lnTo>
+                <a:lnTo>
+                  <a:pt x="12335" y="14240"/>
+                </a:lnTo>
+                <a:lnTo>
+                  <a:pt x="12359" y="14142"/>
+                </a:lnTo>
+                <a:lnTo>
+                  <a:pt x="12335" y="13995"/>
+                </a:lnTo>
+                <a:lnTo>
+                  <a:pt x="11455" y="9941"/>
+                </a:lnTo>
+                <a:lnTo>
+                  <a:pt x="11431" y="9770"/>
+                </a:lnTo>
+                <a:lnTo>
+                  <a:pt x="11431" y="9599"/>
+                </a:lnTo>
+                <a:lnTo>
+                  <a:pt x="11455" y="9428"/>
+                </a:lnTo>
+                <a:lnTo>
+                  <a:pt x="11504" y="9257"/>
+                </a:lnTo>
+                <a:lnTo>
+                  <a:pt x="11577" y="9086"/>
+                </a:lnTo>
+                <a:lnTo>
+                  <a:pt x="11651" y="8915"/>
+                </a:lnTo>
+                <a:lnTo>
+                  <a:pt x="11748" y="8769"/>
+                </a:lnTo>
+                <a:lnTo>
+                  <a:pt x="11870" y="8647"/>
+                </a:lnTo>
+                <a:lnTo>
+                  <a:pt x="14948" y="5911"/>
+                </a:lnTo>
+                <a:lnTo>
+                  <a:pt x="15070" y="5789"/>
+                </a:lnTo>
+                <a:lnTo>
+                  <a:pt x="15119" y="5692"/>
+                </a:lnTo>
+                <a:lnTo>
+                  <a:pt x="15143" y="5594"/>
+                </a:lnTo>
+                <a:lnTo>
+                  <a:pt x="15143" y="5521"/>
+                </a:lnTo>
+                <a:lnTo>
+                  <a:pt x="15094" y="5423"/>
+                </a:lnTo>
+                <a:lnTo>
+                  <a:pt x="15021" y="5374"/>
+                </a:lnTo>
+                <a:lnTo>
+                  <a:pt x="14899" y="5325"/>
+                </a:lnTo>
+                <a:lnTo>
+                  <a:pt x="14752" y="5301"/>
+                </a:lnTo>
+                <a:lnTo>
+                  <a:pt x="10649" y="4886"/>
+                </a:lnTo>
+                <a:lnTo>
+                  <a:pt x="10478" y="4861"/>
+                </a:lnTo>
+                <a:lnTo>
+                  <a:pt x="10332" y="4788"/>
+                </a:lnTo>
+                <a:lnTo>
+                  <a:pt x="10161" y="4715"/>
+                </a:lnTo>
+                <a:lnTo>
+                  <a:pt x="10014" y="4617"/>
+                </a:lnTo>
+                <a:lnTo>
+                  <a:pt x="9868" y="4495"/>
+                </a:lnTo>
+                <a:lnTo>
+                  <a:pt x="9746" y="4373"/>
+                </a:lnTo>
+                <a:lnTo>
+                  <a:pt x="9624" y="4226"/>
+                </a:lnTo>
+                <a:lnTo>
+                  <a:pt x="9550" y="4104"/>
+                </a:lnTo>
+                <a:lnTo>
+                  <a:pt x="7890" y="294"/>
+                </a:lnTo>
+                <a:lnTo>
+                  <a:pt x="7816" y="172"/>
+                </a:lnTo>
+                <a:lnTo>
+                  <a:pt x="7743" y="74"/>
+                </a:lnTo>
+                <a:lnTo>
+                  <a:pt x="7645" y="25"/>
+                </a:lnTo>
+                <a:lnTo>
+                  <a:pt x="7572" y="1"/>
+                </a:lnTo>
+                <a:close/>
+              </a:path>
+            </a:pathLst>
+          </a:custGeom>
+          <a:solidFill>
+            <a:srgbClr val="FFCC00"/>
+          </a:solidFill>
+          <a:ln>
+            <a:noFill/>
+          </a:ln>
+        </p:spPr>
+        <p:txBody>
+          <a:bodyPr spcFirstLastPara="1" wrap="square" lIns="91425" tIns="91425" rIns="91425" bIns="91425" anchor="ctr" anchorCtr="0">
+            <a:noAutofit/>
+          </a:bodyPr>
+          <a:lstStyle/>
+          <a:p>
+            <a:pPr marL="0" lvl="0" indent="0" algn="l" rtl="0">
+              <a:spcBef>
+                <a:spcPts val="0"/>
+              </a:spcBef>
+              <a:spcAft>
+                <a:spcPts val="0"/>
+              </a:spcAft>
+              <a:buNone/>
+            </a:pPr>
+            <a:endParaRPr/>
+          </a:p>
+        </p:txBody>
+      </p:sp>
+      <p:grpSp>
+        <p:nvGrpSpPr>
+          <p:cNvPr id="241" name="Google Shape;241;p21"/>
+          <p:cNvGrpSpPr/>
+          <p:nvPr/>
+        </p:nvGrpSpPr>
+        <p:grpSpPr>
+          <a:xfrm>
+            <a:off x="6237674" y="151777"/>
+            <a:ext cx="1333298" cy="1333379"/>
+            <a:chOff x="6654650" y="3665275"/>
+            <a:chExt cx="409100" cy="409125"/>
+          </a:xfrm>
+        </p:grpSpPr>
+        <p:sp>
+          <p:nvSpPr>
+            <p:cNvPr id="242" name="Google Shape;242;p21"/>
+            <p:cNvSpPr/>
+            <p:nvPr/>
+          </p:nvSpPr>
+          <p:spPr>
+            <a:xfrm>
+              <a:off x="6808525" y="3819150"/>
+              <a:ext cx="211875" cy="211900"/>
+            </a:xfrm>
+            <a:custGeom>
+              <a:avLst/>
+              <a:gdLst/>
+              <a:ahLst/>
+              <a:cxnLst/>
+              <a:rect l="l" t="t" r="r" b="b"/>
+              <a:pathLst>
+                <a:path w="8475" h="8476" extrusionOk="0">
+                  <a:moveTo>
+                    <a:pt x="8157" y="0"/>
+                  </a:moveTo>
+                  <a:lnTo>
+                    <a:pt x="7327" y="1075"/>
+                  </a:lnTo>
+                  <a:lnTo>
+                    <a:pt x="6399" y="2150"/>
+                  </a:lnTo>
+                  <a:lnTo>
+                    <a:pt x="5422" y="3249"/>
+                  </a:lnTo>
+                  <a:lnTo>
+                    <a:pt x="4347" y="4348"/>
+                  </a:lnTo>
+                  <a:lnTo>
+                    <a:pt x="3248" y="5422"/>
+                  </a:lnTo>
+                  <a:lnTo>
+                    <a:pt x="2149" y="6399"/>
+                  </a:lnTo>
+                  <a:lnTo>
+                    <a:pt x="1075" y="7327"/>
+                  </a:lnTo>
+                  <a:lnTo>
+                    <a:pt x="0" y="8158"/>
+                  </a:lnTo>
+                  <a:lnTo>
+                    <a:pt x="440" y="8280"/>
+                  </a:lnTo>
+                  <a:lnTo>
+                    <a:pt x="855" y="8377"/>
+                  </a:lnTo>
+                  <a:lnTo>
+                    <a:pt x="1294" y="8426"/>
+                  </a:lnTo>
+                  <a:lnTo>
+                    <a:pt x="1734" y="8475"/>
+                  </a:lnTo>
+                  <a:lnTo>
+                    <a:pt x="2174" y="8475"/>
+                  </a:lnTo>
+                  <a:lnTo>
+                    <a:pt x="2613" y="8451"/>
+                  </a:lnTo>
+                  <a:lnTo>
+                    <a:pt x="3028" y="8402"/>
+                  </a:lnTo>
+                  <a:lnTo>
+                    <a:pt x="3468" y="8304"/>
+                  </a:lnTo>
+                  <a:lnTo>
+                    <a:pt x="3883" y="8207"/>
+                  </a:lnTo>
+                  <a:lnTo>
+                    <a:pt x="4323" y="8060"/>
+                  </a:lnTo>
+                  <a:lnTo>
+                    <a:pt x="4714" y="7889"/>
+                  </a:lnTo>
+                  <a:lnTo>
+                    <a:pt x="5129" y="7694"/>
+                  </a:lnTo>
+                  <a:lnTo>
+                    <a:pt x="5520" y="7449"/>
+                  </a:lnTo>
+                  <a:lnTo>
+                    <a:pt x="5886" y="7205"/>
+                  </a:lnTo>
+                  <a:lnTo>
+                    <a:pt x="6252" y="6912"/>
+                  </a:lnTo>
+                  <a:lnTo>
+                    <a:pt x="6594" y="6595"/>
+                  </a:lnTo>
+                  <a:lnTo>
+                    <a:pt x="6912" y="6253"/>
+                  </a:lnTo>
+                  <a:lnTo>
+                    <a:pt x="7205" y="5886"/>
+                  </a:lnTo>
+                  <a:lnTo>
+                    <a:pt x="7449" y="5520"/>
+                  </a:lnTo>
+                  <a:lnTo>
+                    <a:pt x="7693" y="5129"/>
+                  </a:lnTo>
+                  <a:lnTo>
+                    <a:pt x="7889" y="4714"/>
+                  </a:lnTo>
+                  <a:lnTo>
+                    <a:pt x="8060" y="4323"/>
+                  </a:lnTo>
+                  <a:lnTo>
+                    <a:pt x="8206" y="3884"/>
+                  </a:lnTo>
+                  <a:lnTo>
+                    <a:pt x="8304" y="3468"/>
+                  </a:lnTo>
+                  <a:lnTo>
+                    <a:pt x="8402" y="3029"/>
+                  </a:lnTo>
+                  <a:lnTo>
+                    <a:pt x="8450" y="2614"/>
+                  </a:lnTo>
+                  <a:lnTo>
+                    <a:pt x="8475" y="2174"/>
+                  </a:lnTo>
+                  <a:lnTo>
+                    <a:pt x="8475" y="1734"/>
+                  </a:lnTo>
+                  <a:lnTo>
+                    <a:pt x="8426" y="1295"/>
+                  </a:lnTo>
+                  <a:lnTo>
+                    <a:pt x="8377" y="855"/>
+                  </a:lnTo>
+                  <a:lnTo>
+                    <a:pt x="8279" y="440"/>
+                  </a:lnTo>
+                  <a:lnTo>
+                    <a:pt x="8157" y="0"/>
+                  </a:lnTo>
+                  <a:close/>
+                </a:path>
+              </a:pathLst>
+            </a:custGeom>
+            <a:solidFill>
+              <a:srgbClr val="6699FF"/>
+            </a:solidFill>
+            <a:ln>
+              <a:noFill/>
+            </a:ln>
+          </p:spPr>
+          <p:txBody>
+            <a:bodyPr spcFirstLastPara="1" wrap="square" lIns="91425" tIns="91425" rIns="91425" bIns="91425" anchor="ctr" anchorCtr="0">
+              <a:noAutofit/>
+            </a:bodyPr>
+            <a:lstStyle/>
+            <a:p>
+              <a:pPr marL="0" lvl="0" indent="0" algn="l" rtl="0">
+                <a:spcBef>
+                  <a:spcPts val="0"/>
+                </a:spcBef>
+                <a:spcAft>
+                  <a:spcPts val="0"/>
+                </a:spcAft>
+                <a:buNone/>
+              </a:pPr>
+              <a:endParaRPr/>
+            </a:p>
+          </p:txBody>
+        </p:sp>
+        <p:sp>
+          <p:nvSpPr>
+            <p:cNvPr id="243" name="Google Shape;243;p21"/>
+            <p:cNvSpPr/>
+            <p:nvPr/>
+          </p:nvSpPr>
+          <p:spPr>
+            <a:xfrm>
+              <a:off x="6654650" y="3665275"/>
+              <a:ext cx="409100" cy="409125"/>
+            </a:xfrm>
+            <a:custGeom>
+              <a:avLst/>
+              <a:gdLst/>
+              <a:ahLst/>
+              <a:cxnLst/>
+              <a:rect l="l" t="t" r="r" b="b"/>
+              <a:pathLst>
+                <a:path w="16364" h="16365" extrusionOk="0">
+                  <a:moveTo>
+                    <a:pt x="13580" y="1686"/>
+                  </a:moveTo>
+                  <a:lnTo>
+                    <a:pt x="13677" y="1735"/>
+                  </a:lnTo>
+                  <a:lnTo>
+                    <a:pt x="13775" y="1759"/>
+                  </a:lnTo>
+                  <a:lnTo>
+                    <a:pt x="13848" y="1832"/>
+                  </a:lnTo>
+                  <a:lnTo>
+                    <a:pt x="13897" y="1906"/>
+                  </a:lnTo>
+                  <a:lnTo>
+                    <a:pt x="13946" y="1979"/>
+                  </a:lnTo>
+                  <a:lnTo>
+                    <a:pt x="13970" y="2077"/>
+                  </a:lnTo>
+                  <a:lnTo>
+                    <a:pt x="13995" y="2174"/>
+                  </a:lnTo>
+                  <a:lnTo>
+                    <a:pt x="13995" y="2419"/>
+                  </a:lnTo>
+                  <a:lnTo>
+                    <a:pt x="13922" y="2687"/>
+                  </a:lnTo>
+                  <a:lnTo>
+                    <a:pt x="13824" y="3029"/>
+                  </a:lnTo>
+                  <a:lnTo>
+                    <a:pt x="13677" y="3371"/>
+                  </a:lnTo>
+                  <a:lnTo>
+                    <a:pt x="13482" y="3762"/>
+                  </a:lnTo>
+                  <a:lnTo>
+                    <a:pt x="13238" y="4177"/>
+                  </a:lnTo>
+                  <a:lnTo>
+                    <a:pt x="12993" y="3908"/>
+                  </a:lnTo>
+                  <a:lnTo>
+                    <a:pt x="12749" y="3615"/>
+                  </a:lnTo>
+                  <a:lnTo>
+                    <a:pt x="12407" y="3298"/>
+                  </a:lnTo>
+                  <a:lnTo>
+                    <a:pt x="12041" y="3029"/>
+                  </a:lnTo>
+                  <a:lnTo>
+                    <a:pt x="11675" y="2761"/>
+                  </a:lnTo>
+                  <a:lnTo>
+                    <a:pt x="11308" y="2541"/>
+                  </a:lnTo>
+                  <a:lnTo>
+                    <a:pt x="11748" y="2272"/>
+                  </a:lnTo>
+                  <a:lnTo>
+                    <a:pt x="12187" y="2052"/>
+                  </a:lnTo>
+                  <a:lnTo>
+                    <a:pt x="12554" y="1881"/>
+                  </a:lnTo>
+                  <a:lnTo>
+                    <a:pt x="12920" y="1759"/>
+                  </a:lnTo>
+                  <a:lnTo>
+                    <a:pt x="13213" y="1686"/>
+                  </a:lnTo>
+                  <a:close/>
+                  <a:moveTo>
+                    <a:pt x="9721" y="3591"/>
+                  </a:moveTo>
+                  <a:lnTo>
+                    <a:pt x="9794" y="3615"/>
+                  </a:lnTo>
+                  <a:lnTo>
+                    <a:pt x="9916" y="3713"/>
+                  </a:lnTo>
+                  <a:lnTo>
+                    <a:pt x="10014" y="3835"/>
+                  </a:lnTo>
+                  <a:lnTo>
+                    <a:pt x="10038" y="3908"/>
+                  </a:lnTo>
+                  <a:lnTo>
+                    <a:pt x="10038" y="3982"/>
+                  </a:lnTo>
+                  <a:lnTo>
+                    <a:pt x="10038" y="4055"/>
+                  </a:lnTo>
+                  <a:lnTo>
+                    <a:pt x="10014" y="4128"/>
+                  </a:lnTo>
+                  <a:lnTo>
+                    <a:pt x="9916" y="4250"/>
+                  </a:lnTo>
+                  <a:lnTo>
+                    <a:pt x="9794" y="4348"/>
+                  </a:lnTo>
+                  <a:lnTo>
+                    <a:pt x="9721" y="4372"/>
+                  </a:lnTo>
+                  <a:lnTo>
+                    <a:pt x="9574" y="4372"/>
+                  </a:lnTo>
+                  <a:lnTo>
+                    <a:pt x="9501" y="4348"/>
+                  </a:lnTo>
+                  <a:lnTo>
+                    <a:pt x="9379" y="4250"/>
+                  </a:lnTo>
+                  <a:lnTo>
+                    <a:pt x="9281" y="4128"/>
+                  </a:lnTo>
+                  <a:lnTo>
+                    <a:pt x="9257" y="4055"/>
+                  </a:lnTo>
+                  <a:lnTo>
+                    <a:pt x="9257" y="3982"/>
+                  </a:lnTo>
+                  <a:lnTo>
+                    <a:pt x="9257" y="3908"/>
+                  </a:lnTo>
+                  <a:lnTo>
+                    <a:pt x="9281" y="3835"/>
+                  </a:lnTo>
+                  <a:lnTo>
+                    <a:pt x="9379" y="3713"/>
+                  </a:lnTo>
+                  <a:lnTo>
+                    <a:pt x="9501" y="3615"/>
+                  </a:lnTo>
+                  <a:lnTo>
+                    <a:pt x="9574" y="3591"/>
+                  </a:lnTo>
+                  <a:close/>
+                  <a:moveTo>
+                    <a:pt x="8182" y="3322"/>
+                  </a:moveTo>
+                  <a:lnTo>
+                    <a:pt x="8304" y="3347"/>
+                  </a:lnTo>
+                  <a:lnTo>
+                    <a:pt x="8402" y="3371"/>
+                  </a:lnTo>
+                  <a:lnTo>
+                    <a:pt x="8500" y="3420"/>
+                  </a:lnTo>
+                  <a:lnTo>
+                    <a:pt x="8597" y="3493"/>
+                  </a:lnTo>
+                  <a:lnTo>
+                    <a:pt x="8671" y="3591"/>
+                  </a:lnTo>
+                  <a:lnTo>
+                    <a:pt x="8719" y="3689"/>
+                  </a:lnTo>
+                  <a:lnTo>
+                    <a:pt x="8768" y="3786"/>
+                  </a:lnTo>
+                  <a:lnTo>
+                    <a:pt x="8768" y="3908"/>
+                  </a:lnTo>
+                  <a:lnTo>
+                    <a:pt x="8768" y="4031"/>
+                  </a:lnTo>
+                  <a:lnTo>
+                    <a:pt x="8719" y="4153"/>
+                  </a:lnTo>
+                  <a:lnTo>
+                    <a:pt x="8671" y="4250"/>
+                  </a:lnTo>
+                  <a:lnTo>
+                    <a:pt x="8597" y="4324"/>
+                  </a:lnTo>
+                  <a:lnTo>
+                    <a:pt x="8500" y="4397"/>
+                  </a:lnTo>
+                  <a:lnTo>
+                    <a:pt x="8402" y="4446"/>
+                  </a:lnTo>
+                  <a:lnTo>
+                    <a:pt x="8304" y="4495"/>
+                  </a:lnTo>
+                  <a:lnTo>
+                    <a:pt x="8060" y="4495"/>
+                  </a:lnTo>
+                  <a:lnTo>
+                    <a:pt x="7962" y="4446"/>
+                  </a:lnTo>
+                  <a:lnTo>
+                    <a:pt x="7865" y="4397"/>
+                  </a:lnTo>
+                  <a:lnTo>
+                    <a:pt x="7767" y="4324"/>
+                  </a:lnTo>
+                  <a:lnTo>
+                    <a:pt x="7694" y="4250"/>
+                  </a:lnTo>
+                  <a:lnTo>
+                    <a:pt x="7645" y="4153"/>
+                  </a:lnTo>
+                  <a:lnTo>
+                    <a:pt x="7596" y="4031"/>
+                  </a:lnTo>
+                  <a:lnTo>
+                    <a:pt x="7596" y="3908"/>
+                  </a:lnTo>
+                  <a:lnTo>
+                    <a:pt x="7596" y="3786"/>
+                  </a:lnTo>
+                  <a:lnTo>
+                    <a:pt x="7645" y="3689"/>
+                  </a:lnTo>
+                  <a:lnTo>
+                    <a:pt x="7694" y="3591"/>
+                  </a:lnTo>
+                  <a:lnTo>
+                    <a:pt x="7767" y="3493"/>
+                  </a:lnTo>
+                  <a:lnTo>
+                    <a:pt x="7865" y="3420"/>
+                  </a:lnTo>
+                  <a:lnTo>
+                    <a:pt x="7962" y="3371"/>
+                  </a:lnTo>
+                  <a:lnTo>
+                    <a:pt x="8060" y="3347"/>
+                  </a:lnTo>
+                  <a:lnTo>
+                    <a:pt x="8182" y="3322"/>
+                  </a:lnTo>
+                  <a:close/>
+                  <a:moveTo>
+                    <a:pt x="9086" y="4763"/>
+                  </a:moveTo>
+                  <a:lnTo>
+                    <a:pt x="9159" y="4788"/>
+                  </a:lnTo>
+                  <a:lnTo>
+                    <a:pt x="9281" y="4885"/>
+                  </a:lnTo>
+                  <a:lnTo>
+                    <a:pt x="9354" y="5007"/>
+                  </a:lnTo>
+                  <a:lnTo>
+                    <a:pt x="9379" y="5081"/>
+                  </a:lnTo>
+                  <a:lnTo>
+                    <a:pt x="9379" y="5154"/>
+                  </a:lnTo>
+                  <a:lnTo>
+                    <a:pt x="9379" y="5227"/>
+                  </a:lnTo>
+                  <a:lnTo>
+                    <a:pt x="9354" y="5301"/>
+                  </a:lnTo>
+                  <a:lnTo>
+                    <a:pt x="9281" y="5423"/>
+                  </a:lnTo>
+                  <a:lnTo>
+                    <a:pt x="9159" y="5520"/>
+                  </a:lnTo>
+                  <a:lnTo>
+                    <a:pt x="9086" y="5545"/>
+                  </a:lnTo>
+                  <a:lnTo>
+                    <a:pt x="8915" y="5545"/>
+                  </a:lnTo>
+                  <a:lnTo>
+                    <a:pt x="8842" y="5520"/>
+                  </a:lnTo>
+                  <a:lnTo>
+                    <a:pt x="8719" y="5423"/>
+                  </a:lnTo>
+                  <a:lnTo>
+                    <a:pt x="8646" y="5301"/>
+                  </a:lnTo>
+                  <a:lnTo>
+                    <a:pt x="8622" y="5227"/>
+                  </a:lnTo>
+                  <a:lnTo>
+                    <a:pt x="8597" y="5154"/>
+                  </a:lnTo>
+                  <a:lnTo>
+                    <a:pt x="8622" y="5081"/>
+                  </a:lnTo>
+                  <a:lnTo>
+                    <a:pt x="8646" y="5007"/>
+                  </a:lnTo>
+                  <a:lnTo>
+                    <a:pt x="8719" y="4885"/>
+                  </a:lnTo>
+                  <a:lnTo>
+                    <a:pt x="8842" y="4788"/>
+                  </a:lnTo>
+                  <a:lnTo>
+                    <a:pt x="8915" y="4763"/>
+                  </a:lnTo>
+                  <a:close/>
+                  <a:moveTo>
+                    <a:pt x="2540" y="11309"/>
+                  </a:moveTo>
+                  <a:lnTo>
+                    <a:pt x="2760" y="11675"/>
+                  </a:lnTo>
+                  <a:lnTo>
+                    <a:pt x="3029" y="12041"/>
+                  </a:lnTo>
+                  <a:lnTo>
+                    <a:pt x="3298" y="12408"/>
+                  </a:lnTo>
+                  <a:lnTo>
+                    <a:pt x="3615" y="12750"/>
+                  </a:lnTo>
+                  <a:lnTo>
+                    <a:pt x="3908" y="12994"/>
+                  </a:lnTo>
+                  <a:lnTo>
+                    <a:pt x="4177" y="13238"/>
+                  </a:lnTo>
+                  <a:lnTo>
+                    <a:pt x="3762" y="13482"/>
+                  </a:lnTo>
+                  <a:lnTo>
+                    <a:pt x="3371" y="13678"/>
+                  </a:lnTo>
+                  <a:lnTo>
+                    <a:pt x="3029" y="13824"/>
+                  </a:lnTo>
+                  <a:lnTo>
+                    <a:pt x="2687" y="13922"/>
+                  </a:lnTo>
+                  <a:lnTo>
+                    <a:pt x="2418" y="13995"/>
+                  </a:lnTo>
+                  <a:lnTo>
+                    <a:pt x="2174" y="13995"/>
+                  </a:lnTo>
+                  <a:lnTo>
+                    <a:pt x="2076" y="13971"/>
+                  </a:lnTo>
+                  <a:lnTo>
+                    <a:pt x="1979" y="13946"/>
+                  </a:lnTo>
+                  <a:lnTo>
+                    <a:pt x="1905" y="13897"/>
+                  </a:lnTo>
+                  <a:lnTo>
+                    <a:pt x="1832" y="13849"/>
+                  </a:lnTo>
+                  <a:lnTo>
+                    <a:pt x="1759" y="13775"/>
+                  </a:lnTo>
+                  <a:lnTo>
+                    <a:pt x="1734" y="13678"/>
+                  </a:lnTo>
+                  <a:lnTo>
+                    <a:pt x="1686" y="13580"/>
+                  </a:lnTo>
+                  <a:lnTo>
+                    <a:pt x="1686" y="13482"/>
+                  </a:lnTo>
+                  <a:lnTo>
+                    <a:pt x="1686" y="13214"/>
+                  </a:lnTo>
+                  <a:lnTo>
+                    <a:pt x="1759" y="12921"/>
+                  </a:lnTo>
+                  <a:lnTo>
+                    <a:pt x="1881" y="12554"/>
+                  </a:lnTo>
+                  <a:lnTo>
+                    <a:pt x="2052" y="12188"/>
+                  </a:lnTo>
+                  <a:lnTo>
+                    <a:pt x="2272" y="11748"/>
+                  </a:lnTo>
+                  <a:lnTo>
+                    <a:pt x="2540" y="11309"/>
+                  </a:lnTo>
+                  <a:close/>
+                  <a:moveTo>
+                    <a:pt x="15362" y="1"/>
+                  </a:moveTo>
+                  <a:lnTo>
+                    <a:pt x="15094" y="25"/>
+                  </a:lnTo>
+                  <a:lnTo>
+                    <a:pt x="14801" y="74"/>
+                  </a:lnTo>
+                  <a:lnTo>
+                    <a:pt x="14483" y="172"/>
+                  </a:lnTo>
+                  <a:lnTo>
+                    <a:pt x="14141" y="294"/>
+                  </a:lnTo>
+                  <a:lnTo>
+                    <a:pt x="13775" y="440"/>
+                  </a:lnTo>
+                  <a:lnTo>
+                    <a:pt x="13384" y="611"/>
+                  </a:lnTo>
+                  <a:lnTo>
+                    <a:pt x="12993" y="831"/>
+                  </a:lnTo>
+                  <a:lnTo>
+                    <a:pt x="12578" y="1051"/>
+                  </a:lnTo>
+                  <a:lnTo>
+                    <a:pt x="11699" y="1613"/>
+                  </a:lnTo>
+                  <a:lnTo>
+                    <a:pt x="10747" y="2272"/>
+                  </a:lnTo>
+                  <a:lnTo>
+                    <a:pt x="10307" y="2101"/>
+                  </a:lnTo>
+                  <a:lnTo>
+                    <a:pt x="9843" y="1955"/>
+                  </a:lnTo>
+                  <a:lnTo>
+                    <a:pt x="9379" y="1857"/>
+                  </a:lnTo>
+                  <a:lnTo>
+                    <a:pt x="8915" y="1784"/>
+                  </a:lnTo>
+                  <a:lnTo>
+                    <a:pt x="8451" y="1735"/>
+                  </a:lnTo>
+                  <a:lnTo>
+                    <a:pt x="7962" y="1735"/>
+                  </a:lnTo>
+                  <a:lnTo>
+                    <a:pt x="7498" y="1784"/>
+                  </a:lnTo>
+                  <a:lnTo>
+                    <a:pt x="7034" y="1832"/>
+                  </a:lnTo>
+                  <a:lnTo>
+                    <a:pt x="6570" y="1930"/>
+                  </a:lnTo>
+                  <a:lnTo>
+                    <a:pt x="6106" y="2077"/>
+                  </a:lnTo>
+                  <a:lnTo>
+                    <a:pt x="5667" y="2248"/>
+                  </a:lnTo>
+                  <a:lnTo>
+                    <a:pt x="5227" y="2443"/>
+                  </a:lnTo>
+                  <a:lnTo>
+                    <a:pt x="4787" y="2687"/>
+                  </a:lnTo>
+                  <a:lnTo>
+                    <a:pt x="4397" y="2980"/>
+                  </a:lnTo>
+                  <a:lnTo>
+                    <a:pt x="4006" y="3273"/>
+                  </a:lnTo>
+                  <a:lnTo>
+                    <a:pt x="3615" y="3615"/>
+                  </a:lnTo>
+                  <a:lnTo>
+                    <a:pt x="3273" y="4006"/>
+                  </a:lnTo>
+                  <a:lnTo>
+                    <a:pt x="2980" y="4397"/>
+                  </a:lnTo>
+                  <a:lnTo>
+                    <a:pt x="2687" y="4788"/>
+                  </a:lnTo>
+                  <a:lnTo>
+                    <a:pt x="2443" y="5227"/>
+                  </a:lnTo>
+                  <a:lnTo>
+                    <a:pt x="2247" y="5667"/>
+                  </a:lnTo>
+                  <a:lnTo>
+                    <a:pt x="2076" y="6107"/>
+                  </a:lnTo>
+                  <a:lnTo>
+                    <a:pt x="1930" y="6571"/>
+                  </a:lnTo>
+                  <a:lnTo>
+                    <a:pt x="1832" y="7035"/>
+                  </a:lnTo>
+                  <a:lnTo>
+                    <a:pt x="1783" y="7499"/>
+                  </a:lnTo>
+                  <a:lnTo>
+                    <a:pt x="1734" y="7963"/>
+                  </a:lnTo>
+                  <a:lnTo>
+                    <a:pt x="1734" y="8451"/>
+                  </a:lnTo>
+                  <a:lnTo>
+                    <a:pt x="1783" y="8915"/>
+                  </a:lnTo>
+                  <a:lnTo>
+                    <a:pt x="1857" y="9379"/>
+                  </a:lnTo>
+                  <a:lnTo>
+                    <a:pt x="1954" y="9843"/>
+                  </a:lnTo>
+                  <a:lnTo>
+                    <a:pt x="2101" y="10307"/>
+                  </a:lnTo>
+                  <a:lnTo>
+                    <a:pt x="2272" y="10747"/>
+                  </a:lnTo>
+                  <a:lnTo>
+                    <a:pt x="1612" y="11699"/>
+                  </a:lnTo>
+                  <a:lnTo>
+                    <a:pt x="1051" y="12579"/>
+                  </a:lnTo>
+                  <a:lnTo>
+                    <a:pt x="831" y="12994"/>
+                  </a:lnTo>
+                  <a:lnTo>
+                    <a:pt x="611" y="13385"/>
+                  </a:lnTo>
+                  <a:lnTo>
+                    <a:pt x="440" y="13775"/>
+                  </a:lnTo>
+                  <a:lnTo>
+                    <a:pt x="293" y="14142"/>
+                  </a:lnTo>
+                  <a:lnTo>
+                    <a:pt x="171" y="14484"/>
+                  </a:lnTo>
+                  <a:lnTo>
+                    <a:pt x="74" y="14801"/>
+                  </a:lnTo>
+                  <a:lnTo>
+                    <a:pt x="25" y="15094"/>
+                  </a:lnTo>
+                  <a:lnTo>
+                    <a:pt x="0" y="15363"/>
+                  </a:lnTo>
+                  <a:lnTo>
+                    <a:pt x="0" y="15583"/>
+                  </a:lnTo>
+                  <a:lnTo>
+                    <a:pt x="49" y="15802"/>
+                  </a:lnTo>
+                  <a:lnTo>
+                    <a:pt x="123" y="15973"/>
+                  </a:lnTo>
+                  <a:lnTo>
+                    <a:pt x="245" y="16120"/>
+                  </a:lnTo>
+                  <a:lnTo>
+                    <a:pt x="342" y="16218"/>
+                  </a:lnTo>
+                  <a:lnTo>
+                    <a:pt x="489" y="16291"/>
+                  </a:lnTo>
+                  <a:lnTo>
+                    <a:pt x="635" y="16340"/>
+                  </a:lnTo>
+                  <a:lnTo>
+                    <a:pt x="806" y="16364"/>
+                  </a:lnTo>
+                  <a:lnTo>
+                    <a:pt x="1173" y="16364"/>
+                  </a:lnTo>
+                  <a:lnTo>
+                    <a:pt x="1393" y="16315"/>
+                  </a:lnTo>
+                  <a:lnTo>
+                    <a:pt x="1637" y="16267"/>
+                  </a:lnTo>
+                  <a:lnTo>
+                    <a:pt x="2150" y="16120"/>
+                  </a:lnTo>
+                  <a:lnTo>
+                    <a:pt x="2711" y="15876"/>
+                  </a:lnTo>
+                  <a:lnTo>
+                    <a:pt x="3322" y="15583"/>
+                  </a:lnTo>
+                  <a:lnTo>
+                    <a:pt x="3957" y="15192"/>
+                  </a:lnTo>
+                  <a:lnTo>
+                    <a:pt x="4665" y="14752"/>
+                  </a:lnTo>
+                  <a:lnTo>
+                    <a:pt x="5373" y="14264"/>
+                  </a:lnTo>
+                  <a:lnTo>
+                    <a:pt x="6131" y="13702"/>
+                  </a:lnTo>
+                  <a:lnTo>
+                    <a:pt x="6912" y="13092"/>
+                  </a:lnTo>
+                  <a:lnTo>
+                    <a:pt x="7718" y="12432"/>
+                  </a:lnTo>
+                  <a:lnTo>
+                    <a:pt x="8524" y="11724"/>
+                  </a:lnTo>
+                  <a:lnTo>
+                    <a:pt x="9330" y="10967"/>
+                  </a:lnTo>
+                  <a:lnTo>
+                    <a:pt x="10160" y="10161"/>
+                  </a:lnTo>
+                  <a:lnTo>
+                    <a:pt x="10966" y="9330"/>
+                  </a:lnTo>
+                  <a:lnTo>
+                    <a:pt x="11723" y="8524"/>
+                  </a:lnTo>
+                  <a:lnTo>
+                    <a:pt x="12432" y="7718"/>
+                  </a:lnTo>
+                  <a:lnTo>
+                    <a:pt x="13091" y="6912"/>
+                  </a:lnTo>
+                  <a:lnTo>
+                    <a:pt x="13702" y="6131"/>
+                  </a:lnTo>
+                  <a:lnTo>
+                    <a:pt x="14263" y="5374"/>
+                  </a:lnTo>
+                  <a:lnTo>
+                    <a:pt x="14752" y="4666"/>
+                  </a:lnTo>
+                  <a:lnTo>
+                    <a:pt x="15192" y="3957"/>
+                  </a:lnTo>
+                  <a:lnTo>
+                    <a:pt x="15582" y="3322"/>
+                  </a:lnTo>
+                  <a:lnTo>
+                    <a:pt x="15875" y="2712"/>
+                  </a:lnTo>
+                  <a:lnTo>
+                    <a:pt x="16120" y="2150"/>
+                  </a:lnTo>
+                  <a:lnTo>
+                    <a:pt x="16266" y="1637"/>
+                  </a:lnTo>
+                  <a:lnTo>
+                    <a:pt x="16315" y="1393"/>
+                  </a:lnTo>
+                  <a:lnTo>
+                    <a:pt x="16364" y="1173"/>
+                  </a:lnTo>
+                  <a:lnTo>
+                    <a:pt x="16364" y="978"/>
+                  </a:lnTo>
+                  <a:lnTo>
+                    <a:pt x="16364" y="807"/>
+                  </a:lnTo>
+                  <a:lnTo>
+                    <a:pt x="16339" y="636"/>
+                  </a:lnTo>
+                  <a:lnTo>
+                    <a:pt x="16291" y="489"/>
+                  </a:lnTo>
+                  <a:lnTo>
+                    <a:pt x="16217" y="343"/>
+                  </a:lnTo>
+                  <a:lnTo>
+                    <a:pt x="16120" y="245"/>
+                  </a:lnTo>
+                  <a:lnTo>
+                    <a:pt x="15973" y="123"/>
+                  </a:lnTo>
+                  <a:lnTo>
+                    <a:pt x="15802" y="50"/>
+                  </a:lnTo>
+                  <a:lnTo>
+                    <a:pt x="15582" y="1"/>
+                  </a:lnTo>
+                  <a:close/>
+                </a:path>
+              </a:pathLst>
+            </a:custGeom>
+            <a:solidFill>
+              <a:srgbClr val="6699FF"/>
+            </a:solidFill>
+            <a:ln>
+              <a:noFill/>
+            </a:ln>
+          </p:spPr>
+          <p:txBody>
+            <a:bodyPr spcFirstLastPara="1" wrap="square" lIns="91425" tIns="91425" rIns="91425" bIns="91425" anchor="ctr" anchorCtr="0">
+              <a:noAutofit/>
+            </a:bodyPr>
+            <a:lstStyle/>
+            <a:p>
+              <a:pPr marL="0" lvl="0" indent="0" algn="l" rtl="0">
+                <a:spcBef>
+                  <a:spcPts val="0"/>
+                </a:spcBef>
+                <a:spcAft>
+                  <a:spcPts val="0"/>
+                </a:spcAft>
+                <a:buNone/>
+              </a:pPr>
+              <a:endParaRPr/>
+            </a:p>
+          </p:txBody>
+        </p:sp>
+      </p:grpSp>
+      <p:grpSp>
+        <p:nvGrpSpPr>
+          <p:cNvPr id="244" name="Google Shape;244;p21"/>
+          <p:cNvGrpSpPr/>
+          <p:nvPr/>
+        </p:nvGrpSpPr>
+        <p:grpSpPr>
+          <a:xfrm>
+            <a:off x="5609062" y="1020784"/>
+            <a:ext cx="384731" cy="480964"/>
+            <a:chOff x="570875" y="4322250"/>
+            <a:chExt cx="443300" cy="443325"/>
+          </a:xfrm>
+        </p:grpSpPr>
+        <p:sp>
+          <p:nvSpPr>
+            <p:cNvPr id="245" name="Google Shape;245;p21"/>
+            <p:cNvSpPr/>
+            <p:nvPr/>
+          </p:nvSpPr>
+          <p:spPr>
+            <a:xfrm>
+              <a:off x="570875" y="4322250"/>
+              <a:ext cx="443300" cy="443325"/>
+            </a:xfrm>
+            <a:custGeom>
+              <a:avLst/>
+              <a:gdLst/>
+              <a:ahLst/>
+              <a:cxnLst/>
+              <a:rect l="l" t="t" r="r" b="b"/>
+              <a:pathLst>
+                <a:path w="17732" h="17733" extrusionOk="0">
+                  <a:moveTo>
+                    <a:pt x="13091" y="2712"/>
+                  </a:moveTo>
+                  <a:lnTo>
+                    <a:pt x="13286" y="2736"/>
+                  </a:lnTo>
+                  <a:lnTo>
+                    <a:pt x="13506" y="2785"/>
+                  </a:lnTo>
+                  <a:lnTo>
+                    <a:pt x="13702" y="2858"/>
+                  </a:lnTo>
+                  <a:lnTo>
+                    <a:pt x="13873" y="2956"/>
+                  </a:lnTo>
+                  <a:lnTo>
+                    <a:pt x="14068" y="3054"/>
+                  </a:lnTo>
+                  <a:lnTo>
+                    <a:pt x="14239" y="3176"/>
+                  </a:lnTo>
+                  <a:lnTo>
+                    <a:pt x="14410" y="3323"/>
+                  </a:lnTo>
+                  <a:lnTo>
+                    <a:pt x="14556" y="3493"/>
+                  </a:lnTo>
+                  <a:lnTo>
+                    <a:pt x="14679" y="3664"/>
+                  </a:lnTo>
+                  <a:lnTo>
+                    <a:pt x="14776" y="3860"/>
+                  </a:lnTo>
+                  <a:lnTo>
+                    <a:pt x="14874" y="4031"/>
+                  </a:lnTo>
+                  <a:lnTo>
+                    <a:pt x="14947" y="4226"/>
+                  </a:lnTo>
+                  <a:lnTo>
+                    <a:pt x="14996" y="4446"/>
+                  </a:lnTo>
+                  <a:lnTo>
+                    <a:pt x="15021" y="4641"/>
+                  </a:lnTo>
+                  <a:lnTo>
+                    <a:pt x="15021" y="4861"/>
+                  </a:lnTo>
+                  <a:lnTo>
+                    <a:pt x="15021" y="5057"/>
+                  </a:lnTo>
+                  <a:lnTo>
+                    <a:pt x="14996" y="5252"/>
+                  </a:lnTo>
+                  <a:lnTo>
+                    <a:pt x="14947" y="5472"/>
+                  </a:lnTo>
+                  <a:lnTo>
+                    <a:pt x="14874" y="5667"/>
+                  </a:lnTo>
+                  <a:lnTo>
+                    <a:pt x="14776" y="5838"/>
+                  </a:lnTo>
+                  <a:lnTo>
+                    <a:pt x="14679" y="6033"/>
+                  </a:lnTo>
+                  <a:lnTo>
+                    <a:pt x="14556" y="6204"/>
+                  </a:lnTo>
+                  <a:lnTo>
+                    <a:pt x="14410" y="6375"/>
+                  </a:lnTo>
+                  <a:lnTo>
+                    <a:pt x="13433" y="7328"/>
+                  </a:lnTo>
+                  <a:lnTo>
+                    <a:pt x="13311" y="7426"/>
+                  </a:lnTo>
+                  <a:lnTo>
+                    <a:pt x="13189" y="7499"/>
+                  </a:lnTo>
+                  <a:lnTo>
+                    <a:pt x="13042" y="7548"/>
+                  </a:lnTo>
+                  <a:lnTo>
+                    <a:pt x="12871" y="7572"/>
+                  </a:lnTo>
+                  <a:lnTo>
+                    <a:pt x="12725" y="7548"/>
+                  </a:lnTo>
+                  <a:lnTo>
+                    <a:pt x="12578" y="7499"/>
+                  </a:lnTo>
+                  <a:lnTo>
+                    <a:pt x="12456" y="7426"/>
+                  </a:lnTo>
+                  <a:lnTo>
+                    <a:pt x="12334" y="7328"/>
+                  </a:lnTo>
+                  <a:lnTo>
+                    <a:pt x="10405" y="5398"/>
+                  </a:lnTo>
+                  <a:lnTo>
+                    <a:pt x="10307" y="5276"/>
+                  </a:lnTo>
+                  <a:lnTo>
+                    <a:pt x="10234" y="5154"/>
+                  </a:lnTo>
+                  <a:lnTo>
+                    <a:pt x="10185" y="5008"/>
+                  </a:lnTo>
+                  <a:lnTo>
+                    <a:pt x="10160" y="4861"/>
+                  </a:lnTo>
+                  <a:lnTo>
+                    <a:pt x="10185" y="4690"/>
+                  </a:lnTo>
+                  <a:lnTo>
+                    <a:pt x="10234" y="4544"/>
+                  </a:lnTo>
+                  <a:lnTo>
+                    <a:pt x="10307" y="4422"/>
+                  </a:lnTo>
+                  <a:lnTo>
+                    <a:pt x="10405" y="4299"/>
+                  </a:lnTo>
+                  <a:lnTo>
+                    <a:pt x="11357" y="3323"/>
+                  </a:lnTo>
+                  <a:lnTo>
+                    <a:pt x="11528" y="3176"/>
+                  </a:lnTo>
+                  <a:lnTo>
+                    <a:pt x="11699" y="3054"/>
+                  </a:lnTo>
+                  <a:lnTo>
+                    <a:pt x="11894" y="2956"/>
+                  </a:lnTo>
+                  <a:lnTo>
+                    <a:pt x="12065" y="2858"/>
+                  </a:lnTo>
+                  <a:lnTo>
+                    <a:pt x="12261" y="2785"/>
+                  </a:lnTo>
+                  <a:lnTo>
+                    <a:pt x="12481" y="2736"/>
+                  </a:lnTo>
+                  <a:lnTo>
+                    <a:pt x="12676" y="2712"/>
+                  </a:lnTo>
+                  <a:close/>
+                  <a:moveTo>
+                    <a:pt x="8377" y="8867"/>
+                  </a:moveTo>
+                  <a:lnTo>
+                    <a:pt x="8475" y="8891"/>
+                  </a:lnTo>
+                  <a:lnTo>
+                    <a:pt x="8548" y="8915"/>
+                  </a:lnTo>
+                  <a:lnTo>
+                    <a:pt x="8646" y="8964"/>
+                  </a:lnTo>
+                  <a:lnTo>
+                    <a:pt x="8719" y="9013"/>
+                  </a:lnTo>
+                  <a:lnTo>
+                    <a:pt x="8768" y="9086"/>
+                  </a:lnTo>
+                  <a:lnTo>
+                    <a:pt x="8817" y="9184"/>
+                  </a:lnTo>
+                  <a:lnTo>
+                    <a:pt x="8841" y="9257"/>
+                  </a:lnTo>
+                  <a:lnTo>
+                    <a:pt x="8866" y="9355"/>
+                  </a:lnTo>
+                  <a:lnTo>
+                    <a:pt x="8841" y="9453"/>
+                  </a:lnTo>
+                  <a:lnTo>
+                    <a:pt x="8817" y="9550"/>
+                  </a:lnTo>
+                  <a:lnTo>
+                    <a:pt x="8768" y="9624"/>
+                  </a:lnTo>
+                  <a:lnTo>
+                    <a:pt x="8719" y="9697"/>
+                  </a:lnTo>
+                  <a:lnTo>
+                    <a:pt x="6179" y="12237"/>
+                  </a:lnTo>
+                  <a:lnTo>
+                    <a:pt x="6106" y="12310"/>
+                  </a:lnTo>
+                  <a:lnTo>
+                    <a:pt x="6033" y="12359"/>
+                  </a:lnTo>
+                  <a:lnTo>
+                    <a:pt x="5935" y="12383"/>
+                  </a:lnTo>
+                  <a:lnTo>
+                    <a:pt x="5740" y="12383"/>
+                  </a:lnTo>
+                  <a:lnTo>
+                    <a:pt x="5642" y="12359"/>
+                  </a:lnTo>
+                  <a:lnTo>
+                    <a:pt x="5569" y="12310"/>
+                  </a:lnTo>
+                  <a:lnTo>
+                    <a:pt x="5496" y="12237"/>
+                  </a:lnTo>
+                  <a:lnTo>
+                    <a:pt x="5422" y="12164"/>
+                  </a:lnTo>
+                  <a:lnTo>
+                    <a:pt x="5373" y="12090"/>
+                  </a:lnTo>
+                  <a:lnTo>
+                    <a:pt x="5349" y="11993"/>
+                  </a:lnTo>
+                  <a:lnTo>
+                    <a:pt x="5349" y="11895"/>
+                  </a:lnTo>
+                  <a:lnTo>
+                    <a:pt x="5349" y="11797"/>
+                  </a:lnTo>
+                  <a:lnTo>
+                    <a:pt x="5373" y="11700"/>
+                  </a:lnTo>
+                  <a:lnTo>
+                    <a:pt x="5422" y="11626"/>
+                  </a:lnTo>
+                  <a:lnTo>
+                    <a:pt x="5496" y="11553"/>
+                  </a:lnTo>
+                  <a:lnTo>
+                    <a:pt x="8036" y="9013"/>
+                  </a:lnTo>
+                  <a:lnTo>
+                    <a:pt x="8109" y="8964"/>
+                  </a:lnTo>
+                  <a:lnTo>
+                    <a:pt x="8182" y="8915"/>
+                  </a:lnTo>
+                  <a:lnTo>
+                    <a:pt x="8280" y="8891"/>
+                  </a:lnTo>
+                  <a:lnTo>
+                    <a:pt x="8377" y="8867"/>
+                  </a:lnTo>
+                  <a:close/>
+                  <a:moveTo>
+                    <a:pt x="14825" y="1"/>
+                  </a:moveTo>
+                  <a:lnTo>
+                    <a:pt x="14288" y="25"/>
+                  </a:lnTo>
+                  <a:lnTo>
+                    <a:pt x="13751" y="50"/>
+                  </a:lnTo>
+                  <a:lnTo>
+                    <a:pt x="13213" y="123"/>
+                  </a:lnTo>
+                  <a:lnTo>
+                    <a:pt x="12676" y="245"/>
+                  </a:lnTo>
+                  <a:lnTo>
+                    <a:pt x="12163" y="367"/>
+                  </a:lnTo>
+                  <a:lnTo>
+                    <a:pt x="11675" y="538"/>
+                  </a:lnTo>
+                  <a:lnTo>
+                    <a:pt x="11235" y="758"/>
+                  </a:lnTo>
+                  <a:lnTo>
+                    <a:pt x="11015" y="856"/>
+                  </a:lnTo>
+                  <a:lnTo>
+                    <a:pt x="10844" y="1002"/>
+                  </a:lnTo>
+                  <a:lnTo>
+                    <a:pt x="10649" y="1124"/>
+                  </a:lnTo>
+                  <a:lnTo>
+                    <a:pt x="10502" y="1271"/>
+                  </a:lnTo>
+                  <a:lnTo>
+                    <a:pt x="5544" y="6229"/>
+                  </a:lnTo>
+                  <a:lnTo>
+                    <a:pt x="391" y="6229"/>
+                  </a:lnTo>
+                  <a:lnTo>
+                    <a:pt x="245" y="6253"/>
+                  </a:lnTo>
+                  <a:lnTo>
+                    <a:pt x="147" y="6278"/>
+                  </a:lnTo>
+                  <a:lnTo>
+                    <a:pt x="49" y="6327"/>
+                  </a:lnTo>
+                  <a:lnTo>
+                    <a:pt x="0" y="6400"/>
+                  </a:lnTo>
+                  <a:lnTo>
+                    <a:pt x="0" y="6473"/>
+                  </a:lnTo>
+                  <a:lnTo>
+                    <a:pt x="25" y="6571"/>
+                  </a:lnTo>
+                  <a:lnTo>
+                    <a:pt x="74" y="6668"/>
+                  </a:lnTo>
+                  <a:lnTo>
+                    <a:pt x="171" y="6791"/>
+                  </a:lnTo>
+                  <a:lnTo>
+                    <a:pt x="2589" y="9184"/>
+                  </a:lnTo>
+                  <a:lnTo>
+                    <a:pt x="2272" y="9502"/>
+                  </a:lnTo>
+                  <a:lnTo>
+                    <a:pt x="953" y="9746"/>
+                  </a:lnTo>
+                  <a:lnTo>
+                    <a:pt x="806" y="9795"/>
+                  </a:lnTo>
+                  <a:lnTo>
+                    <a:pt x="684" y="9843"/>
+                  </a:lnTo>
+                  <a:lnTo>
+                    <a:pt x="611" y="9941"/>
+                  </a:lnTo>
+                  <a:lnTo>
+                    <a:pt x="562" y="10014"/>
+                  </a:lnTo>
+                  <a:lnTo>
+                    <a:pt x="562" y="10112"/>
+                  </a:lnTo>
+                  <a:lnTo>
+                    <a:pt x="586" y="10234"/>
+                  </a:lnTo>
+                  <a:lnTo>
+                    <a:pt x="635" y="10332"/>
+                  </a:lnTo>
+                  <a:lnTo>
+                    <a:pt x="733" y="10454"/>
+                  </a:lnTo>
+                  <a:lnTo>
+                    <a:pt x="7278" y="16999"/>
+                  </a:lnTo>
+                  <a:lnTo>
+                    <a:pt x="7401" y="17097"/>
+                  </a:lnTo>
+                  <a:lnTo>
+                    <a:pt x="7498" y="17146"/>
+                  </a:lnTo>
+                  <a:lnTo>
+                    <a:pt x="7620" y="17170"/>
+                  </a:lnTo>
+                  <a:lnTo>
+                    <a:pt x="7718" y="17170"/>
+                  </a:lnTo>
+                  <a:lnTo>
+                    <a:pt x="7791" y="17122"/>
+                  </a:lnTo>
+                  <a:lnTo>
+                    <a:pt x="7889" y="17048"/>
+                  </a:lnTo>
+                  <a:lnTo>
+                    <a:pt x="7938" y="16926"/>
+                  </a:lnTo>
+                  <a:lnTo>
+                    <a:pt x="7987" y="16780"/>
+                  </a:lnTo>
+                  <a:lnTo>
+                    <a:pt x="8231" y="15461"/>
+                  </a:lnTo>
+                  <a:lnTo>
+                    <a:pt x="8548" y="15143"/>
+                  </a:lnTo>
+                  <a:lnTo>
+                    <a:pt x="10942" y="17561"/>
+                  </a:lnTo>
+                  <a:lnTo>
+                    <a:pt x="11064" y="17659"/>
+                  </a:lnTo>
+                  <a:lnTo>
+                    <a:pt x="11162" y="17708"/>
+                  </a:lnTo>
+                  <a:lnTo>
+                    <a:pt x="11259" y="17732"/>
+                  </a:lnTo>
+                  <a:lnTo>
+                    <a:pt x="11333" y="17732"/>
+                  </a:lnTo>
+                  <a:lnTo>
+                    <a:pt x="11406" y="17683"/>
+                  </a:lnTo>
+                  <a:lnTo>
+                    <a:pt x="11455" y="17586"/>
+                  </a:lnTo>
+                  <a:lnTo>
+                    <a:pt x="11479" y="17488"/>
+                  </a:lnTo>
+                  <a:lnTo>
+                    <a:pt x="11504" y="17341"/>
+                  </a:lnTo>
+                  <a:lnTo>
+                    <a:pt x="11504" y="12188"/>
+                  </a:lnTo>
+                  <a:lnTo>
+                    <a:pt x="16461" y="7230"/>
+                  </a:lnTo>
+                  <a:lnTo>
+                    <a:pt x="16608" y="7084"/>
+                  </a:lnTo>
+                  <a:lnTo>
+                    <a:pt x="16730" y="6888"/>
+                  </a:lnTo>
+                  <a:lnTo>
+                    <a:pt x="16877" y="6693"/>
+                  </a:lnTo>
+                  <a:lnTo>
+                    <a:pt x="16974" y="6498"/>
+                  </a:lnTo>
+                  <a:lnTo>
+                    <a:pt x="17194" y="6058"/>
+                  </a:lnTo>
+                  <a:lnTo>
+                    <a:pt x="17365" y="5569"/>
+                  </a:lnTo>
+                  <a:lnTo>
+                    <a:pt x="17487" y="5057"/>
+                  </a:lnTo>
+                  <a:lnTo>
+                    <a:pt x="17609" y="4519"/>
+                  </a:lnTo>
+                  <a:lnTo>
+                    <a:pt x="17683" y="3982"/>
+                  </a:lnTo>
+                  <a:lnTo>
+                    <a:pt x="17707" y="3445"/>
+                  </a:lnTo>
+                  <a:lnTo>
+                    <a:pt x="17731" y="2907"/>
+                  </a:lnTo>
+                  <a:lnTo>
+                    <a:pt x="17731" y="2419"/>
+                  </a:lnTo>
+                  <a:lnTo>
+                    <a:pt x="17707" y="1955"/>
+                  </a:lnTo>
+                  <a:lnTo>
+                    <a:pt x="17658" y="1515"/>
+                  </a:lnTo>
+                  <a:lnTo>
+                    <a:pt x="17585" y="1149"/>
+                  </a:lnTo>
+                  <a:lnTo>
+                    <a:pt x="17512" y="831"/>
+                  </a:lnTo>
+                  <a:lnTo>
+                    <a:pt x="17414" y="587"/>
+                  </a:lnTo>
+                  <a:lnTo>
+                    <a:pt x="17341" y="489"/>
+                  </a:lnTo>
+                  <a:lnTo>
+                    <a:pt x="17292" y="441"/>
+                  </a:lnTo>
+                  <a:lnTo>
+                    <a:pt x="17243" y="392"/>
+                  </a:lnTo>
+                  <a:lnTo>
+                    <a:pt x="17145" y="318"/>
+                  </a:lnTo>
+                  <a:lnTo>
+                    <a:pt x="16901" y="221"/>
+                  </a:lnTo>
+                  <a:lnTo>
+                    <a:pt x="16584" y="148"/>
+                  </a:lnTo>
+                  <a:lnTo>
+                    <a:pt x="16217" y="74"/>
+                  </a:lnTo>
+                  <a:lnTo>
+                    <a:pt x="15778" y="25"/>
+                  </a:lnTo>
+                  <a:lnTo>
+                    <a:pt x="15314" y="1"/>
+                  </a:lnTo>
+                  <a:close/>
+                </a:path>
+              </a:pathLst>
+            </a:custGeom>
+            <a:solidFill>
+              <a:srgbClr val="FF0066"/>
+            </a:solidFill>
+            <a:ln>
+              <a:noFill/>
+            </a:ln>
+          </p:spPr>
+          <p:txBody>
+            <a:bodyPr spcFirstLastPara="1" wrap="square" lIns="91425" tIns="91425" rIns="91425" bIns="91425" anchor="ctr" anchorCtr="0">
+              <a:noAutofit/>
+            </a:bodyPr>
+            <a:lstStyle/>
+            <a:p>
+              <a:pPr marL="0" lvl="0" indent="0" algn="l" rtl="0">
+                <a:spcBef>
+                  <a:spcPts val="0"/>
+                </a:spcBef>
+                <a:spcAft>
+                  <a:spcPts val="0"/>
+                </a:spcAft>
+                <a:buNone/>
+              </a:pPr>
+              <a:endParaRPr/>
+            </a:p>
+          </p:txBody>
+        </p:sp>
+        <p:sp>
+          <p:nvSpPr>
+            <p:cNvPr id="246" name="Google Shape;246;p21"/>
+            <p:cNvSpPr/>
+            <p:nvPr/>
+          </p:nvSpPr>
+          <p:spPr>
+            <a:xfrm>
+              <a:off x="597725" y="4665400"/>
+              <a:ext cx="73300" cy="73300"/>
+            </a:xfrm>
+            <a:custGeom>
+              <a:avLst/>
+              <a:gdLst/>
+              <a:ahLst/>
+              <a:cxnLst/>
+              <a:rect l="l" t="t" r="r" b="b"/>
+              <a:pathLst>
+                <a:path w="2932" h="2932" extrusionOk="0">
+                  <a:moveTo>
+                    <a:pt x="2028" y="1"/>
+                  </a:moveTo>
+                  <a:lnTo>
+                    <a:pt x="1857" y="25"/>
+                  </a:lnTo>
+                  <a:lnTo>
+                    <a:pt x="1686" y="74"/>
+                  </a:lnTo>
+                  <a:lnTo>
+                    <a:pt x="1515" y="147"/>
+                  </a:lnTo>
+                  <a:lnTo>
+                    <a:pt x="1369" y="269"/>
+                  </a:lnTo>
+                  <a:lnTo>
+                    <a:pt x="1222" y="489"/>
+                  </a:lnTo>
+                  <a:lnTo>
+                    <a:pt x="1002" y="831"/>
+                  </a:lnTo>
+                  <a:lnTo>
+                    <a:pt x="563" y="1735"/>
+                  </a:lnTo>
+                  <a:lnTo>
+                    <a:pt x="172" y="2565"/>
+                  </a:lnTo>
+                  <a:lnTo>
+                    <a:pt x="1" y="2932"/>
+                  </a:lnTo>
+                  <a:lnTo>
+                    <a:pt x="1" y="2932"/>
+                  </a:lnTo>
+                  <a:lnTo>
+                    <a:pt x="367" y="2761"/>
+                  </a:lnTo>
+                  <a:lnTo>
+                    <a:pt x="1198" y="2370"/>
+                  </a:lnTo>
+                  <a:lnTo>
+                    <a:pt x="2101" y="1930"/>
+                  </a:lnTo>
+                  <a:lnTo>
+                    <a:pt x="2443" y="1710"/>
+                  </a:lnTo>
+                  <a:lnTo>
+                    <a:pt x="2663" y="1564"/>
+                  </a:lnTo>
+                  <a:lnTo>
+                    <a:pt x="2785" y="1417"/>
+                  </a:lnTo>
+                  <a:lnTo>
+                    <a:pt x="2858" y="1246"/>
+                  </a:lnTo>
+                  <a:lnTo>
+                    <a:pt x="2907" y="1075"/>
+                  </a:lnTo>
+                  <a:lnTo>
+                    <a:pt x="2932" y="904"/>
+                  </a:lnTo>
+                  <a:lnTo>
+                    <a:pt x="2907" y="733"/>
+                  </a:lnTo>
+                  <a:lnTo>
+                    <a:pt x="2858" y="562"/>
+                  </a:lnTo>
+                  <a:lnTo>
+                    <a:pt x="2785" y="416"/>
+                  </a:lnTo>
+                  <a:lnTo>
+                    <a:pt x="2663" y="269"/>
+                  </a:lnTo>
+                  <a:lnTo>
+                    <a:pt x="2517" y="147"/>
+                  </a:lnTo>
+                  <a:lnTo>
+                    <a:pt x="2370" y="74"/>
+                  </a:lnTo>
+                  <a:lnTo>
+                    <a:pt x="2199" y="25"/>
+                  </a:lnTo>
+                  <a:lnTo>
+                    <a:pt x="2028" y="1"/>
+                  </a:lnTo>
+                  <a:close/>
+                </a:path>
+              </a:pathLst>
+            </a:custGeom>
+            <a:solidFill>
+              <a:srgbClr val="FF0066"/>
+            </a:solidFill>
+            <a:ln>
+              <a:noFill/>
+            </a:ln>
+          </p:spPr>
+          <p:txBody>
+            <a:bodyPr spcFirstLastPara="1" wrap="square" lIns="91425" tIns="91425" rIns="91425" bIns="91425" anchor="ctr" anchorCtr="0">
+              <a:noAutofit/>
+            </a:bodyPr>
+            <a:lstStyle/>
+            <a:p>
+              <a:pPr marL="0" lvl="0" indent="0" algn="l" rtl="0">
+                <a:spcBef>
+                  <a:spcPts val="0"/>
+                </a:spcBef>
+                <a:spcAft>
+                  <a:spcPts val="0"/>
+                </a:spcAft>
+                <a:buNone/>
+              </a:pPr>
+              <a:endParaRPr/>
+            </a:p>
+          </p:txBody>
+        </p:sp>
+        <p:sp>
+          <p:nvSpPr>
+            <p:cNvPr id="247" name="Google Shape;247;p21"/>
+            <p:cNvSpPr/>
+            <p:nvPr/>
+          </p:nvSpPr>
+          <p:spPr>
+            <a:xfrm>
+              <a:off x="654525" y="4708150"/>
+              <a:ext cx="47025" cy="47025"/>
+            </a:xfrm>
+            <a:custGeom>
+              <a:avLst/>
+              <a:gdLst/>
+              <a:ahLst/>
+              <a:cxnLst/>
+              <a:rect l="l" t="t" r="r" b="b"/>
+              <a:pathLst>
+                <a:path w="1881" h="1881" extrusionOk="0">
+                  <a:moveTo>
+                    <a:pt x="1124" y="0"/>
+                  </a:moveTo>
+                  <a:lnTo>
+                    <a:pt x="977" y="25"/>
+                  </a:lnTo>
+                  <a:lnTo>
+                    <a:pt x="831" y="74"/>
+                  </a:lnTo>
+                  <a:lnTo>
+                    <a:pt x="709" y="147"/>
+                  </a:lnTo>
+                  <a:lnTo>
+                    <a:pt x="586" y="245"/>
+                  </a:lnTo>
+                  <a:lnTo>
+                    <a:pt x="464" y="391"/>
+                  </a:lnTo>
+                  <a:lnTo>
+                    <a:pt x="367" y="611"/>
+                  </a:lnTo>
+                  <a:lnTo>
+                    <a:pt x="269" y="880"/>
+                  </a:lnTo>
+                  <a:lnTo>
+                    <a:pt x="171" y="1173"/>
+                  </a:lnTo>
+                  <a:lnTo>
+                    <a:pt x="49" y="1686"/>
+                  </a:lnTo>
+                  <a:lnTo>
+                    <a:pt x="0" y="1881"/>
+                  </a:lnTo>
+                  <a:lnTo>
+                    <a:pt x="0" y="1881"/>
+                  </a:lnTo>
+                  <a:lnTo>
+                    <a:pt x="220" y="1857"/>
+                  </a:lnTo>
+                  <a:lnTo>
+                    <a:pt x="733" y="1710"/>
+                  </a:lnTo>
+                  <a:lnTo>
+                    <a:pt x="1002" y="1637"/>
+                  </a:lnTo>
+                  <a:lnTo>
+                    <a:pt x="1270" y="1539"/>
+                  </a:lnTo>
+                  <a:lnTo>
+                    <a:pt x="1515" y="1417"/>
+                  </a:lnTo>
+                  <a:lnTo>
+                    <a:pt x="1661" y="1319"/>
+                  </a:lnTo>
+                  <a:lnTo>
+                    <a:pt x="1759" y="1197"/>
+                  </a:lnTo>
+                  <a:lnTo>
+                    <a:pt x="1832" y="1051"/>
+                  </a:lnTo>
+                  <a:lnTo>
+                    <a:pt x="1881" y="928"/>
+                  </a:lnTo>
+                  <a:lnTo>
+                    <a:pt x="1881" y="782"/>
+                  </a:lnTo>
+                  <a:lnTo>
+                    <a:pt x="1881" y="635"/>
+                  </a:lnTo>
+                  <a:lnTo>
+                    <a:pt x="1832" y="489"/>
+                  </a:lnTo>
+                  <a:lnTo>
+                    <a:pt x="1759" y="367"/>
+                  </a:lnTo>
+                  <a:lnTo>
+                    <a:pt x="1661" y="245"/>
+                  </a:lnTo>
+                  <a:lnTo>
+                    <a:pt x="1539" y="147"/>
+                  </a:lnTo>
+                  <a:lnTo>
+                    <a:pt x="1417" y="74"/>
+                  </a:lnTo>
+                  <a:lnTo>
+                    <a:pt x="1270" y="25"/>
+                  </a:lnTo>
+                  <a:lnTo>
+                    <a:pt x="1124" y="0"/>
+                  </a:lnTo>
+                  <a:close/>
+                </a:path>
+              </a:pathLst>
+            </a:custGeom>
+            <a:solidFill>
+              <a:srgbClr val="FF0066"/>
+            </a:solidFill>
+            <a:ln>
+              <a:noFill/>
+            </a:ln>
+          </p:spPr>
+          <p:txBody>
+            <a:bodyPr spcFirstLastPara="1" wrap="square" lIns="91425" tIns="91425" rIns="91425" bIns="91425" anchor="ctr" anchorCtr="0">
+              <a:noAutofit/>
+            </a:bodyPr>
+            <a:lstStyle/>
+            <a:p>
+              <a:pPr marL="0" lvl="0" indent="0" algn="l" rtl="0">
+                <a:spcBef>
+                  <a:spcPts val="0"/>
+                </a:spcBef>
+                <a:spcAft>
+                  <a:spcPts val="0"/>
+                </a:spcAft>
+                <a:buNone/>
+              </a:pPr>
+              <a:endParaRPr/>
+            </a:p>
+          </p:txBody>
+        </p:sp>
+        <p:sp>
+          <p:nvSpPr>
+            <p:cNvPr id="248" name="Google Shape;248;p21"/>
+            <p:cNvSpPr/>
+            <p:nvPr/>
+          </p:nvSpPr>
+          <p:spPr>
+            <a:xfrm>
+              <a:off x="581250" y="4634875"/>
+              <a:ext cx="47050" cy="47050"/>
+            </a:xfrm>
+            <a:custGeom>
+              <a:avLst/>
+              <a:gdLst/>
+              <a:ahLst/>
+              <a:cxnLst/>
+              <a:rect l="l" t="t" r="r" b="b"/>
+              <a:pathLst>
+                <a:path w="1882" h="1882" extrusionOk="0">
+                  <a:moveTo>
+                    <a:pt x="953" y="1"/>
+                  </a:moveTo>
+                  <a:lnTo>
+                    <a:pt x="831" y="49"/>
+                  </a:lnTo>
+                  <a:lnTo>
+                    <a:pt x="684" y="123"/>
+                  </a:lnTo>
+                  <a:lnTo>
+                    <a:pt x="562" y="220"/>
+                  </a:lnTo>
+                  <a:lnTo>
+                    <a:pt x="465" y="367"/>
+                  </a:lnTo>
+                  <a:lnTo>
+                    <a:pt x="342" y="611"/>
+                  </a:lnTo>
+                  <a:lnTo>
+                    <a:pt x="245" y="880"/>
+                  </a:lnTo>
+                  <a:lnTo>
+                    <a:pt x="171" y="1148"/>
+                  </a:lnTo>
+                  <a:lnTo>
+                    <a:pt x="25" y="1661"/>
+                  </a:lnTo>
+                  <a:lnTo>
+                    <a:pt x="1" y="1881"/>
+                  </a:lnTo>
+                  <a:lnTo>
+                    <a:pt x="196" y="1832"/>
+                  </a:lnTo>
+                  <a:lnTo>
+                    <a:pt x="709" y="1710"/>
+                  </a:lnTo>
+                  <a:lnTo>
+                    <a:pt x="1002" y="1613"/>
+                  </a:lnTo>
+                  <a:lnTo>
+                    <a:pt x="1271" y="1515"/>
+                  </a:lnTo>
+                  <a:lnTo>
+                    <a:pt x="1490" y="1417"/>
+                  </a:lnTo>
+                  <a:lnTo>
+                    <a:pt x="1637" y="1295"/>
+                  </a:lnTo>
+                  <a:lnTo>
+                    <a:pt x="1735" y="1173"/>
+                  </a:lnTo>
+                  <a:lnTo>
+                    <a:pt x="1808" y="1051"/>
+                  </a:lnTo>
+                  <a:lnTo>
+                    <a:pt x="1857" y="904"/>
+                  </a:lnTo>
+                  <a:lnTo>
+                    <a:pt x="1881" y="758"/>
+                  </a:lnTo>
+                  <a:lnTo>
+                    <a:pt x="1857" y="611"/>
+                  </a:lnTo>
+                  <a:lnTo>
+                    <a:pt x="1808" y="465"/>
+                  </a:lnTo>
+                  <a:lnTo>
+                    <a:pt x="1735" y="343"/>
+                  </a:lnTo>
+                  <a:lnTo>
+                    <a:pt x="1637" y="220"/>
+                  </a:lnTo>
+                  <a:lnTo>
+                    <a:pt x="1515" y="123"/>
+                  </a:lnTo>
+                  <a:lnTo>
+                    <a:pt x="1393" y="49"/>
+                  </a:lnTo>
+                  <a:lnTo>
+                    <a:pt x="1246" y="1"/>
+                  </a:lnTo>
+                  <a:close/>
+                </a:path>
+              </a:pathLst>
+            </a:custGeom>
+            <a:solidFill>
+              <a:srgbClr val="FF0066"/>
+            </a:solidFill>
+            <a:ln>
+              <a:noFill/>
+            </a:ln>
+          </p:spPr>
+          <p:txBody>
+            <a:bodyPr spcFirstLastPara="1" wrap="square" lIns="91425" tIns="91425" rIns="91425" bIns="91425" anchor="ctr" anchorCtr="0">
+              <a:noAutofit/>
+            </a:bodyPr>
+            <a:lstStyle/>
+            <a:p>
+              <a:pPr marL="0" lvl="0" indent="0" algn="l" rtl="0">
+                <a:spcBef>
+                  <a:spcPts val="0"/>
+                </a:spcBef>
+                <a:spcAft>
+                  <a:spcPts val="0"/>
+                </a:spcAft>
+                <a:buNone/>
+              </a:pPr>
+              <a:endParaRPr/>
+            </a:p>
+          </p:txBody>
+        </p:sp>
+      </p:grpSp>
+      <p:sp>
+        <p:nvSpPr>
+          <p:cNvPr id="249" name="Google Shape;249;p21"/>
+          <p:cNvSpPr/>
+          <p:nvPr/>
+        </p:nvSpPr>
+        <p:spPr>
+          <a:xfrm rot="1892490">
+            <a:off x="7490780" y="1234541"/>
+            <a:ext cx="275600" cy="263152"/>
+          </a:xfrm>
+          <a:custGeom>
+            <a:avLst/>
+            <a:gdLst/>
+            <a:ahLst/>
+            <a:cxnLst/>
+            <a:rect l="l" t="t" r="r" b="b"/>
+            <a:pathLst>
+              <a:path w="15144" h="14460" extrusionOk="0">
+                <a:moveTo>
+                  <a:pt x="7572" y="1"/>
+                </a:moveTo>
+                <a:lnTo>
+                  <a:pt x="7499" y="25"/>
+                </a:lnTo>
+                <a:lnTo>
+                  <a:pt x="7401" y="74"/>
+                </a:lnTo>
+                <a:lnTo>
+                  <a:pt x="7328" y="172"/>
+                </a:lnTo>
+                <a:lnTo>
+                  <a:pt x="7255" y="294"/>
+                </a:lnTo>
+                <a:lnTo>
+                  <a:pt x="5594" y="4104"/>
+                </a:lnTo>
+                <a:lnTo>
+                  <a:pt x="5521" y="4226"/>
+                </a:lnTo>
+                <a:lnTo>
+                  <a:pt x="5398" y="4373"/>
+                </a:lnTo>
+                <a:lnTo>
+                  <a:pt x="5276" y="4495"/>
+                </a:lnTo>
+                <a:lnTo>
+                  <a:pt x="5130" y="4617"/>
+                </a:lnTo>
+                <a:lnTo>
+                  <a:pt x="4983" y="4715"/>
+                </a:lnTo>
+                <a:lnTo>
+                  <a:pt x="4812" y="4788"/>
+                </a:lnTo>
+                <a:lnTo>
+                  <a:pt x="4666" y="4861"/>
+                </a:lnTo>
+                <a:lnTo>
+                  <a:pt x="4495" y="4886"/>
+                </a:lnTo>
+                <a:lnTo>
+                  <a:pt x="392" y="5301"/>
+                </a:lnTo>
+                <a:lnTo>
+                  <a:pt x="245" y="5325"/>
+                </a:lnTo>
+                <a:lnTo>
+                  <a:pt x="123" y="5374"/>
+                </a:lnTo>
+                <a:lnTo>
+                  <a:pt x="50" y="5423"/>
+                </a:lnTo>
+                <a:lnTo>
+                  <a:pt x="1" y="5521"/>
+                </a:lnTo>
+                <a:lnTo>
+                  <a:pt x="1" y="5594"/>
+                </a:lnTo>
+                <a:lnTo>
+                  <a:pt x="25" y="5692"/>
+                </a:lnTo>
+                <a:lnTo>
+                  <a:pt x="74" y="5789"/>
+                </a:lnTo>
+                <a:lnTo>
+                  <a:pt x="196" y="5911"/>
+                </a:lnTo>
+                <a:lnTo>
+                  <a:pt x="3274" y="8647"/>
+                </a:lnTo>
+                <a:lnTo>
+                  <a:pt x="3396" y="8769"/>
+                </a:lnTo>
+                <a:lnTo>
+                  <a:pt x="3493" y="8915"/>
+                </a:lnTo>
+                <a:lnTo>
+                  <a:pt x="3567" y="9086"/>
+                </a:lnTo>
+                <a:lnTo>
+                  <a:pt x="3640" y="9257"/>
+                </a:lnTo>
+                <a:lnTo>
+                  <a:pt x="3689" y="9428"/>
+                </a:lnTo>
+                <a:lnTo>
+                  <a:pt x="3713" y="9599"/>
+                </a:lnTo>
+                <a:lnTo>
+                  <a:pt x="3713" y="9770"/>
+                </a:lnTo>
+                <a:lnTo>
+                  <a:pt x="3689" y="9941"/>
+                </a:lnTo>
+                <a:lnTo>
+                  <a:pt x="2810" y="13995"/>
+                </a:lnTo>
+                <a:lnTo>
+                  <a:pt x="2785" y="14142"/>
+                </a:lnTo>
+                <a:lnTo>
+                  <a:pt x="2810" y="14240"/>
+                </a:lnTo>
+                <a:lnTo>
+                  <a:pt x="2834" y="14337"/>
+                </a:lnTo>
+                <a:lnTo>
+                  <a:pt x="2883" y="14411"/>
+                </a:lnTo>
+                <a:lnTo>
+                  <a:pt x="2981" y="14435"/>
+                </a:lnTo>
+                <a:lnTo>
+                  <a:pt x="3078" y="14459"/>
+                </a:lnTo>
+                <a:lnTo>
+                  <a:pt x="3200" y="14411"/>
+                </a:lnTo>
+                <a:lnTo>
+                  <a:pt x="3322" y="14362"/>
+                </a:lnTo>
+                <a:lnTo>
+                  <a:pt x="6888" y="12261"/>
+                </a:lnTo>
+                <a:lnTo>
+                  <a:pt x="7035" y="12188"/>
+                </a:lnTo>
+                <a:lnTo>
+                  <a:pt x="7206" y="12139"/>
+                </a:lnTo>
+                <a:lnTo>
+                  <a:pt x="7401" y="12115"/>
+                </a:lnTo>
+                <a:lnTo>
+                  <a:pt x="7743" y="12115"/>
+                </a:lnTo>
+                <a:lnTo>
+                  <a:pt x="7938" y="12139"/>
+                </a:lnTo>
+                <a:lnTo>
+                  <a:pt x="8109" y="12188"/>
+                </a:lnTo>
+                <a:lnTo>
+                  <a:pt x="8256" y="12261"/>
+                </a:lnTo>
+                <a:lnTo>
+                  <a:pt x="11822" y="14362"/>
+                </a:lnTo>
+                <a:lnTo>
+                  <a:pt x="11944" y="14411"/>
+                </a:lnTo>
+                <a:lnTo>
+                  <a:pt x="12066" y="14459"/>
+                </a:lnTo>
+                <a:lnTo>
+                  <a:pt x="12164" y="14435"/>
+                </a:lnTo>
+                <a:lnTo>
+                  <a:pt x="12261" y="14411"/>
+                </a:lnTo>
+                <a:lnTo>
+                  <a:pt x="12310" y="14337"/>
+                </a:lnTo>
+                <a:lnTo>
+                  <a:pt x="12335" y="14240"/>
+                </a:lnTo>
+                <a:lnTo>
+                  <a:pt x="12359" y="14142"/>
+                </a:lnTo>
+                <a:lnTo>
+                  <a:pt x="12335" y="13995"/>
+                </a:lnTo>
+                <a:lnTo>
+                  <a:pt x="11455" y="9941"/>
+                </a:lnTo>
+                <a:lnTo>
+                  <a:pt x="11431" y="9770"/>
+                </a:lnTo>
+                <a:lnTo>
+                  <a:pt x="11431" y="9599"/>
+                </a:lnTo>
+                <a:lnTo>
+                  <a:pt x="11455" y="9428"/>
+                </a:lnTo>
+                <a:lnTo>
+                  <a:pt x="11504" y="9257"/>
+                </a:lnTo>
+                <a:lnTo>
+                  <a:pt x="11577" y="9086"/>
+                </a:lnTo>
+                <a:lnTo>
+                  <a:pt x="11651" y="8915"/>
+                </a:lnTo>
+                <a:lnTo>
+                  <a:pt x="11748" y="8769"/>
+                </a:lnTo>
+                <a:lnTo>
+                  <a:pt x="11870" y="8647"/>
+                </a:lnTo>
+                <a:lnTo>
+                  <a:pt x="14948" y="5911"/>
+                </a:lnTo>
+                <a:lnTo>
+                  <a:pt x="15070" y="5789"/>
+                </a:lnTo>
+                <a:lnTo>
+                  <a:pt x="15119" y="5692"/>
+                </a:lnTo>
+                <a:lnTo>
+                  <a:pt x="15143" y="5594"/>
+                </a:lnTo>
+                <a:lnTo>
+                  <a:pt x="15143" y="5521"/>
+                </a:lnTo>
+                <a:lnTo>
+                  <a:pt x="15094" y="5423"/>
+                </a:lnTo>
+                <a:lnTo>
+                  <a:pt x="15021" y="5374"/>
+                </a:lnTo>
+                <a:lnTo>
+                  <a:pt x="14899" y="5325"/>
+                </a:lnTo>
+                <a:lnTo>
+                  <a:pt x="14752" y="5301"/>
+                </a:lnTo>
+                <a:lnTo>
+                  <a:pt x="10649" y="4886"/>
+                </a:lnTo>
+                <a:lnTo>
+                  <a:pt x="10478" y="4861"/>
+                </a:lnTo>
+                <a:lnTo>
+                  <a:pt x="10332" y="4788"/>
+                </a:lnTo>
+                <a:lnTo>
+                  <a:pt x="10161" y="4715"/>
+                </a:lnTo>
+                <a:lnTo>
+                  <a:pt x="10014" y="4617"/>
+                </a:lnTo>
+                <a:lnTo>
+                  <a:pt x="9868" y="4495"/>
+                </a:lnTo>
+                <a:lnTo>
+                  <a:pt x="9746" y="4373"/>
+                </a:lnTo>
+                <a:lnTo>
+                  <a:pt x="9624" y="4226"/>
+                </a:lnTo>
+                <a:lnTo>
+                  <a:pt x="9550" y="4104"/>
+                </a:lnTo>
+                <a:lnTo>
+                  <a:pt x="7890" y="294"/>
+                </a:lnTo>
+                <a:lnTo>
+                  <a:pt x="7816" y="172"/>
+                </a:lnTo>
+                <a:lnTo>
+                  <a:pt x="7743" y="74"/>
+                </a:lnTo>
+                <a:lnTo>
+                  <a:pt x="7645" y="25"/>
+                </a:lnTo>
+                <a:lnTo>
+                  <a:pt x="7572" y="1"/>
+                </a:lnTo>
+                <a:close/>
+              </a:path>
+            </a:pathLst>
+          </a:custGeom>
+          <a:solidFill>
+            <a:srgbClr val="FFCC00"/>
+          </a:solidFill>
+          <a:ln>
+            <a:noFill/>
+          </a:ln>
+        </p:spPr>
+        <p:txBody>
+          <a:bodyPr spcFirstLastPara="1" wrap="square" lIns="91425" tIns="91425" rIns="91425" bIns="91425" anchor="ctr" anchorCtr="0">
+            <a:noAutofit/>
+          </a:bodyPr>
+          <a:lstStyle/>
+          <a:p>
+            <a:pPr marL="0" lvl="0" indent="0" algn="l" rtl="0">
+              <a:spcBef>
+                <a:spcPts val="0"/>
+              </a:spcBef>
+              <a:spcAft>
+                <a:spcPts val="0"/>
+              </a:spcAft>
+              <a:buNone/>
+            </a:pPr>
+            <a:endParaRPr/>
+          </a:p>
+        </p:txBody>
+      </p:sp>
+      <p:sp>
+        <p:nvSpPr>
+          <p:cNvPr id="250" name="Google Shape;250;p21"/>
+          <p:cNvSpPr/>
+          <p:nvPr/>
+        </p:nvSpPr>
+        <p:spPr>
+          <a:xfrm rot="-931596">
+            <a:off x="6645961" y="1760203"/>
+            <a:ext cx="186411" cy="177991"/>
+          </a:xfrm>
+          <a:custGeom>
+            <a:avLst/>
+            <a:gdLst/>
+            <a:ahLst/>
+            <a:cxnLst/>
+            <a:rect l="l" t="t" r="r" b="b"/>
+            <a:pathLst>
+              <a:path w="15144" h="14460" extrusionOk="0">
+                <a:moveTo>
+                  <a:pt x="7572" y="1"/>
+                </a:moveTo>
+                <a:lnTo>
+                  <a:pt x="7499" y="25"/>
+                </a:lnTo>
+                <a:lnTo>
+                  <a:pt x="7401" y="74"/>
+                </a:lnTo>
+                <a:lnTo>
+                  <a:pt x="7328" y="172"/>
+                </a:lnTo>
+                <a:lnTo>
+                  <a:pt x="7255" y="294"/>
+                </a:lnTo>
+                <a:lnTo>
+                  <a:pt x="5594" y="4104"/>
+                </a:lnTo>
+                <a:lnTo>
+                  <a:pt x="5521" y="4226"/>
+                </a:lnTo>
+                <a:lnTo>
+                  <a:pt x="5398" y="4373"/>
+                </a:lnTo>
+                <a:lnTo>
+                  <a:pt x="5276" y="4495"/>
+                </a:lnTo>
+                <a:lnTo>
+                  <a:pt x="5130" y="4617"/>
+                </a:lnTo>
+                <a:lnTo>
+                  <a:pt x="4983" y="4715"/>
+                </a:lnTo>
+                <a:lnTo>
+                  <a:pt x="4812" y="4788"/>
+                </a:lnTo>
+                <a:lnTo>
+                  <a:pt x="4666" y="4861"/>
+                </a:lnTo>
+                <a:lnTo>
+                  <a:pt x="4495" y="4886"/>
+                </a:lnTo>
+                <a:lnTo>
+                  <a:pt x="392" y="5301"/>
+                </a:lnTo>
+                <a:lnTo>
+                  <a:pt x="245" y="5325"/>
+                </a:lnTo>
+                <a:lnTo>
+                  <a:pt x="123" y="5374"/>
+                </a:lnTo>
+                <a:lnTo>
+                  <a:pt x="50" y="5423"/>
+                </a:lnTo>
+                <a:lnTo>
+                  <a:pt x="1" y="5521"/>
+                </a:lnTo>
+                <a:lnTo>
+                  <a:pt x="1" y="5594"/>
+                </a:lnTo>
+                <a:lnTo>
+                  <a:pt x="25" y="5692"/>
+                </a:lnTo>
+                <a:lnTo>
+                  <a:pt x="74" y="5789"/>
+                </a:lnTo>
+                <a:lnTo>
+                  <a:pt x="196" y="5911"/>
+                </a:lnTo>
+                <a:lnTo>
+                  <a:pt x="3274" y="8647"/>
+                </a:lnTo>
+                <a:lnTo>
+                  <a:pt x="3396" y="8769"/>
+                </a:lnTo>
+                <a:lnTo>
+                  <a:pt x="3493" y="8915"/>
+                </a:lnTo>
+                <a:lnTo>
+                  <a:pt x="3567" y="9086"/>
+                </a:lnTo>
+                <a:lnTo>
+                  <a:pt x="3640" y="9257"/>
+                </a:lnTo>
+                <a:lnTo>
+                  <a:pt x="3689" y="9428"/>
+                </a:lnTo>
+                <a:lnTo>
+                  <a:pt x="3713" y="9599"/>
+                </a:lnTo>
+                <a:lnTo>
+                  <a:pt x="3713" y="9770"/>
+                </a:lnTo>
+                <a:lnTo>
+                  <a:pt x="3689" y="9941"/>
+                </a:lnTo>
+                <a:lnTo>
+                  <a:pt x="2810" y="13995"/>
+                </a:lnTo>
+                <a:lnTo>
+                  <a:pt x="2785" y="14142"/>
+                </a:lnTo>
+                <a:lnTo>
+                  <a:pt x="2810" y="14240"/>
+                </a:lnTo>
+                <a:lnTo>
+                  <a:pt x="2834" y="14337"/>
+                </a:lnTo>
+                <a:lnTo>
+                  <a:pt x="2883" y="14411"/>
+                </a:lnTo>
+                <a:lnTo>
+                  <a:pt x="2981" y="14435"/>
+                </a:lnTo>
+                <a:lnTo>
+                  <a:pt x="3078" y="14459"/>
+                </a:lnTo>
+                <a:lnTo>
+                  <a:pt x="3200" y="14411"/>
+                </a:lnTo>
+                <a:lnTo>
+                  <a:pt x="3322" y="14362"/>
+                </a:lnTo>
+                <a:lnTo>
+                  <a:pt x="6888" y="12261"/>
+                </a:lnTo>
+                <a:lnTo>
+                  <a:pt x="7035" y="12188"/>
+                </a:lnTo>
+                <a:lnTo>
+                  <a:pt x="7206" y="12139"/>
+                </a:lnTo>
+                <a:lnTo>
+                  <a:pt x="7401" y="12115"/>
+                </a:lnTo>
+                <a:lnTo>
+                  <a:pt x="7743" y="12115"/>
+                </a:lnTo>
+                <a:lnTo>
+                  <a:pt x="7938" y="12139"/>
+                </a:lnTo>
+                <a:lnTo>
+                  <a:pt x="8109" y="12188"/>
+                </a:lnTo>
+                <a:lnTo>
+                  <a:pt x="8256" y="12261"/>
+                </a:lnTo>
+                <a:lnTo>
+                  <a:pt x="11822" y="14362"/>
+                </a:lnTo>
+                <a:lnTo>
+                  <a:pt x="11944" y="14411"/>
+                </a:lnTo>
+                <a:lnTo>
+                  <a:pt x="12066" y="14459"/>
+                </a:lnTo>
+                <a:lnTo>
+                  <a:pt x="12164" y="14435"/>
+                </a:lnTo>
+                <a:lnTo>
+                  <a:pt x="12261" y="14411"/>
+                </a:lnTo>
+                <a:lnTo>
+                  <a:pt x="12310" y="14337"/>
+                </a:lnTo>
+                <a:lnTo>
+                  <a:pt x="12335" y="14240"/>
+                </a:lnTo>
+                <a:lnTo>
+                  <a:pt x="12359" y="14142"/>
+                </a:lnTo>
+                <a:lnTo>
+                  <a:pt x="12335" y="13995"/>
+                </a:lnTo>
+                <a:lnTo>
+                  <a:pt x="11455" y="9941"/>
+                </a:lnTo>
+                <a:lnTo>
+                  <a:pt x="11431" y="9770"/>
+                </a:lnTo>
+                <a:lnTo>
+                  <a:pt x="11431" y="9599"/>
+                </a:lnTo>
+                <a:lnTo>
+                  <a:pt x="11455" y="9428"/>
+                </a:lnTo>
+                <a:lnTo>
+                  <a:pt x="11504" y="9257"/>
+                </a:lnTo>
+                <a:lnTo>
+                  <a:pt x="11577" y="9086"/>
+                </a:lnTo>
+                <a:lnTo>
+                  <a:pt x="11651" y="8915"/>
+                </a:lnTo>
+                <a:lnTo>
+                  <a:pt x="11748" y="8769"/>
+                </a:lnTo>
+                <a:lnTo>
+                  <a:pt x="11870" y="8647"/>
+                </a:lnTo>
+                <a:lnTo>
+                  <a:pt x="14948" y="5911"/>
+                </a:lnTo>
+                <a:lnTo>
+                  <a:pt x="15070" y="5789"/>
+                </a:lnTo>
+                <a:lnTo>
+                  <a:pt x="15119" y="5692"/>
+                </a:lnTo>
+                <a:lnTo>
+                  <a:pt x="15143" y="5594"/>
+                </a:lnTo>
+                <a:lnTo>
+                  <a:pt x="15143" y="5521"/>
+                </a:lnTo>
+                <a:lnTo>
+                  <a:pt x="15094" y="5423"/>
+                </a:lnTo>
+                <a:lnTo>
+                  <a:pt x="15021" y="5374"/>
+                </a:lnTo>
+                <a:lnTo>
+                  <a:pt x="14899" y="5325"/>
+                </a:lnTo>
+                <a:lnTo>
+                  <a:pt x="14752" y="5301"/>
+                </a:lnTo>
+                <a:lnTo>
+                  <a:pt x="10649" y="4886"/>
+                </a:lnTo>
+                <a:lnTo>
+                  <a:pt x="10478" y="4861"/>
+                </a:lnTo>
+                <a:lnTo>
+                  <a:pt x="10332" y="4788"/>
+                </a:lnTo>
+                <a:lnTo>
+                  <a:pt x="10161" y="4715"/>
+                </a:lnTo>
+                <a:lnTo>
+                  <a:pt x="10014" y="4617"/>
+                </a:lnTo>
+                <a:lnTo>
+                  <a:pt x="9868" y="4495"/>
+                </a:lnTo>
+                <a:lnTo>
+                  <a:pt x="9746" y="4373"/>
+                </a:lnTo>
+                <a:lnTo>
+                  <a:pt x="9624" y="4226"/>
+                </a:lnTo>
+                <a:lnTo>
+                  <a:pt x="9550" y="4104"/>
+                </a:lnTo>
+                <a:lnTo>
+                  <a:pt x="7890" y="294"/>
+                </a:lnTo>
+                <a:lnTo>
+                  <a:pt x="7816" y="172"/>
+                </a:lnTo>
+                <a:lnTo>
+                  <a:pt x="7743" y="74"/>
+                </a:lnTo>
+                <a:lnTo>
+                  <a:pt x="7645" y="25"/>
+                </a:lnTo>
+                <a:lnTo>
+                  <a:pt x="7572" y="1"/>
+                </a:lnTo>
+                <a:close/>
+              </a:path>
+            </a:pathLst>
+          </a:custGeom>
+          <a:solidFill>
+            <a:srgbClr val="FFCC00"/>
+          </a:solidFill>
+          <a:ln>
+            <a:noFill/>
+          </a:ln>
+        </p:spPr>
+        <p:txBody>
+          <a:bodyPr spcFirstLastPara="1" wrap="square" lIns="91425" tIns="91425" rIns="91425" bIns="91425" anchor="ctr" anchorCtr="0">
+            <a:noAutofit/>
+          </a:bodyPr>
+          <a:lstStyle/>
+          <a:p>
+            <a:pPr marL="0" lvl="0" indent="0" algn="l" rtl="0">
+              <a:spcBef>
+                <a:spcPts val="0"/>
+              </a:spcBef>
+              <a:spcAft>
+                <a:spcPts val="0"/>
+              </a:spcAft>
+              <a:buNone/>
+            </a:pPr>
+            <a:endParaRPr/>
+          </a:p>
+        </p:txBody>
+      </p:sp>
+      <p:sp>
+        <p:nvSpPr>
+          <p:cNvPr id="251" name="Google Shape;251;p21"/>
+          <p:cNvSpPr txBox="1">
+            <a:spLocks noGrp="1"/>
+          </p:cNvSpPr>
+          <p:nvPr>
+            <p:ph type="sldNum" idx="12"/>
+          </p:nvPr>
+        </p:nvSpPr>
+        <p:spPr>
+          <a:xfrm>
+            <a:off x="8556775" y="4812625"/>
+            <a:ext cx="587100" cy="330900"/>
+          </a:xfrm>
+          <a:prstGeom prst="rect">
+            <a:avLst/>
+          </a:prstGeom>
+        </p:spPr>
+        <p:txBody>
+          <a:bodyPr spcFirstLastPara="1" wrap="square" lIns="91425" tIns="91425" rIns="91425" bIns="91425" anchor="t" anchorCtr="0">
+            <a:noAutofit/>
+          </a:bodyPr>
+          <a:lstStyle/>
+          <a:p>
+            <a:pPr marL="0" lvl="0" indent="0" algn="r" rtl="0">
+              <a:spcBef>
+                <a:spcPts val="0"/>
+              </a:spcBef>
+              <a:spcAft>
+                <a:spcPts val="0"/>
+              </a:spcAft>
+              <a:buNone/>
+            </a:pPr>
+            <a:fld id="{00000000-1234-1234-1234-123412341234}" type="slidenum">
+              <a:rPr lang="en"/>
+              <a:t>5</a:t>
+            </a:fld>
+            <a:endParaRPr/>
+          </a:p>
+        </p:txBody>
+      </p:sp>
+    </p:spTree>
+  </p:cSld>
+  <p:clrMapOvr>
+    <a:masterClrMapping/>
+  </p:clrMapOvr>
+</p:sld>
+</file>
+
+<file path=ppt/slides/slide6.xml><?xml version="1.0" encoding="utf-8"?>
 <p:sld xmlns:a="http://schemas.openxmlformats.org/drawingml/2006/main" xmlns:r="http://schemas.openxmlformats.org/officeDocument/2006/relationships" xmlns:p="http://schemas.openxmlformats.org/presentationml/2006/main">
   <p:cSld>
     <p:spTree>
@@ -11911,7 +14433,7 @@
             </a:pPr>
             <a:fld id="{00000000-1234-1234-1234-123412341234}" type="slidenum">
               <a:rPr lang="en"/>
-              <a:t>13</a:t>
+              <a:t>6</a:t>
             </a:fld>
             <a:endParaRPr/>
           </a:p>
@@ -11925,7 +14447,7 @@
 </p:sld>
 </file>
 
-<file path=ppt/slides/slide14.xml><?xml version="1.0" encoding="utf-8"?>
+<file path=ppt/slides/slide7.xml><?xml version="1.0" encoding="utf-8"?>
 <p:sld xmlns:a="http://schemas.openxmlformats.org/drawingml/2006/main" xmlns:r="http://schemas.openxmlformats.org/officeDocument/2006/relationships" xmlns:p="http://schemas.openxmlformats.org/presentationml/2006/main">
   <p:cSld>
     <p:spTree>
@@ -12072,7 +14594,7 @@
             </a:pPr>
             <a:fld id="{00000000-1234-1234-1234-123412341234}" type="slidenum">
               <a:rPr lang="es-CO" smtClean="0"/>
-              <a:t>14</a:t>
+              <a:t>7</a:t>
             </a:fld>
             <a:endParaRPr lang="es-CO"/>
           </a:p>
@@ -12081,7 +14603,7 @@
     </p:spTree>
     <p:extLst>
       <p:ext uri="{BB962C8B-B14F-4D97-AF65-F5344CB8AC3E}">
-        <p14:creationId xmlns:p14="http://schemas.microsoft.com/office/powerpoint/2010/main" val="3273841673"/>
+        <p14:creationId xmlns:p14="http://schemas.microsoft.com/office/powerpoint/2010/main" val="2928627"/>
       </p:ext>
     </p:extLst>
   </p:cSld>
@@ -12091,7 +14613,7 @@
 </p:sld>
 </file>
 
-<file path=ppt/slides/slide15.xml><?xml version="1.0" encoding="utf-8"?>
+<file path=ppt/slides/slide8.xml><?xml version="1.0" encoding="utf-8"?>
 <p:sld xmlns:a="http://schemas.openxmlformats.org/drawingml/2006/main" xmlns:r="http://schemas.openxmlformats.org/officeDocument/2006/relationships" xmlns:p="http://schemas.openxmlformats.org/presentationml/2006/main">
   <p:cSld>
     <p:spTree>
@@ -12213,7 +14735,7 @@
             </a:pPr>
             <a:fld id="{00000000-1234-1234-1234-123412341234}" type="slidenum">
               <a:rPr lang="es-CO" smtClean="0"/>
-              <a:t>15</a:t>
+              <a:t>8</a:t>
             </a:fld>
             <a:endParaRPr lang="es-CO"/>
           </a:p>
@@ -12222,7 +14744,7 @@
     </p:spTree>
     <p:extLst>
       <p:ext uri="{BB962C8B-B14F-4D97-AF65-F5344CB8AC3E}">
-        <p14:creationId xmlns:p14="http://schemas.microsoft.com/office/powerpoint/2010/main" val="2003901584"/>
+        <p14:creationId xmlns:p14="http://schemas.microsoft.com/office/powerpoint/2010/main" val="4165555559"/>
       </p:ext>
     </p:extLst>
   </p:cSld>
@@ -12232,4087 +14754,7 @@
 </p:sld>
 </file>
 
-<file path=ppt/slides/slide16.xml><?xml version="1.0" encoding="utf-8"?>
-<p:sld xmlns:a="http://schemas.openxmlformats.org/drawingml/2006/main" xmlns:r="http://schemas.openxmlformats.org/officeDocument/2006/relationships" xmlns:p="http://schemas.openxmlformats.org/presentationml/2006/main">
-  <p:cSld>
-    <p:spTree>
-      <p:nvGrpSpPr>
-        <p:cNvPr id="1" name=""/>
-        <p:cNvGrpSpPr/>
-        <p:nvPr/>
-      </p:nvGrpSpPr>
-      <p:grpSpPr>
-        <a:xfrm>
-          <a:off x="0" y="0"/>
-          <a:ext cx="0" cy="0"/>
-          <a:chOff x="0" y="0"/>
-          <a:chExt cx="0" cy="0"/>
-        </a:xfrm>
-      </p:grpSpPr>
-      <p:sp>
-        <p:nvSpPr>
-          <p:cNvPr id="3" name="Marcador de texto 2">
-            <a:extLst>
-              <a:ext uri="{FF2B5EF4-FFF2-40B4-BE49-F238E27FC236}">
-                <a16:creationId xmlns:a16="http://schemas.microsoft.com/office/drawing/2014/main" id="{38F84062-7383-4054-859C-218F7ADC0642}"/>
-              </a:ext>
-            </a:extLst>
-          </p:cNvPr>
-          <p:cNvSpPr>
-            <a:spLocks noGrp="1"/>
-          </p:cNvSpPr>
-          <p:nvPr>
-            <p:ph type="body" idx="1"/>
-          </p:nvPr>
-        </p:nvSpPr>
-        <p:spPr>
-          <a:xfrm>
-            <a:off x="1056455" y="651087"/>
-            <a:ext cx="6769107" cy="4161537"/>
-          </a:xfrm>
-        </p:spPr>
-        <p:txBody>
-          <a:bodyPr/>
-          <a:lstStyle/>
-          <a:p>
-            <a:r>
-              <a:rPr lang="es-MX" sz="1200" dirty="0"/>
-              <a:t>API GETAWAY: Los API Gateway son una capa que se encuentra entre el cliente y los servicios en los que se basa. A veces llamados “reverse proxy “, actúan como un único punto de entrada del cliente a sus servicios</a:t>
-            </a:r>
-          </a:p>
-          <a:p>
-            <a:r>
-              <a:rPr lang="es-MX" sz="1200" dirty="0"/>
-              <a:t>Anti patrón Golden </a:t>
-            </a:r>
-            <a:r>
-              <a:rPr lang="es-MX" sz="1200" dirty="0" err="1"/>
-              <a:t>Hammer</a:t>
-            </a:r>
-            <a:r>
-              <a:rPr lang="es-MX" sz="1200" dirty="0"/>
-              <a:t>: Golden </a:t>
-            </a:r>
-            <a:r>
-              <a:rPr lang="es-MX" sz="1200" dirty="0" err="1"/>
-              <a:t>Hammer</a:t>
-            </a:r>
-            <a:r>
-              <a:rPr lang="es-MX" sz="1200" dirty="0"/>
-              <a:t> (“Para un martillo todo son clavos”): Este anti patrón se refiere al uso de una tecnología, patrón, arquitectura etc.… para cualquier problema o situación incluso cuando es evidente que no va ser útil.</a:t>
-            </a:r>
-          </a:p>
-          <a:p>
-            <a:r>
-              <a:rPr lang="es-MX" sz="1200" dirty="0"/>
-              <a:t>Latencia: Es el tiempo exacto que tarda en transmitirse un paquete dentro de la red, el tiempo que tardas en recibir </a:t>
-            </a:r>
-            <a:r>
-              <a:rPr lang="es-MX" sz="1200" dirty="0" err="1"/>
-              <a:t>unpaquete</a:t>
-            </a:r>
-            <a:r>
-              <a:rPr lang="es-MX" sz="1200" dirty="0"/>
-              <a:t> del servidor. ... Para m </a:t>
-            </a:r>
-            <a:r>
-              <a:rPr lang="es-MX" sz="1200" dirty="0" err="1"/>
-              <a:t>edir</a:t>
-            </a:r>
-            <a:r>
-              <a:rPr lang="es-MX" sz="1200" dirty="0"/>
-              <a:t> la latencia se utiliza el ping, que se mide en milisegundos (o ms) el tiempo que tardan en comunicarse tu conexión local con un equipo remoto en la red IP.</a:t>
-            </a:r>
-          </a:p>
-          <a:p>
-            <a:r>
-              <a:rPr lang="es-MX" sz="1200" dirty="0"/>
-              <a:t>LDAP: Siglas de </a:t>
-            </a:r>
-            <a:r>
-              <a:rPr lang="es-MX" sz="1200" dirty="0" err="1"/>
-              <a:t>Lightweight</a:t>
-            </a:r>
-            <a:r>
-              <a:rPr lang="es-MX" sz="1200" dirty="0"/>
-              <a:t> </a:t>
-            </a:r>
-            <a:r>
-              <a:rPr lang="es-MX" sz="1200" dirty="0" err="1"/>
-              <a:t>Directory</a:t>
-            </a:r>
-            <a:r>
-              <a:rPr lang="es-MX" sz="1200" dirty="0"/>
-              <a:t> Access </a:t>
-            </a:r>
-            <a:r>
-              <a:rPr lang="es-MX" sz="1200" dirty="0" err="1"/>
-              <a:t>Protocol</a:t>
-            </a:r>
-            <a:r>
-              <a:rPr lang="es-MX" sz="1200" dirty="0"/>
-              <a:t>. Como su propio nombre indica, es un protocolo dirigido específicamente a aplicaciones de gestión y aplicaciones de navegador que proporcionan acceso interactivo de lectura / escritura a Directorios.</a:t>
-            </a:r>
-            <a:endParaRPr lang="es-CO" sz="1200" dirty="0"/>
-          </a:p>
-        </p:txBody>
-      </p:sp>
-      <p:sp>
-        <p:nvSpPr>
-          <p:cNvPr id="4" name="Marcador de número de diapositiva 3">
-            <a:extLst>
-              <a:ext uri="{FF2B5EF4-FFF2-40B4-BE49-F238E27FC236}">
-                <a16:creationId xmlns:a16="http://schemas.microsoft.com/office/drawing/2014/main" id="{56FD2544-A1D6-40F4-9679-4E0846EA158F}"/>
-              </a:ext>
-            </a:extLst>
-          </p:cNvPr>
-          <p:cNvSpPr>
-            <a:spLocks noGrp="1"/>
-          </p:cNvSpPr>
-          <p:nvPr>
-            <p:ph type="sldNum" idx="12"/>
-          </p:nvPr>
-        </p:nvSpPr>
-        <p:spPr/>
-        <p:txBody>
-          <a:bodyPr/>
-          <a:lstStyle/>
-          <a:p>
-            <a:pPr marL="0" lvl="0" indent="0" algn="r" rtl="0">
-              <a:spcBef>
-                <a:spcPts val="0"/>
-              </a:spcBef>
-              <a:spcAft>
-                <a:spcPts val="0"/>
-              </a:spcAft>
-              <a:buNone/>
-            </a:pPr>
-            <a:fld id="{00000000-1234-1234-1234-123412341234}" type="slidenum">
-              <a:rPr lang="es-CO" smtClean="0"/>
-              <a:t>16</a:t>
-            </a:fld>
-            <a:endParaRPr lang="es-CO"/>
-          </a:p>
-        </p:txBody>
-      </p:sp>
-    </p:spTree>
-    <p:extLst>
-      <p:ext uri="{BB962C8B-B14F-4D97-AF65-F5344CB8AC3E}">
-        <p14:creationId xmlns:p14="http://schemas.microsoft.com/office/powerpoint/2010/main" val="3292503218"/>
-      </p:ext>
-    </p:extLst>
-  </p:cSld>
-  <p:clrMapOvr>
-    <a:masterClrMapping/>
-  </p:clrMapOvr>
-</p:sld>
-</file>
-
-<file path=ppt/slides/slide17.xml><?xml version="1.0" encoding="utf-8"?>
-<p:sld xmlns:a="http://schemas.openxmlformats.org/drawingml/2006/main" xmlns:r="http://schemas.openxmlformats.org/officeDocument/2006/relationships" xmlns:p="http://schemas.openxmlformats.org/presentationml/2006/main">
-  <p:cSld>
-    <p:spTree>
-      <p:nvGrpSpPr>
-        <p:cNvPr id="1" name="Shape 402"/>
-        <p:cNvGrpSpPr/>
-        <p:nvPr/>
-      </p:nvGrpSpPr>
-      <p:grpSpPr>
-        <a:xfrm>
-          <a:off x="0" y="0"/>
-          <a:ext cx="0" cy="0"/>
-          <a:chOff x="0" y="0"/>
-          <a:chExt cx="0" cy="0"/>
-        </a:xfrm>
-      </p:grpSpPr>
-      <p:sp>
-        <p:nvSpPr>
-          <p:cNvPr id="403" name="Google Shape;403;p38"/>
-          <p:cNvSpPr txBox="1">
-            <a:spLocks noGrp="1"/>
-          </p:cNvSpPr>
-          <p:nvPr>
-            <p:ph type="ctrTitle" idx="4294967295"/>
-          </p:nvPr>
-        </p:nvSpPr>
-        <p:spPr>
-          <a:xfrm>
-            <a:off x="2715450" y="1523250"/>
-            <a:ext cx="3691200" cy="1159800"/>
-          </a:xfrm>
-          <a:prstGeom prst="rect">
-            <a:avLst/>
-          </a:prstGeom>
-        </p:spPr>
-        <p:txBody>
-          <a:bodyPr spcFirstLastPara="1" wrap="square" lIns="91425" tIns="91425" rIns="91425" bIns="91425" anchor="b" anchorCtr="0">
-            <a:noAutofit/>
-          </a:bodyPr>
-          <a:lstStyle/>
-          <a:p>
-            <a:pPr marL="0" lvl="0" indent="0" algn="l" rtl="0">
-              <a:spcBef>
-                <a:spcPts val="0"/>
-              </a:spcBef>
-              <a:spcAft>
-                <a:spcPts val="0"/>
-              </a:spcAft>
-              <a:buNone/>
-            </a:pPr>
-            <a:r>
-              <a:rPr lang="en" sz="6000" dirty="0">
-                <a:latin typeface="Algerian" panose="04020705040A02060702" pitchFamily="82" charset="0"/>
-              </a:rPr>
-              <a:t>GRACIAS!</a:t>
-            </a:r>
-            <a:endParaRPr sz="6000" dirty="0">
-              <a:latin typeface="Algerian" panose="04020705040A02060702" pitchFamily="82" charset="0"/>
-            </a:endParaRPr>
-          </a:p>
-        </p:txBody>
-      </p:sp>
-      <p:pic>
-        <p:nvPicPr>
-          <p:cNvPr id="405" name="Google Shape;405;p38" descr="10.jpg"/>
-          <p:cNvPicPr preferRelativeResize="0"/>
-          <p:nvPr/>
-        </p:nvPicPr>
-        <p:blipFill rotWithShape="1">
-          <a:blip r:embed="rId3">
-            <a:alphaModFix/>
-          </a:blip>
-          <a:srcRect l="22840" t="14463" r="22840" b="19038"/>
-          <a:stretch/>
-        </p:blipFill>
-        <p:spPr>
-          <a:xfrm rot="-5400000">
-            <a:off x="-506100" y="506025"/>
-            <a:ext cx="3251400" cy="2239200"/>
-          </a:xfrm>
-          <a:prstGeom prst="parallelogram">
-            <a:avLst>
-              <a:gd name="adj" fmla="val 63779"/>
-            </a:avLst>
-          </a:prstGeom>
-          <a:noFill/>
-          <a:ln>
-            <a:noFill/>
-          </a:ln>
-        </p:spPr>
-      </p:pic>
-      <p:sp>
-        <p:nvSpPr>
-          <p:cNvPr id="406" name="Google Shape;406;p38"/>
-          <p:cNvSpPr txBox="1">
-            <a:spLocks noGrp="1"/>
-          </p:cNvSpPr>
-          <p:nvPr>
-            <p:ph type="sldNum" idx="12"/>
-          </p:nvPr>
-        </p:nvSpPr>
-        <p:spPr>
-          <a:xfrm>
-            <a:off x="8556775" y="4812625"/>
-            <a:ext cx="587100" cy="330900"/>
-          </a:xfrm>
-          <a:prstGeom prst="rect">
-            <a:avLst/>
-          </a:prstGeom>
-        </p:spPr>
-        <p:txBody>
-          <a:bodyPr spcFirstLastPara="1" wrap="square" lIns="91425" tIns="91425" rIns="91425" bIns="91425" anchor="t" anchorCtr="0">
-            <a:noAutofit/>
-          </a:bodyPr>
-          <a:lstStyle/>
-          <a:p>
-            <a:pPr marL="0" lvl="0" indent="0" algn="r" rtl="0">
-              <a:spcBef>
-                <a:spcPts val="0"/>
-              </a:spcBef>
-              <a:spcAft>
-                <a:spcPts val="0"/>
-              </a:spcAft>
-              <a:buNone/>
-            </a:pPr>
-            <a:fld id="{00000000-1234-1234-1234-123412341234}" type="slidenum">
-              <a:rPr lang="en"/>
-              <a:t>17</a:t>
-            </a:fld>
-            <a:endParaRPr/>
-          </a:p>
-        </p:txBody>
-      </p:sp>
-    </p:spTree>
-  </p:cSld>
-  <p:clrMapOvr>
-    <a:masterClrMapping/>
-  </p:clrMapOvr>
-</p:sld>
-</file>
-
-<file path=ppt/slides/slide2.xml><?xml version="1.0" encoding="utf-8"?>
-<p:sld xmlns:a="http://schemas.openxmlformats.org/drawingml/2006/main" xmlns:r="http://schemas.openxmlformats.org/officeDocument/2006/relationships" xmlns:p="http://schemas.openxmlformats.org/presentationml/2006/main">
-  <p:cSld>
-    <p:spTree>
-      <p:nvGrpSpPr>
-        <p:cNvPr id="1" name="Shape 200"/>
-        <p:cNvGrpSpPr/>
-        <p:nvPr/>
-      </p:nvGrpSpPr>
-      <p:grpSpPr>
-        <a:xfrm>
-          <a:off x="0" y="0"/>
-          <a:ext cx="0" cy="0"/>
-          <a:chOff x="0" y="0"/>
-          <a:chExt cx="0" cy="0"/>
-        </a:xfrm>
-      </p:grpSpPr>
-      <p:sp>
-        <p:nvSpPr>
-          <p:cNvPr id="201" name="Google Shape;201;p16"/>
-          <p:cNvSpPr txBox="1">
-            <a:spLocks noGrp="1"/>
-          </p:cNvSpPr>
-          <p:nvPr>
-            <p:ph type="title"/>
-          </p:nvPr>
-        </p:nvSpPr>
-        <p:spPr>
-          <a:xfrm>
-            <a:off x="1067088" y="303250"/>
-            <a:ext cx="5972100" cy="636000"/>
-          </a:xfrm>
-          <a:prstGeom prst="rect">
-            <a:avLst/>
-          </a:prstGeom>
-        </p:spPr>
-        <p:txBody>
-          <a:bodyPr spcFirstLastPara="1" wrap="square" lIns="91425" tIns="91425" rIns="91425" bIns="91425" anchor="b" anchorCtr="0">
-            <a:noAutofit/>
-          </a:bodyPr>
-          <a:lstStyle/>
-          <a:p>
-            <a:pPr marL="0" lvl="0" indent="0" algn="l" rtl="0">
-              <a:spcBef>
-                <a:spcPts val="0"/>
-              </a:spcBef>
-              <a:spcAft>
-                <a:spcPts val="0"/>
-              </a:spcAft>
-              <a:buNone/>
-            </a:pPr>
-            <a:r>
-              <a:rPr lang="en" sz="4400" dirty="0">
-                <a:latin typeface="Algerian" panose="04020705040A02060702" pitchFamily="82" charset="0"/>
-              </a:rPr>
-              <a:t>INTEGRANTES</a:t>
-            </a:r>
-            <a:endParaRPr sz="4400" dirty="0">
-              <a:latin typeface="Algerian" panose="04020705040A02060702" pitchFamily="82" charset="0"/>
-            </a:endParaRPr>
-          </a:p>
-        </p:txBody>
-      </p:sp>
-      <p:sp>
-        <p:nvSpPr>
-          <p:cNvPr id="203" name="Google Shape;203;p16"/>
-          <p:cNvSpPr txBox="1">
-            <a:spLocks noGrp="1"/>
-          </p:cNvSpPr>
-          <p:nvPr>
-            <p:ph type="body" idx="2"/>
-          </p:nvPr>
-        </p:nvSpPr>
-        <p:spPr>
-          <a:xfrm>
-            <a:off x="1067087" y="1371597"/>
-            <a:ext cx="6147751" cy="3441027"/>
-          </a:xfrm>
-          <a:prstGeom prst="rect">
-            <a:avLst/>
-          </a:prstGeom>
-        </p:spPr>
-        <p:txBody>
-          <a:bodyPr spcFirstLastPara="1" wrap="square" lIns="91425" tIns="91425" rIns="91425" bIns="91425" anchor="t" anchorCtr="0">
-            <a:noAutofit/>
-          </a:bodyPr>
-          <a:lstStyle/>
-          <a:p>
-            <a:pPr marL="0" lvl="0" indent="0" algn="l" rtl="0">
-              <a:spcBef>
-                <a:spcPts val="600"/>
-              </a:spcBef>
-              <a:spcAft>
-                <a:spcPts val="0"/>
-              </a:spcAft>
-              <a:buNone/>
-            </a:pPr>
-            <a:r>
-              <a:rPr lang="es-CO" sz="2400" dirty="0"/>
-              <a:t>Leonardo Aponte</a:t>
-            </a:r>
-          </a:p>
-          <a:p>
-            <a:pPr marL="0" lvl="0" indent="0" algn="l" rtl="0">
-              <a:spcBef>
-                <a:spcPts val="600"/>
-              </a:spcBef>
-              <a:spcAft>
-                <a:spcPts val="0"/>
-              </a:spcAft>
-              <a:buNone/>
-            </a:pPr>
-            <a:r>
-              <a:rPr lang="es-CO" sz="2400" dirty="0"/>
-              <a:t>Laura Páez</a:t>
-            </a:r>
-          </a:p>
-          <a:p>
-            <a:pPr marL="0" lvl="0" indent="0" algn="l" rtl="0">
-              <a:spcBef>
-                <a:spcPts val="600"/>
-              </a:spcBef>
-              <a:spcAft>
-                <a:spcPts val="0"/>
-              </a:spcAft>
-              <a:buNone/>
-            </a:pPr>
-            <a:r>
-              <a:rPr lang="es-CO" sz="2400" dirty="0"/>
-              <a:t>Kevin Rodríguez</a:t>
-            </a:r>
-            <a:endParaRPr sz="2400" dirty="0"/>
-          </a:p>
-        </p:txBody>
-      </p:sp>
-      <p:sp>
-        <p:nvSpPr>
-          <p:cNvPr id="205" name="Google Shape;205;p16"/>
-          <p:cNvSpPr txBox="1">
-            <a:spLocks noGrp="1"/>
-          </p:cNvSpPr>
-          <p:nvPr>
-            <p:ph type="sldNum" idx="12"/>
-          </p:nvPr>
-        </p:nvSpPr>
-        <p:spPr>
-          <a:xfrm>
-            <a:off x="8556775" y="4812625"/>
-            <a:ext cx="587100" cy="330900"/>
-          </a:xfrm>
-          <a:prstGeom prst="rect">
-            <a:avLst/>
-          </a:prstGeom>
-        </p:spPr>
-        <p:txBody>
-          <a:bodyPr spcFirstLastPara="1" wrap="square" lIns="91425" tIns="91425" rIns="91425" bIns="91425" anchor="t" anchorCtr="0">
-            <a:noAutofit/>
-          </a:bodyPr>
-          <a:lstStyle/>
-          <a:p>
-            <a:pPr marL="0" lvl="0" indent="0" algn="r" rtl="0">
-              <a:spcBef>
-                <a:spcPts val="0"/>
-              </a:spcBef>
-              <a:spcAft>
-                <a:spcPts val="0"/>
-              </a:spcAft>
-              <a:buNone/>
-            </a:pPr>
-            <a:fld id="{00000000-1234-1234-1234-123412341234}" type="slidenum">
-              <a:rPr lang="en"/>
-              <a:t>2</a:t>
-            </a:fld>
-            <a:endParaRPr/>
-          </a:p>
-        </p:txBody>
-      </p:sp>
-    </p:spTree>
-  </p:cSld>
-  <p:clrMapOvr>
-    <a:masterClrMapping/>
-  </p:clrMapOvr>
-</p:sld>
-</file>
-
-<file path=ppt/slides/slide3.xml><?xml version="1.0" encoding="utf-8"?>
-<p:sld xmlns:a="http://schemas.openxmlformats.org/drawingml/2006/main" xmlns:r="http://schemas.openxmlformats.org/officeDocument/2006/relationships" xmlns:p="http://schemas.openxmlformats.org/presentationml/2006/main">
-  <p:cSld>
-    <p:spTree>
-      <p:nvGrpSpPr>
-        <p:cNvPr id="1" name="Shape 209"/>
-        <p:cNvGrpSpPr/>
-        <p:nvPr/>
-      </p:nvGrpSpPr>
-      <p:grpSpPr>
-        <a:xfrm>
-          <a:off x="0" y="0"/>
-          <a:ext cx="0" cy="0"/>
-          <a:chOff x="0" y="0"/>
-          <a:chExt cx="0" cy="0"/>
-        </a:xfrm>
-      </p:grpSpPr>
-      <p:sp>
-        <p:nvSpPr>
-          <p:cNvPr id="210" name="Google Shape;210;p17"/>
-          <p:cNvSpPr txBox="1">
-            <a:spLocks noGrp="1"/>
-          </p:cNvSpPr>
-          <p:nvPr>
-            <p:ph type="ctrTitle" idx="4294967295"/>
-          </p:nvPr>
-        </p:nvSpPr>
-        <p:spPr>
-          <a:xfrm>
-            <a:off x="2726600" y="291872"/>
-            <a:ext cx="4477087" cy="1333753"/>
-          </a:xfrm>
-          <a:prstGeom prst="rect">
-            <a:avLst/>
-          </a:prstGeom>
-        </p:spPr>
-        <p:txBody>
-          <a:bodyPr spcFirstLastPara="1" wrap="square" lIns="91425" tIns="91425" rIns="91425" bIns="91425" anchor="b" anchorCtr="0">
-            <a:noAutofit/>
-          </a:bodyPr>
-          <a:lstStyle/>
-          <a:p>
-            <a:pPr marL="0" lvl="0" indent="0" algn="l" rtl="0">
-              <a:spcBef>
-                <a:spcPts val="0"/>
-              </a:spcBef>
-              <a:spcAft>
-                <a:spcPts val="0"/>
-              </a:spcAft>
-              <a:buNone/>
-            </a:pPr>
-            <a:r>
-              <a:rPr lang="es-CO" sz="4000" dirty="0">
-                <a:latin typeface="Algerian" panose="04020705040A02060702" pitchFamily="82" charset="0"/>
-              </a:rPr>
-              <a:t>OPINION SEGÚN INDICACION</a:t>
-            </a:r>
-            <a:endParaRPr sz="4000" dirty="0">
-              <a:latin typeface="Algerian" panose="04020705040A02060702" pitchFamily="82" charset="0"/>
-            </a:endParaRPr>
-          </a:p>
-        </p:txBody>
-      </p:sp>
-      <p:sp>
-        <p:nvSpPr>
-          <p:cNvPr id="211" name="Google Shape;211;p17"/>
-          <p:cNvSpPr txBox="1">
-            <a:spLocks noGrp="1"/>
-          </p:cNvSpPr>
-          <p:nvPr>
-            <p:ph type="subTitle" idx="4294967295"/>
-          </p:nvPr>
-        </p:nvSpPr>
-        <p:spPr>
-          <a:xfrm>
-            <a:off x="2495543" y="1480660"/>
-            <a:ext cx="4939200" cy="1451700"/>
-          </a:xfrm>
-          <a:prstGeom prst="rect">
-            <a:avLst/>
-          </a:prstGeom>
-        </p:spPr>
-        <p:txBody>
-          <a:bodyPr spcFirstLastPara="1" wrap="square" lIns="91425" tIns="91425" rIns="91425" bIns="91425" anchor="t" anchorCtr="0">
-            <a:noAutofit/>
-          </a:bodyPr>
-          <a:lstStyle/>
-          <a:p>
-            <a:pPr marL="0" lvl="0" indent="0">
-              <a:buNone/>
-            </a:pPr>
-            <a:r>
-              <a:rPr lang="es-CO" sz="1800" dirty="0"/>
-              <a:t>Nuestro grupo opina que a arquitectura micro servicios son una cantidad indefinida de servidores que se ayudan de un servidor a otro dado que cada servidor fue creado única y exclusivamente para que realice una sola tarea de acuerdo a lo que haya pedido el cliente dándole un servicio, ya que si se le da la tarea de que realice un negocio completo es imposible que un solo servidor la realice, por eso se necesita de varios servidores que a su vez crean una red el cual hace que cada servidor se ayude mutuamente el cual facilita el uso de varias bases de datos.</a:t>
-            </a:r>
-            <a:endParaRPr sz="1800" b="1" dirty="0"/>
-          </a:p>
-        </p:txBody>
-      </p:sp>
-      <p:pic>
-        <p:nvPicPr>
-          <p:cNvPr id="212" name="Google Shape;212;p17" descr="10.jpg"/>
-          <p:cNvPicPr preferRelativeResize="0"/>
-          <p:nvPr/>
-        </p:nvPicPr>
-        <p:blipFill rotWithShape="1">
-          <a:blip r:embed="rId3">
-            <a:alphaModFix/>
-          </a:blip>
-          <a:srcRect l="22840" t="14463" r="22840" b="19038"/>
-          <a:stretch/>
-        </p:blipFill>
-        <p:spPr>
-          <a:xfrm rot="-5400000">
-            <a:off x="-506100" y="506025"/>
-            <a:ext cx="3251400" cy="2239200"/>
-          </a:xfrm>
-          <a:prstGeom prst="parallelogram">
-            <a:avLst>
-              <a:gd name="adj" fmla="val 63779"/>
-            </a:avLst>
-          </a:prstGeom>
-          <a:noFill/>
-          <a:ln>
-            <a:noFill/>
-          </a:ln>
-        </p:spPr>
-      </p:pic>
-      <p:sp>
-        <p:nvSpPr>
-          <p:cNvPr id="213" name="Google Shape;213;p17"/>
-          <p:cNvSpPr txBox="1">
-            <a:spLocks noGrp="1"/>
-          </p:cNvSpPr>
-          <p:nvPr>
-            <p:ph type="sldNum" idx="12"/>
-          </p:nvPr>
-        </p:nvSpPr>
-        <p:spPr>
-          <a:xfrm>
-            <a:off x="8556775" y="4812625"/>
-            <a:ext cx="587100" cy="330900"/>
-          </a:xfrm>
-          <a:prstGeom prst="rect">
-            <a:avLst/>
-          </a:prstGeom>
-        </p:spPr>
-        <p:txBody>
-          <a:bodyPr spcFirstLastPara="1" wrap="square" lIns="91425" tIns="91425" rIns="91425" bIns="91425" anchor="t" anchorCtr="0">
-            <a:noAutofit/>
-          </a:bodyPr>
-          <a:lstStyle/>
-          <a:p>
-            <a:pPr marL="0" lvl="0" indent="0" algn="r" rtl="0">
-              <a:spcBef>
-                <a:spcPts val="0"/>
-              </a:spcBef>
-              <a:spcAft>
-                <a:spcPts val="0"/>
-              </a:spcAft>
-              <a:buNone/>
-            </a:pPr>
-            <a:fld id="{00000000-1234-1234-1234-123412341234}" type="slidenum">
-              <a:rPr lang="en"/>
-              <a:t>3</a:t>
-            </a:fld>
-            <a:endParaRPr/>
-          </a:p>
-        </p:txBody>
-      </p:sp>
-    </p:spTree>
-  </p:cSld>
-  <p:clrMapOvr>
-    <a:masterClrMapping/>
-  </p:clrMapOvr>
-</p:sld>
-</file>
-
-<file path=ppt/slides/slide4.xml><?xml version="1.0" encoding="utf-8"?>
-<p:sld xmlns:a="http://schemas.openxmlformats.org/drawingml/2006/main" xmlns:r="http://schemas.openxmlformats.org/officeDocument/2006/relationships" xmlns:p="http://schemas.openxmlformats.org/presentationml/2006/main">
-  <p:cSld>
-    <p:spTree>
-      <p:nvGrpSpPr>
-        <p:cNvPr id="1" name="Shape 217"/>
-        <p:cNvGrpSpPr/>
-        <p:nvPr/>
-      </p:nvGrpSpPr>
-      <p:grpSpPr>
-        <a:xfrm>
-          <a:off x="0" y="0"/>
-          <a:ext cx="0" cy="0"/>
-          <a:chOff x="0" y="0"/>
-          <a:chExt cx="0" cy="0"/>
-        </a:xfrm>
-      </p:grpSpPr>
-      <p:sp>
-        <p:nvSpPr>
-          <p:cNvPr id="218" name="Google Shape;218;p18"/>
-          <p:cNvSpPr txBox="1">
-            <a:spLocks noGrp="1"/>
-          </p:cNvSpPr>
-          <p:nvPr>
-            <p:ph type="ctrTitle"/>
-          </p:nvPr>
-        </p:nvSpPr>
-        <p:spPr>
-          <a:xfrm>
-            <a:off x="2302211" y="156117"/>
-            <a:ext cx="3848100" cy="1003610"/>
-          </a:xfrm>
-          <a:prstGeom prst="rect">
-            <a:avLst/>
-          </a:prstGeom>
-        </p:spPr>
-        <p:txBody>
-          <a:bodyPr spcFirstLastPara="1" wrap="square" lIns="91425" tIns="91425" rIns="91425" bIns="91425" anchor="b" anchorCtr="0">
-            <a:noAutofit/>
-          </a:bodyPr>
-          <a:lstStyle/>
-          <a:p>
-            <a:pPr marL="0" lvl="0" indent="0" algn="ctr" rtl="0">
-              <a:spcBef>
-                <a:spcPts val="0"/>
-              </a:spcBef>
-              <a:spcAft>
-                <a:spcPts val="0"/>
-              </a:spcAft>
-              <a:buNone/>
-            </a:pPr>
-            <a:r>
-              <a:rPr lang="es-CO" dirty="0">
-                <a:latin typeface="Algerian" panose="04020705040A02060702" pitchFamily="82" charset="0"/>
-              </a:rPr>
-              <a:t>REGISTRO DE SERVICIOS</a:t>
-            </a:r>
-            <a:endParaRPr dirty="0">
-              <a:latin typeface="Algerian" panose="04020705040A02060702" pitchFamily="82" charset="0"/>
-            </a:endParaRPr>
-          </a:p>
-        </p:txBody>
-      </p:sp>
-      <p:sp>
-        <p:nvSpPr>
-          <p:cNvPr id="219" name="Google Shape;219;p18"/>
-          <p:cNvSpPr txBox="1">
-            <a:spLocks noGrp="1"/>
-          </p:cNvSpPr>
-          <p:nvPr>
-            <p:ph type="subTitle" idx="1"/>
-          </p:nvPr>
-        </p:nvSpPr>
-        <p:spPr>
-          <a:xfrm>
-            <a:off x="2152185" y="1076298"/>
-            <a:ext cx="4549697" cy="784800"/>
-          </a:xfrm>
-          <a:prstGeom prst="rect">
-            <a:avLst/>
-          </a:prstGeom>
-        </p:spPr>
-        <p:txBody>
-          <a:bodyPr spcFirstLastPara="1" wrap="square" lIns="91425" tIns="91425" rIns="91425" bIns="91425" anchor="t" anchorCtr="0">
-            <a:noAutofit/>
-          </a:bodyPr>
-          <a:lstStyle/>
-          <a:p>
-            <a:pPr marL="0" lvl="0" indent="0"/>
-            <a:r>
-              <a:rPr lang="es-CO" sz="1800" dirty="0"/>
-              <a:t>Nuestro grupo opina</a:t>
-            </a:r>
-            <a:r>
-              <a:rPr lang="es-CO" dirty="0"/>
-              <a:t> que a arquitectura micro servicios son una cantidad indefinida de servidores que se ayudan de un servidor a otro dado que cada servidor fue creado única y exclusivamente para que realice una sola tarea de acuerdo a lo que haya pedido el cliente dándole un servicio, ya que si se le da la tarea de que realice un negocio completo es imposible que un solo servidor la realice, por eso se necesita de varios servidores que a su vez crean una red el cual hace que cada servidor se ayude mutuamente el cual facilita el uso de varias bases de datos.</a:t>
-            </a:r>
-            <a:endParaRPr dirty="0"/>
-          </a:p>
-        </p:txBody>
-      </p:sp>
-      <p:sp>
-        <p:nvSpPr>
-          <p:cNvPr id="220" name="Google Shape;220;p18"/>
-          <p:cNvSpPr txBox="1">
-            <a:spLocks noGrp="1"/>
-          </p:cNvSpPr>
-          <p:nvPr>
-            <p:ph type="sldNum" idx="4294967295"/>
-          </p:nvPr>
-        </p:nvSpPr>
-        <p:spPr>
-          <a:xfrm>
-            <a:off x="8556775" y="4812625"/>
-            <a:ext cx="587100" cy="330900"/>
-          </a:xfrm>
-          <a:prstGeom prst="rect">
-            <a:avLst/>
-          </a:prstGeom>
-        </p:spPr>
-        <p:txBody>
-          <a:bodyPr spcFirstLastPara="1" wrap="square" lIns="91425" tIns="91425" rIns="91425" bIns="91425" anchor="t" anchorCtr="0">
-            <a:noAutofit/>
-          </a:bodyPr>
-          <a:lstStyle/>
-          <a:p>
-            <a:pPr marL="0" lvl="0" indent="0" algn="r" rtl="0">
-              <a:spcBef>
-                <a:spcPts val="0"/>
-              </a:spcBef>
-              <a:spcAft>
-                <a:spcPts val="0"/>
-              </a:spcAft>
-              <a:buNone/>
-            </a:pPr>
-            <a:fld id="{00000000-1234-1234-1234-123412341234}" type="slidenum">
-              <a:rPr lang="en"/>
-              <a:t>4</a:t>
-            </a:fld>
-            <a:endParaRPr/>
-          </a:p>
-        </p:txBody>
-      </p:sp>
-    </p:spTree>
-  </p:cSld>
-  <p:clrMapOvr>
-    <a:masterClrMapping/>
-  </p:clrMapOvr>
-</p:sld>
-</file>
-
-<file path=ppt/slides/slide5.xml><?xml version="1.0" encoding="utf-8"?>
-<p:sld xmlns:a="http://schemas.openxmlformats.org/drawingml/2006/main" xmlns:r="http://schemas.openxmlformats.org/officeDocument/2006/relationships" xmlns:p="http://schemas.openxmlformats.org/presentationml/2006/main">
-  <p:cSld>
-    <p:spTree>
-      <p:nvGrpSpPr>
-        <p:cNvPr id="1" name="Shape 224"/>
-        <p:cNvGrpSpPr/>
-        <p:nvPr/>
-      </p:nvGrpSpPr>
-      <p:grpSpPr>
-        <a:xfrm>
-          <a:off x="0" y="0"/>
-          <a:ext cx="0" cy="0"/>
-          <a:chOff x="0" y="0"/>
-          <a:chExt cx="0" cy="0"/>
-        </a:xfrm>
-      </p:grpSpPr>
-      <p:sp>
-        <p:nvSpPr>
-          <p:cNvPr id="225" name="Google Shape;225;p19"/>
-          <p:cNvSpPr txBox="1">
-            <a:spLocks noGrp="1"/>
-          </p:cNvSpPr>
-          <p:nvPr>
-            <p:ph type="body" idx="1"/>
-          </p:nvPr>
-        </p:nvSpPr>
-        <p:spPr>
-          <a:xfrm>
-            <a:off x="2225675" y="2161800"/>
-            <a:ext cx="4692600" cy="819900"/>
-          </a:xfrm>
-          <a:prstGeom prst="rect">
-            <a:avLst/>
-          </a:prstGeom>
-        </p:spPr>
-        <p:txBody>
-          <a:bodyPr spcFirstLastPara="1" wrap="square" lIns="91425" tIns="91425" rIns="91425" bIns="91425" anchor="ctr" anchorCtr="0">
-            <a:noAutofit/>
-          </a:bodyPr>
-          <a:lstStyle/>
-          <a:p>
-            <a:pPr marL="0" lvl="0" indent="0" algn="ctr" rtl="0">
-              <a:spcBef>
-                <a:spcPts val="600"/>
-              </a:spcBef>
-              <a:spcAft>
-                <a:spcPts val="0"/>
-              </a:spcAft>
-              <a:buNone/>
-            </a:pPr>
-            <a:endParaRPr dirty="0"/>
-          </a:p>
-        </p:txBody>
-      </p:sp>
-      <p:sp>
-        <p:nvSpPr>
-          <p:cNvPr id="226" name="Google Shape;226;p19"/>
-          <p:cNvSpPr txBox="1">
-            <a:spLocks noGrp="1"/>
-          </p:cNvSpPr>
-          <p:nvPr>
-            <p:ph type="sldNum" idx="12"/>
-          </p:nvPr>
-        </p:nvSpPr>
-        <p:spPr>
-          <a:xfrm>
-            <a:off x="8556775" y="4812625"/>
-            <a:ext cx="587100" cy="330900"/>
-          </a:xfrm>
-          <a:prstGeom prst="rect">
-            <a:avLst/>
-          </a:prstGeom>
-        </p:spPr>
-        <p:txBody>
-          <a:bodyPr spcFirstLastPara="1" wrap="square" lIns="91425" tIns="91425" rIns="91425" bIns="91425" anchor="t" anchorCtr="0">
-            <a:noAutofit/>
-          </a:bodyPr>
-          <a:lstStyle/>
-          <a:p>
-            <a:pPr marL="0" lvl="0" indent="0" algn="r" rtl="0">
-              <a:spcBef>
-                <a:spcPts val="0"/>
-              </a:spcBef>
-              <a:spcAft>
-                <a:spcPts val="0"/>
-              </a:spcAft>
-              <a:buNone/>
-            </a:pPr>
-            <a:fld id="{00000000-1234-1234-1234-123412341234}" type="slidenum">
-              <a:rPr lang="en"/>
-              <a:t>5</a:t>
-            </a:fld>
-            <a:endParaRPr/>
-          </a:p>
-        </p:txBody>
-      </p:sp>
-    </p:spTree>
-  </p:cSld>
-  <p:clrMapOvr>
-    <a:masterClrMapping/>
-  </p:clrMapOvr>
-</p:sld>
-</file>
-
-<file path=ppt/slides/slide6.xml><?xml version="1.0" encoding="utf-8"?>
-<p:sld xmlns:a="http://schemas.openxmlformats.org/drawingml/2006/main" xmlns:r="http://schemas.openxmlformats.org/officeDocument/2006/relationships" xmlns:p="http://schemas.openxmlformats.org/presentationml/2006/main">
-  <p:cSld>
-    <p:spTree>
-      <p:nvGrpSpPr>
-        <p:cNvPr id="1" name="Shape 230"/>
-        <p:cNvGrpSpPr/>
-        <p:nvPr/>
-      </p:nvGrpSpPr>
-      <p:grpSpPr>
-        <a:xfrm>
-          <a:off x="0" y="0"/>
-          <a:ext cx="0" cy="0"/>
-          <a:chOff x="0" y="0"/>
-          <a:chExt cx="0" cy="0"/>
-        </a:xfrm>
-      </p:grpSpPr>
-      <p:sp>
-        <p:nvSpPr>
-          <p:cNvPr id="231" name="Google Shape;231;p20"/>
-          <p:cNvSpPr txBox="1">
-            <a:spLocks noGrp="1"/>
-          </p:cNvSpPr>
-          <p:nvPr>
-            <p:ph type="title"/>
-          </p:nvPr>
-        </p:nvSpPr>
-        <p:spPr>
-          <a:xfrm>
-            <a:off x="1067088" y="912850"/>
-            <a:ext cx="5972100" cy="636000"/>
-          </a:xfrm>
-          <a:prstGeom prst="rect">
-            <a:avLst/>
-          </a:prstGeom>
-        </p:spPr>
-        <p:txBody>
-          <a:bodyPr spcFirstLastPara="1" wrap="square" lIns="91425" tIns="91425" rIns="91425" bIns="91425" anchor="b" anchorCtr="0">
-            <a:noAutofit/>
-          </a:bodyPr>
-          <a:lstStyle/>
-          <a:p>
-            <a:pPr marL="0" lvl="0" indent="0" algn="l" rtl="0">
-              <a:spcBef>
-                <a:spcPts val="0"/>
-              </a:spcBef>
-              <a:spcAft>
-                <a:spcPts val="0"/>
-              </a:spcAft>
-              <a:buNone/>
-            </a:pPr>
-            <a:r>
-              <a:rPr lang="en"/>
-              <a:t>This is a slide title</a:t>
-            </a:r>
-            <a:endParaRPr/>
-          </a:p>
-        </p:txBody>
-      </p:sp>
-      <p:sp>
-        <p:nvSpPr>
-          <p:cNvPr id="232" name="Google Shape;232;p20"/>
-          <p:cNvSpPr txBox="1">
-            <a:spLocks noGrp="1"/>
-          </p:cNvSpPr>
-          <p:nvPr>
-            <p:ph type="body" idx="1"/>
-          </p:nvPr>
-        </p:nvSpPr>
-        <p:spPr>
-          <a:xfrm>
-            <a:off x="1067088" y="1650548"/>
-            <a:ext cx="5972100" cy="2764500"/>
-          </a:xfrm>
-          <a:prstGeom prst="rect">
-            <a:avLst/>
-          </a:prstGeom>
-        </p:spPr>
-        <p:txBody>
-          <a:bodyPr spcFirstLastPara="1" wrap="square" lIns="91425" tIns="91425" rIns="91425" bIns="91425" anchor="t" anchorCtr="0">
-            <a:noAutofit/>
-          </a:bodyPr>
-          <a:lstStyle/>
-          <a:p>
-            <a:pPr marL="457200" lvl="0" indent="-381000" algn="l" rtl="0">
-              <a:spcBef>
-                <a:spcPts val="600"/>
-              </a:spcBef>
-              <a:spcAft>
-                <a:spcPts val="0"/>
-              </a:spcAft>
-              <a:buSzPts val="2400"/>
-              <a:buChar char="›"/>
-            </a:pPr>
-            <a:r>
-              <a:rPr lang="en" dirty="0"/>
-              <a:t>. </a:t>
-            </a:r>
-            <a:endParaRPr dirty="0"/>
-          </a:p>
-        </p:txBody>
-      </p:sp>
-      <p:sp>
-        <p:nvSpPr>
-          <p:cNvPr id="233" name="Google Shape;233;p20"/>
-          <p:cNvSpPr txBox="1">
-            <a:spLocks noGrp="1"/>
-          </p:cNvSpPr>
-          <p:nvPr>
-            <p:ph type="sldNum" idx="12"/>
-          </p:nvPr>
-        </p:nvSpPr>
-        <p:spPr>
-          <a:xfrm>
-            <a:off x="8556775" y="4812625"/>
-            <a:ext cx="587100" cy="330900"/>
-          </a:xfrm>
-          <a:prstGeom prst="rect">
-            <a:avLst/>
-          </a:prstGeom>
-        </p:spPr>
-        <p:txBody>
-          <a:bodyPr spcFirstLastPara="1" wrap="square" lIns="91425" tIns="91425" rIns="91425" bIns="91425" anchor="t" anchorCtr="0">
-            <a:noAutofit/>
-          </a:bodyPr>
-          <a:lstStyle/>
-          <a:p>
-            <a:pPr marL="0" lvl="0" indent="0" algn="r" rtl="0">
-              <a:spcBef>
-                <a:spcPts val="0"/>
-              </a:spcBef>
-              <a:spcAft>
-                <a:spcPts val="0"/>
-              </a:spcAft>
-              <a:buNone/>
-            </a:pPr>
-            <a:fld id="{00000000-1234-1234-1234-123412341234}" type="slidenum">
-              <a:rPr lang="en"/>
-              <a:t>6</a:t>
-            </a:fld>
-            <a:endParaRPr/>
-          </a:p>
-        </p:txBody>
-      </p:sp>
-    </p:spTree>
-  </p:cSld>
-  <p:clrMapOvr>
-    <a:masterClrMapping/>
-  </p:clrMapOvr>
-</p:sld>
-</file>
-
-<file path=ppt/slides/slide7.xml><?xml version="1.0" encoding="utf-8"?>
-<p:sld xmlns:a="http://schemas.openxmlformats.org/drawingml/2006/main" xmlns:r="http://schemas.openxmlformats.org/officeDocument/2006/relationships" xmlns:p="http://schemas.openxmlformats.org/presentationml/2006/main">
-  <p:cSld>
-    <p:spTree>
-      <p:nvGrpSpPr>
-        <p:cNvPr id="1" name="Shape 237"/>
-        <p:cNvGrpSpPr/>
-        <p:nvPr/>
-      </p:nvGrpSpPr>
-      <p:grpSpPr>
-        <a:xfrm>
-          <a:off x="0" y="0"/>
-          <a:ext cx="0" cy="0"/>
-          <a:chOff x="0" y="0"/>
-          <a:chExt cx="0" cy="0"/>
-        </a:xfrm>
-      </p:grpSpPr>
-      <p:sp>
-        <p:nvSpPr>
-          <p:cNvPr id="238" name="Google Shape;238;p21"/>
-          <p:cNvSpPr txBox="1">
-            <a:spLocks noGrp="1"/>
-          </p:cNvSpPr>
-          <p:nvPr>
-            <p:ph type="ctrTitle" idx="4294967295"/>
-          </p:nvPr>
-        </p:nvSpPr>
-        <p:spPr>
-          <a:xfrm>
-            <a:off x="171085" y="137451"/>
-            <a:ext cx="4949070" cy="1711747"/>
-          </a:xfrm>
-          <a:prstGeom prst="rect">
-            <a:avLst/>
-          </a:prstGeom>
-        </p:spPr>
-        <p:txBody>
-          <a:bodyPr spcFirstLastPara="1" wrap="square" lIns="91425" tIns="91425" rIns="91425" bIns="91425" anchor="b" anchorCtr="0">
-            <a:noAutofit/>
-          </a:bodyPr>
-          <a:lstStyle/>
-          <a:p>
-            <a:pPr lvl="0"/>
-            <a:r>
-              <a:rPr lang="es-CO" sz="2000" dirty="0">
-                <a:latin typeface="Algerian" panose="04020705040A02060702" pitchFamily="82" charset="0"/>
-              </a:rPr>
-              <a:t>¿Cuál es la razón por la que Netflix tomo la decisión de moverse de un datacenter monolítico a una nube basada en arquitectura micro servicios?</a:t>
-            </a:r>
-          </a:p>
-        </p:txBody>
-      </p:sp>
-      <p:sp>
-        <p:nvSpPr>
-          <p:cNvPr id="239" name="Google Shape;239;p21"/>
-          <p:cNvSpPr txBox="1">
-            <a:spLocks noGrp="1"/>
-          </p:cNvSpPr>
-          <p:nvPr>
-            <p:ph type="subTitle" idx="4294967295"/>
-          </p:nvPr>
-        </p:nvSpPr>
-        <p:spPr>
-          <a:xfrm>
-            <a:off x="1019919" y="1986650"/>
-            <a:ext cx="6930900" cy="784800"/>
-          </a:xfrm>
-          <a:prstGeom prst="rect">
-            <a:avLst/>
-          </a:prstGeom>
-        </p:spPr>
-        <p:txBody>
-          <a:bodyPr spcFirstLastPara="1" wrap="square" lIns="91425" tIns="91425" rIns="91425" bIns="91425" anchor="t" anchorCtr="0">
-            <a:noAutofit/>
-          </a:bodyPr>
-          <a:lstStyle/>
-          <a:p>
-            <a:pPr marL="0" indent="0">
-              <a:buNone/>
-            </a:pPr>
-            <a:r>
-              <a:rPr lang="es-CO" sz="1800" dirty="0"/>
-              <a:t>La razón por la que Netflix tomo la decisión de moverse de un datacenter monolítico a una nube basada en arquitectura de macro servicios  es porque conforme fueron cambiando los años la tecnología ha ido  cambiado tanto que Netflix vio una oportunidad y la uso que es volverse una plataforma de uso gratuito de la que solo es necesario suscribirse para gozar de todo el contenido único y pagado de Netflix, acordando una asociación con distintas empresas como Sony, fue tan eficaz y apoyado por mucha gente del mundo que obligo a BluckBuster quedara en bancarrota, gracias al gran progreso tecnológico de Netflix. </a:t>
-            </a:r>
-          </a:p>
-          <a:p>
-            <a:pPr marL="0" lvl="0" indent="0" algn="l" rtl="0">
-              <a:spcBef>
-                <a:spcPts val="600"/>
-              </a:spcBef>
-              <a:spcAft>
-                <a:spcPts val="0"/>
-              </a:spcAft>
-              <a:buNone/>
-            </a:pPr>
-            <a:endParaRPr sz="1800" dirty="0"/>
-          </a:p>
-        </p:txBody>
-      </p:sp>
-      <p:sp>
-        <p:nvSpPr>
-          <p:cNvPr id="240" name="Google Shape;240;p21"/>
-          <p:cNvSpPr/>
-          <p:nvPr/>
-        </p:nvSpPr>
-        <p:spPr>
-          <a:xfrm>
-            <a:off x="5722472" y="291615"/>
-            <a:ext cx="275621" cy="263172"/>
-          </a:xfrm>
-          <a:custGeom>
-            <a:avLst/>
-            <a:gdLst/>
-            <a:ahLst/>
-            <a:cxnLst/>
-            <a:rect l="l" t="t" r="r" b="b"/>
-            <a:pathLst>
-              <a:path w="15144" h="14460" extrusionOk="0">
-                <a:moveTo>
-                  <a:pt x="7572" y="1"/>
-                </a:moveTo>
-                <a:lnTo>
-                  <a:pt x="7499" y="25"/>
-                </a:lnTo>
-                <a:lnTo>
-                  <a:pt x="7401" y="74"/>
-                </a:lnTo>
-                <a:lnTo>
-                  <a:pt x="7328" y="172"/>
-                </a:lnTo>
-                <a:lnTo>
-                  <a:pt x="7255" y="294"/>
-                </a:lnTo>
-                <a:lnTo>
-                  <a:pt x="5594" y="4104"/>
-                </a:lnTo>
-                <a:lnTo>
-                  <a:pt x="5521" y="4226"/>
-                </a:lnTo>
-                <a:lnTo>
-                  <a:pt x="5398" y="4373"/>
-                </a:lnTo>
-                <a:lnTo>
-                  <a:pt x="5276" y="4495"/>
-                </a:lnTo>
-                <a:lnTo>
-                  <a:pt x="5130" y="4617"/>
-                </a:lnTo>
-                <a:lnTo>
-                  <a:pt x="4983" y="4715"/>
-                </a:lnTo>
-                <a:lnTo>
-                  <a:pt x="4812" y="4788"/>
-                </a:lnTo>
-                <a:lnTo>
-                  <a:pt x="4666" y="4861"/>
-                </a:lnTo>
-                <a:lnTo>
-                  <a:pt x="4495" y="4886"/>
-                </a:lnTo>
-                <a:lnTo>
-                  <a:pt x="392" y="5301"/>
-                </a:lnTo>
-                <a:lnTo>
-                  <a:pt x="245" y="5325"/>
-                </a:lnTo>
-                <a:lnTo>
-                  <a:pt x="123" y="5374"/>
-                </a:lnTo>
-                <a:lnTo>
-                  <a:pt x="50" y="5423"/>
-                </a:lnTo>
-                <a:lnTo>
-                  <a:pt x="1" y="5521"/>
-                </a:lnTo>
-                <a:lnTo>
-                  <a:pt x="1" y="5594"/>
-                </a:lnTo>
-                <a:lnTo>
-                  <a:pt x="25" y="5692"/>
-                </a:lnTo>
-                <a:lnTo>
-                  <a:pt x="74" y="5789"/>
-                </a:lnTo>
-                <a:lnTo>
-                  <a:pt x="196" y="5911"/>
-                </a:lnTo>
-                <a:lnTo>
-                  <a:pt x="3274" y="8647"/>
-                </a:lnTo>
-                <a:lnTo>
-                  <a:pt x="3396" y="8769"/>
-                </a:lnTo>
-                <a:lnTo>
-                  <a:pt x="3493" y="8915"/>
-                </a:lnTo>
-                <a:lnTo>
-                  <a:pt x="3567" y="9086"/>
-                </a:lnTo>
-                <a:lnTo>
-                  <a:pt x="3640" y="9257"/>
-                </a:lnTo>
-                <a:lnTo>
-                  <a:pt x="3689" y="9428"/>
-                </a:lnTo>
-                <a:lnTo>
-                  <a:pt x="3713" y="9599"/>
-                </a:lnTo>
-                <a:lnTo>
-                  <a:pt x="3713" y="9770"/>
-                </a:lnTo>
-                <a:lnTo>
-                  <a:pt x="3689" y="9941"/>
-                </a:lnTo>
-                <a:lnTo>
-                  <a:pt x="2810" y="13995"/>
-                </a:lnTo>
-                <a:lnTo>
-                  <a:pt x="2785" y="14142"/>
-                </a:lnTo>
-                <a:lnTo>
-                  <a:pt x="2810" y="14240"/>
-                </a:lnTo>
-                <a:lnTo>
-                  <a:pt x="2834" y="14337"/>
-                </a:lnTo>
-                <a:lnTo>
-                  <a:pt x="2883" y="14411"/>
-                </a:lnTo>
-                <a:lnTo>
-                  <a:pt x="2981" y="14435"/>
-                </a:lnTo>
-                <a:lnTo>
-                  <a:pt x="3078" y="14459"/>
-                </a:lnTo>
-                <a:lnTo>
-                  <a:pt x="3200" y="14411"/>
-                </a:lnTo>
-                <a:lnTo>
-                  <a:pt x="3322" y="14362"/>
-                </a:lnTo>
-                <a:lnTo>
-                  <a:pt x="6888" y="12261"/>
-                </a:lnTo>
-                <a:lnTo>
-                  <a:pt x="7035" y="12188"/>
-                </a:lnTo>
-                <a:lnTo>
-                  <a:pt x="7206" y="12139"/>
-                </a:lnTo>
-                <a:lnTo>
-                  <a:pt x="7401" y="12115"/>
-                </a:lnTo>
-                <a:lnTo>
-                  <a:pt x="7743" y="12115"/>
-                </a:lnTo>
-                <a:lnTo>
-                  <a:pt x="7938" y="12139"/>
-                </a:lnTo>
-                <a:lnTo>
-                  <a:pt x="8109" y="12188"/>
-                </a:lnTo>
-                <a:lnTo>
-                  <a:pt x="8256" y="12261"/>
-                </a:lnTo>
-                <a:lnTo>
-                  <a:pt x="11822" y="14362"/>
-                </a:lnTo>
-                <a:lnTo>
-                  <a:pt x="11944" y="14411"/>
-                </a:lnTo>
-                <a:lnTo>
-                  <a:pt x="12066" y="14459"/>
-                </a:lnTo>
-                <a:lnTo>
-                  <a:pt x="12164" y="14435"/>
-                </a:lnTo>
-                <a:lnTo>
-                  <a:pt x="12261" y="14411"/>
-                </a:lnTo>
-                <a:lnTo>
-                  <a:pt x="12310" y="14337"/>
-                </a:lnTo>
-                <a:lnTo>
-                  <a:pt x="12335" y="14240"/>
-                </a:lnTo>
-                <a:lnTo>
-                  <a:pt x="12359" y="14142"/>
-                </a:lnTo>
-                <a:lnTo>
-                  <a:pt x="12335" y="13995"/>
-                </a:lnTo>
-                <a:lnTo>
-                  <a:pt x="11455" y="9941"/>
-                </a:lnTo>
-                <a:lnTo>
-                  <a:pt x="11431" y="9770"/>
-                </a:lnTo>
-                <a:lnTo>
-                  <a:pt x="11431" y="9599"/>
-                </a:lnTo>
-                <a:lnTo>
-                  <a:pt x="11455" y="9428"/>
-                </a:lnTo>
-                <a:lnTo>
-                  <a:pt x="11504" y="9257"/>
-                </a:lnTo>
-                <a:lnTo>
-                  <a:pt x="11577" y="9086"/>
-                </a:lnTo>
-                <a:lnTo>
-                  <a:pt x="11651" y="8915"/>
-                </a:lnTo>
-                <a:lnTo>
-                  <a:pt x="11748" y="8769"/>
-                </a:lnTo>
-                <a:lnTo>
-                  <a:pt x="11870" y="8647"/>
-                </a:lnTo>
-                <a:lnTo>
-                  <a:pt x="14948" y="5911"/>
-                </a:lnTo>
-                <a:lnTo>
-                  <a:pt x="15070" y="5789"/>
-                </a:lnTo>
-                <a:lnTo>
-                  <a:pt x="15119" y="5692"/>
-                </a:lnTo>
-                <a:lnTo>
-                  <a:pt x="15143" y="5594"/>
-                </a:lnTo>
-                <a:lnTo>
-                  <a:pt x="15143" y="5521"/>
-                </a:lnTo>
-                <a:lnTo>
-                  <a:pt x="15094" y="5423"/>
-                </a:lnTo>
-                <a:lnTo>
-                  <a:pt x="15021" y="5374"/>
-                </a:lnTo>
-                <a:lnTo>
-                  <a:pt x="14899" y="5325"/>
-                </a:lnTo>
-                <a:lnTo>
-                  <a:pt x="14752" y="5301"/>
-                </a:lnTo>
-                <a:lnTo>
-                  <a:pt x="10649" y="4886"/>
-                </a:lnTo>
-                <a:lnTo>
-                  <a:pt x="10478" y="4861"/>
-                </a:lnTo>
-                <a:lnTo>
-                  <a:pt x="10332" y="4788"/>
-                </a:lnTo>
-                <a:lnTo>
-                  <a:pt x="10161" y="4715"/>
-                </a:lnTo>
-                <a:lnTo>
-                  <a:pt x="10014" y="4617"/>
-                </a:lnTo>
-                <a:lnTo>
-                  <a:pt x="9868" y="4495"/>
-                </a:lnTo>
-                <a:lnTo>
-                  <a:pt x="9746" y="4373"/>
-                </a:lnTo>
-                <a:lnTo>
-                  <a:pt x="9624" y="4226"/>
-                </a:lnTo>
-                <a:lnTo>
-                  <a:pt x="9550" y="4104"/>
-                </a:lnTo>
-                <a:lnTo>
-                  <a:pt x="7890" y="294"/>
-                </a:lnTo>
-                <a:lnTo>
-                  <a:pt x="7816" y="172"/>
-                </a:lnTo>
-                <a:lnTo>
-                  <a:pt x="7743" y="74"/>
-                </a:lnTo>
-                <a:lnTo>
-                  <a:pt x="7645" y="25"/>
-                </a:lnTo>
-                <a:lnTo>
-                  <a:pt x="7572" y="1"/>
-                </a:lnTo>
-                <a:close/>
-              </a:path>
-            </a:pathLst>
-          </a:custGeom>
-          <a:solidFill>
-            <a:srgbClr val="FFCC00"/>
-          </a:solidFill>
-          <a:ln>
-            <a:noFill/>
-          </a:ln>
-        </p:spPr>
-        <p:txBody>
-          <a:bodyPr spcFirstLastPara="1" wrap="square" lIns="91425" tIns="91425" rIns="91425" bIns="91425" anchor="ctr" anchorCtr="0">
-            <a:noAutofit/>
-          </a:bodyPr>
-          <a:lstStyle/>
-          <a:p>
-            <a:pPr marL="0" lvl="0" indent="0" algn="l" rtl="0">
-              <a:spcBef>
-                <a:spcPts val="0"/>
-              </a:spcBef>
-              <a:spcAft>
-                <a:spcPts val="0"/>
-              </a:spcAft>
-              <a:buNone/>
-            </a:pPr>
-            <a:endParaRPr/>
-          </a:p>
-        </p:txBody>
-      </p:sp>
-      <p:grpSp>
-        <p:nvGrpSpPr>
-          <p:cNvPr id="241" name="Google Shape;241;p21"/>
-          <p:cNvGrpSpPr/>
-          <p:nvPr/>
-        </p:nvGrpSpPr>
-        <p:grpSpPr>
-          <a:xfrm>
-            <a:off x="6237674" y="151777"/>
-            <a:ext cx="1333298" cy="1333379"/>
-            <a:chOff x="6654650" y="3665275"/>
-            <a:chExt cx="409100" cy="409125"/>
-          </a:xfrm>
-        </p:grpSpPr>
-        <p:sp>
-          <p:nvSpPr>
-            <p:cNvPr id="242" name="Google Shape;242;p21"/>
-            <p:cNvSpPr/>
-            <p:nvPr/>
-          </p:nvSpPr>
-          <p:spPr>
-            <a:xfrm>
-              <a:off x="6808525" y="3819150"/>
-              <a:ext cx="211875" cy="211900"/>
-            </a:xfrm>
-            <a:custGeom>
-              <a:avLst/>
-              <a:gdLst/>
-              <a:ahLst/>
-              <a:cxnLst/>
-              <a:rect l="l" t="t" r="r" b="b"/>
-              <a:pathLst>
-                <a:path w="8475" h="8476" extrusionOk="0">
-                  <a:moveTo>
-                    <a:pt x="8157" y="0"/>
-                  </a:moveTo>
-                  <a:lnTo>
-                    <a:pt x="7327" y="1075"/>
-                  </a:lnTo>
-                  <a:lnTo>
-                    <a:pt x="6399" y="2150"/>
-                  </a:lnTo>
-                  <a:lnTo>
-                    <a:pt x="5422" y="3249"/>
-                  </a:lnTo>
-                  <a:lnTo>
-                    <a:pt x="4347" y="4348"/>
-                  </a:lnTo>
-                  <a:lnTo>
-                    <a:pt x="3248" y="5422"/>
-                  </a:lnTo>
-                  <a:lnTo>
-                    <a:pt x="2149" y="6399"/>
-                  </a:lnTo>
-                  <a:lnTo>
-                    <a:pt x="1075" y="7327"/>
-                  </a:lnTo>
-                  <a:lnTo>
-                    <a:pt x="0" y="8158"/>
-                  </a:lnTo>
-                  <a:lnTo>
-                    <a:pt x="440" y="8280"/>
-                  </a:lnTo>
-                  <a:lnTo>
-                    <a:pt x="855" y="8377"/>
-                  </a:lnTo>
-                  <a:lnTo>
-                    <a:pt x="1294" y="8426"/>
-                  </a:lnTo>
-                  <a:lnTo>
-                    <a:pt x="1734" y="8475"/>
-                  </a:lnTo>
-                  <a:lnTo>
-                    <a:pt x="2174" y="8475"/>
-                  </a:lnTo>
-                  <a:lnTo>
-                    <a:pt x="2613" y="8451"/>
-                  </a:lnTo>
-                  <a:lnTo>
-                    <a:pt x="3028" y="8402"/>
-                  </a:lnTo>
-                  <a:lnTo>
-                    <a:pt x="3468" y="8304"/>
-                  </a:lnTo>
-                  <a:lnTo>
-                    <a:pt x="3883" y="8207"/>
-                  </a:lnTo>
-                  <a:lnTo>
-                    <a:pt x="4323" y="8060"/>
-                  </a:lnTo>
-                  <a:lnTo>
-                    <a:pt x="4714" y="7889"/>
-                  </a:lnTo>
-                  <a:lnTo>
-                    <a:pt x="5129" y="7694"/>
-                  </a:lnTo>
-                  <a:lnTo>
-                    <a:pt x="5520" y="7449"/>
-                  </a:lnTo>
-                  <a:lnTo>
-                    <a:pt x="5886" y="7205"/>
-                  </a:lnTo>
-                  <a:lnTo>
-                    <a:pt x="6252" y="6912"/>
-                  </a:lnTo>
-                  <a:lnTo>
-                    <a:pt x="6594" y="6595"/>
-                  </a:lnTo>
-                  <a:lnTo>
-                    <a:pt x="6912" y="6253"/>
-                  </a:lnTo>
-                  <a:lnTo>
-                    <a:pt x="7205" y="5886"/>
-                  </a:lnTo>
-                  <a:lnTo>
-                    <a:pt x="7449" y="5520"/>
-                  </a:lnTo>
-                  <a:lnTo>
-                    <a:pt x="7693" y="5129"/>
-                  </a:lnTo>
-                  <a:lnTo>
-                    <a:pt x="7889" y="4714"/>
-                  </a:lnTo>
-                  <a:lnTo>
-                    <a:pt x="8060" y="4323"/>
-                  </a:lnTo>
-                  <a:lnTo>
-                    <a:pt x="8206" y="3884"/>
-                  </a:lnTo>
-                  <a:lnTo>
-                    <a:pt x="8304" y="3468"/>
-                  </a:lnTo>
-                  <a:lnTo>
-                    <a:pt x="8402" y="3029"/>
-                  </a:lnTo>
-                  <a:lnTo>
-                    <a:pt x="8450" y="2614"/>
-                  </a:lnTo>
-                  <a:lnTo>
-                    <a:pt x="8475" y="2174"/>
-                  </a:lnTo>
-                  <a:lnTo>
-                    <a:pt x="8475" y="1734"/>
-                  </a:lnTo>
-                  <a:lnTo>
-                    <a:pt x="8426" y="1295"/>
-                  </a:lnTo>
-                  <a:lnTo>
-                    <a:pt x="8377" y="855"/>
-                  </a:lnTo>
-                  <a:lnTo>
-                    <a:pt x="8279" y="440"/>
-                  </a:lnTo>
-                  <a:lnTo>
-                    <a:pt x="8157" y="0"/>
-                  </a:lnTo>
-                  <a:close/>
-                </a:path>
-              </a:pathLst>
-            </a:custGeom>
-            <a:solidFill>
-              <a:srgbClr val="6699FF"/>
-            </a:solidFill>
-            <a:ln>
-              <a:noFill/>
-            </a:ln>
-          </p:spPr>
-          <p:txBody>
-            <a:bodyPr spcFirstLastPara="1" wrap="square" lIns="91425" tIns="91425" rIns="91425" bIns="91425" anchor="ctr" anchorCtr="0">
-              <a:noAutofit/>
-            </a:bodyPr>
-            <a:lstStyle/>
-            <a:p>
-              <a:pPr marL="0" lvl="0" indent="0" algn="l" rtl="0">
-                <a:spcBef>
-                  <a:spcPts val="0"/>
-                </a:spcBef>
-                <a:spcAft>
-                  <a:spcPts val="0"/>
-                </a:spcAft>
-                <a:buNone/>
-              </a:pPr>
-              <a:endParaRPr/>
-            </a:p>
-          </p:txBody>
-        </p:sp>
-        <p:sp>
-          <p:nvSpPr>
-            <p:cNvPr id="243" name="Google Shape;243;p21"/>
-            <p:cNvSpPr/>
-            <p:nvPr/>
-          </p:nvSpPr>
-          <p:spPr>
-            <a:xfrm>
-              <a:off x="6654650" y="3665275"/>
-              <a:ext cx="409100" cy="409125"/>
-            </a:xfrm>
-            <a:custGeom>
-              <a:avLst/>
-              <a:gdLst/>
-              <a:ahLst/>
-              <a:cxnLst/>
-              <a:rect l="l" t="t" r="r" b="b"/>
-              <a:pathLst>
-                <a:path w="16364" h="16365" extrusionOk="0">
-                  <a:moveTo>
-                    <a:pt x="13580" y="1686"/>
-                  </a:moveTo>
-                  <a:lnTo>
-                    <a:pt x="13677" y="1735"/>
-                  </a:lnTo>
-                  <a:lnTo>
-                    <a:pt x="13775" y="1759"/>
-                  </a:lnTo>
-                  <a:lnTo>
-                    <a:pt x="13848" y="1832"/>
-                  </a:lnTo>
-                  <a:lnTo>
-                    <a:pt x="13897" y="1906"/>
-                  </a:lnTo>
-                  <a:lnTo>
-                    <a:pt x="13946" y="1979"/>
-                  </a:lnTo>
-                  <a:lnTo>
-                    <a:pt x="13970" y="2077"/>
-                  </a:lnTo>
-                  <a:lnTo>
-                    <a:pt x="13995" y="2174"/>
-                  </a:lnTo>
-                  <a:lnTo>
-                    <a:pt x="13995" y="2419"/>
-                  </a:lnTo>
-                  <a:lnTo>
-                    <a:pt x="13922" y="2687"/>
-                  </a:lnTo>
-                  <a:lnTo>
-                    <a:pt x="13824" y="3029"/>
-                  </a:lnTo>
-                  <a:lnTo>
-                    <a:pt x="13677" y="3371"/>
-                  </a:lnTo>
-                  <a:lnTo>
-                    <a:pt x="13482" y="3762"/>
-                  </a:lnTo>
-                  <a:lnTo>
-                    <a:pt x="13238" y="4177"/>
-                  </a:lnTo>
-                  <a:lnTo>
-                    <a:pt x="12993" y="3908"/>
-                  </a:lnTo>
-                  <a:lnTo>
-                    <a:pt x="12749" y="3615"/>
-                  </a:lnTo>
-                  <a:lnTo>
-                    <a:pt x="12407" y="3298"/>
-                  </a:lnTo>
-                  <a:lnTo>
-                    <a:pt x="12041" y="3029"/>
-                  </a:lnTo>
-                  <a:lnTo>
-                    <a:pt x="11675" y="2761"/>
-                  </a:lnTo>
-                  <a:lnTo>
-                    <a:pt x="11308" y="2541"/>
-                  </a:lnTo>
-                  <a:lnTo>
-                    <a:pt x="11748" y="2272"/>
-                  </a:lnTo>
-                  <a:lnTo>
-                    <a:pt x="12187" y="2052"/>
-                  </a:lnTo>
-                  <a:lnTo>
-                    <a:pt x="12554" y="1881"/>
-                  </a:lnTo>
-                  <a:lnTo>
-                    <a:pt x="12920" y="1759"/>
-                  </a:lnTo>
-                  <a:lnTo>
-                    <a:pt x="13213" y="1686"/>
-                  </a:lnTo>
-                  <a:close/>
-                  <a:moveTo>
-                    <a:pt x="9721" y="3591"/>
-                  </a:moveTo>
-                  <a:lnTo>
-                    <a:pt x="9794" y="3615"/>
-                  </a:lnTo>
-                  <a:lnTo>
-                    <a:pt x="9916" y="3713"/>
-                  </a:lnTo>
-                  <a:lnTo>
-                    <a:pt x="10014" y="3835"/>
-                  </a:lnTo>
-                  <a:lnTo>
-                    <a:pt x="10038" y="3908"/>
-                  </a:lnTo>
-                  <a:lnTo>
-                    <a:pt x="10038" y="3982"/>
-                  </a:lnTo>
-                  <a:lnTo>
-                    <a:pt x="10038" y="4055"/>
-                  </a:lnTo>
-                  <a:lnTo>
-                    <a:pt x="10014" y="4128"/>
-                  </a:lnTo>
-                  <a:lnTo>
-                    <a:pt x="9916" y="4250"/>
-                  </a:lnTo>
-                  <a:lnTo>
-                    <a:pt x="9794" y="4348"/>
-                  </a:lnTo>
-                  <a:lnTo>
-                    <a:pt x="9721" y="4372"/>
-                  </a:lnTo>
-                  <a:lnTo>
-                    <a:pt x="9574" y="4372"/>
-                  </a:lnTo>
-                  <a:lnTo>
-                    <a:pt x="9501" y="4348"/>
-                  </a:lnTo>
-                  <a:lnTo>
-                    <a:pt x="9379" y="4250"/>
-                  </a:lnTo>
-                  <a:lnTo>
-                    <a:pt x="9281" y="4128"/>
-                  </a:lnTo>
-                  <a:lnTo>
-                    <a:pt x="9257" y="4055"/>
-                  </a:lnTo>
-                  <a:lnTo>
-                    <a:pt x="9257" y="3982"/>
-                  </a:lnTo>
-                  <a:lnTo>
-                    <a:pt x="9257" y="3908"/>
-                  </a:lnTo>
-                  <a:lnTo>
-                    <a:pt x="9281" y="3835"/>
-                  </a:lnTo>
-                  <a:lnTo>
-                    <a:pt x="9379" y="3713"/>
-                  </a:lnTo>
-                  <a:lnTo>
-                    <a:pt x="9501" y="3615"/>
-                  </a:lnTo>
-                  <a:lnTo>
-                    <a:pt x="9574" y="3591"/>
-                  </a:lnTo>
-                  <a:close/>
-                  <a:moveTo>
-                    <a:pt x="8182" y="3322"/>
-                  </a:moveTo>
-                  <a:lnTo>
-                    <a:pt x="8304" y="3347"/>
-                  </a:lnTo>
-                  <a:lnTo>
-                    <a:pt x="8402" y="3371"/>
-                  </a:lnTo>
-                  <a:lnTo>
-                    <a:pt x="8500" y="3420"/>
-                  </a:lnTo>
-                  <a:lnTo>
-                    <a:pt x="8597" y="3493"/>
-                  </a:lnTo>
-                  <a:lnTo>
-                    <a:pt x="8671" y="3591"/>
-                  </a:lnTo>
-                  <a:lnTo>
-                    <a:pt x="8719" y="3689"/>
-                  </a:lnTo>
-                  <a:lnTo>
-                    <a:pt x="8768" y="3786"/>
-                  </a:lnTo>
-                  <a:lnTo>
-                    <a:pt x="8768" y="3908"/>
-                  </a:lnTo>
-                  <a:lnTo>
-                    <a:pt x="8768" y="4031"/>
-                  </a:lnTo>
-                  <a:lnTo>
-                    <a:pt x="8719" y="4153"/>
-                  </a:lnTo>
-                  <a:lnTo>
-                    <a:pt x="8671" y="4250"/>
-                  </a:lnTo>
-                  <a:lnTo>
-                    <a:pt x="8597" y="4324"/>
-                  </a:lnTo>
-                  <a:lnTo>
-                    <a:pt x="8500" y="4397"/>
-                  </a:lnTo>
-                  <a:lnTo>
-                    <a:pt x="8402" y="4446"/>
-                  </a:lnTo>
-                  <a:lnTo>
-                    <a:pt x="8304" y="4495"/>
-                  </a:lnTo>
-                  <a:lnTo>
-                    <a:pt x="8060" y="4495"/>
-                  </a:lnTo>
-                  <a:lnTo>
-                    <a:pt x="7962" y="4446"/>
-                  </a:lnTo>
-                  <a:lnTo>
-                    <a:pt x="7865" y="4397"/>
-                  </a:lnTo>
-                  <a:lnTo>
-                    <a:pt x="7767" y="4324"/>
-                  </a:lnTo>
-                  <a:lnTo>
-                    <a:pt x="7694" y="4250"/>
-                  </a:lnTo>
-                  <a:lnTo>
-                    <a:pt x="7645" y="4153"/>
-                  </a:lnTo>
-                  <a:lnTo>
-                    <a:pt x="7596" y="4031"/>
-                  </a:lnTo>
-                  <a:lnTo>
-                    <a:pt x="7596" y="3908"/>
-                  </a:lnTo>
-                  <a:lnTo>
-                    <a:pt x="7596" y="3786"/>
-                  </a:lnTo>
-                  <a:lnTo>
-                    <a:pt x="7645" y="3689"/>
-                  </a:lnTo>
-                  <a:lnTo>
-                    <a:pt x="7694" y="3591"/>
-                  </a:lnTo>
-                  <a:lnTo>
-                    <a:pt x="7767" y="3493"/>
-                  </a:lnTo>
-                  <a:lnTo>
-                    <a:pt x="7865" y="3420"/>
-                  </a:lnTo>
-                  <a:lnTo>
-                    <a:pt x="7962" y="3371"/>
-                  </a:lnTo>
-                  <a:lnTo>
-                    <a:pt x="8060" y="3347"/>
-                  </a:lnTo>
-                  <a:lnTo>
-                    <a:pt x="8182" y="3322"/>
-                  </a:lnTo>
-                  <a:close/>
-                  <a:moveTo>
-                    <a:pt x="9086" y="4763"/>
-                  </a:moveTo>
-                  <a:lnTo>
-                    <a:pt x="9159" y="4788"/>
-                  </a:lnTo>
-                  <a:lnTo>
-                    <a:pt x="9281" y="4885"/>
-                  </a:lnTo>
-                  <a:lnTo>
-                    <a:pt x="9354" y="5007"/>
-                  </a:lnTo>
-                  <a:lnTo>
-                    <a:pt x="9379" y="5081"/>
-                  </a:lnTo>
-                  <a:lnTo>
-                    <a:pt x="9379" y="5154"/>
-                  </a:lnTo>
-                  <a:lnTo>
-                    <a:pt x="9379" y="5227"/>
-                  </a:lnTo>
-                  <a:lnTo>
-                    <a:pt x="9354" y="5301"/>
-                  </a:lnTo>
-                  <a:lnTo>
-                    <a:pt x="9281" y="5423"/>
-                  </a:lnTo>
-                  <a:lnTo>
-                    <a:pt x="9159" y="5520"/>
-                  </a:lnTo>
-                  <a:lnTo>
-                    <a:pt x="9086" y="5545"/>
-                  </a:lnTo>
-                  <a:lnTo>
-                    <a:pt x="8915" y="5545"/>
-                  </a:lnTo>
-                  <a:lnTo>
-                    <a:pt x="8842" y="5520"/>
-                  </a:lnTo>
-                  <a:lnTo>
-                    <a:pt x="8719" y="5423"/>
-                  </a:lnTo>
-                  <a:lnTo>
-                    <a:pt x="8646" y="5301"/>
-                  </a:lnTo>
-                  <a:lnTo>
-                    <a:pt x="8622" y="5227"/>
-                  </a:lnTo>
-                  <a:lnTo>
-                    <a:pt x="8597" y="5154"/>
-                  </a:lnTo>
-                  <a:lnTo>
-                    <a:pt x="8622" y="5081"/>
-                  </a:lnTo>
-                  <a:lnTo>
-                    <a:pt x="8646" y="5007"/>
-                  </a:lnTo>
-                  <a:lnTo>
-                    <a:pt x="8719" y="4885"/>
-                  </a:lnTo>
-                  <a:lnTo>
-                    <a:pt x="8842" y="4788"/>
-                  </a:lnTo>
-                  <a:lnTo>
-                    <a:pt x="8915" y="4763"/>
-                  </a:lnTo>
-                  <a:close/>
-                  <a:moveTo>
-                    <a:pt x="2540" y="11309"/>
-                  </a:moveTo>
-                  <a:lnTo>
-                    <a:pt x="2760" y="11675"/>
-                  </a:lnTo>
-                  <a:lnTo>
-                    <a:pt x="3029" y="12041"/>
-                  </a:lnTo>
-                  <a:lnTo>
-                    <a:pt x="3298" y="12408"/>
-                  </a:lnTo>
-                  <a:lnTo>
-                    <a:pt x="3615" y="12750"/>
-                  </a:lnTo>
-                  <a:lnTo>
-                    <a:pt x="3908" y="12994"/>
-                  </a:lnTo>
-                  <a:lnTo>
-                    <a:pt x="4177" y="13238"/>
-                  </a:lnTo>
-                  <a:lnTo>
-                    <a:pt x="3762" y="13482"/>
-                  </a:lnTo>
-                  <a:lnTo>
-                    <a:pt x="3371" y="13678"/>
-                  </a:lnTo>
-                  <a:lnTo>
-                    <a:pt x="3029" y="13824"/>
-                  </a:lnTo>
-                  <a:lnTo>
-                    <a:pt x="2687" y="13922"/>
-                  </a:lnTo>
-                  <a:lnTo>
-                    <a:pt x="2418" y="13995"/>
-                  </a:lnTo>
-                  <a:lnTo>
-                    <a:pt x="2174" y="13995"/>
-                  </a:lnTo>
-                  <a:lnTo>
-                    <a:pt x="2076" y="13971"/>
-                  </a:lnTo>
-                  <a:lnTo>
-                    <a:pt x="1979" y="13946"/>
-                  </a:lnTo>
-                  <a:lnTo>
-                    <a:pt x="1905" y="13897"/>
-                  </a:lnTo>
-                  <a:lnTo>
-                    <a:pt x="1832" y="13849"/>
-                  </a:lnTo>
-                  <a:lnTo>
-                    <a:pt x="1759" y="13775"/>
-                  </a:lnTo>
-                  <a:lnTo>
-                    <a:pt x="1734" y="13678"/>
-                  </a:lnTo>
-                  <a:lnTo>
-                    <a:pt x="1686" y="13580"/>
-                  </a:lnTo>
-                  <a:lnTo>
-                    <a:pt x="1686" y="13482"/>
-                  </a:lnTo>
-                  <a:lnTo>
-                    <a:pt x="1686" y="13214"/>
-                  </a:lnTo>
-                  <a:lnTo>
-                    <a:pt x="1759" y="12921"/>
-                  </a:lnTo>
-                  <a:lnTo>
-                    <a:pt x="1881" y="12554"/>
-                  </a:lnTo>
-                  <a:lnTo>
-                    <a:pt x="2052" y="12188"/>
-                  </a:lnTo>
-                  <a:lnTo>
-                    <a:pt x="2272" y="11748"/>
-                  </a:lnTo>
-                  <a:lnTo>
-                    <a:pt x="2540" y="11309"/>
-                  </a:lnTo>
-                  <a:close/>
-                  <a:moveTo>
-                    <a:pt x="15362" y="1"/>
-                  </a:moveTo>
-                  <a:lnTo>
-                    <a:pt x="15094" y="25"/>
-                  </a:lnTo>
-                  <a:lnTo>
-                    <a:pt x="14801" y="74"/>
-                  </a:lnTo>
-                  <a:lnTo>
-                    <a:pt x="14483" y="172"/>
-                  </a:lnTo>
-                  <a:lnTo>
-                    <a:pt x="14141" y="294"/>
-                  </a:lnTo>
-                  <a:lnTo>
-                    <a:pt x="13775" y="440"/>
-                  </a:lnTo>
-                  <a:lnTo>
-                    <a:pt x="13384" y="611"/>
-                  </a:lnTo>
-                  <a:lnTo>
-                    <a:pt x="12993" y="831"/>
-                  </a:lnTo>
-                  <a:lnTo>
-                    <a:pt x="12578" y="1051"/>
-                  </a:lnTo>
-                  <a:lnTo>
-                    <a:pt x="11699" y="1613"/>
-                  </a:lnTo>
-                  <a:lnTo>
-                    <a:pt x="10747" y="2272"/>
-                  </a:lnTo>
-                  <a:lnTo>
-                    <a:pt x="10307" y="2101"/>
-                  </a:lnTo>
-                  <a:lnTo>
-                    <a:pt x="9843" y="1955"/>
-                  </a:lnTo>
-                  <a:lnTo>
-                    <a:pt x="9379" y="1857"/>
-                  </a:lnTo>
-                  <a:lnTo>
-                    <a:pt x="8915" y="1784"/>
-                  </a:lnTo>
-                  <a:lnTo>
-                    <a:pt x="8451" y="1735"/>
-                  </a:lnTo>
-                  <a:lnTo>
-                    <a:pt x="7962" y="1735"/>
-                  </a:lnTo>
-                  <a:lnTo>
-                    <a:pt x="7498" y="1784"/>
-                  </a:lnTo>
-                  <a:lnTo>
-                    <a:pt x="7034" y="1832"/>
-                  </a:lnTo>
-                  <a:lnTo>
-                    <a:pt x="6570" y="1930"/>
-                  </a:lnTo>
-                  <a:lnTo>
-                    <a:pt x="6106" y="2077"/>
-                  </a:lnTo>
-                  <a:lnTo>
-                    <a:pt x="5667" y="2248"/>
-                  </a:lnTo>
-                  <a:lnTo>
-                    <a:pt x="5227" y="2443"/>
-                  </a:lnTo>
-                  <a:lnTo>
-                    <a:pt x="4787" y="2687"/>
-                  </a:lnTo>
-                  <a:lnTo>
-                    <a:pt x="4397" y="2980"/>
-                  </a:lnTo>
-                  <a:lnTo>
-                    <a:pt x="4006" y="3273"/>
-                  </a:lnTo>
-                  <a:lnTo>
-                    <a:pt x="3615" y="3615"/>
-                  </a:lnTo>
-                  <a:lnTo>
-                    <a:pt x="3273" y="4006"/>
-                  </a:lnTo>
-                  <a:lnTo>
-                    <a:pt x="2980" y="4397"/>
-                  </a:lnTo>
-                  <a:lnTo>
-                    <a:pt x="2687" y="4788"/>
-                  </a:lnTo>
-                  <a:lnTo>
-                    <a:pt x="2443" y="5227"/>
-                  </a:lnTo>
-                  <a:lnTo>
-                    <a:pt x="2247" y="5667"/>
-                  </a:lnTo>
-                  <a:lnTo>
-                    <a:pt x="2076" y="6107"/>
-                  </a:lnTo>
-                  <a:lnTo>
-                    <a:pt x="1930" y="6571"/>
-                  </a:lnTo>
-                  <a:lnTo>
-                    <a:pt x="1832" y="7035"/>
-                  </a:lnTo>
-                  <a:lnTo>
-                    <a:pt x="1783" y="7499"/>
-                  </a:lnTo>
-                  <a:lnTo>
-                    <a:pt x="1734" y="7963"/>
-                  </a:lnTo>
-                  <a:lnTo>
-                    <a:pt x="1734" y="8451"/>
-                  </a:lnTo>
-                  <a:lnTo>
-                    <a:pt x="1783" y="8915"/>
-                  </a:lnTo>
-                  <a:lnTo>
-                    <a:pt x="1857" y="9379"/>
-                  </a:lnTo>
-                  <a:lnTo>
-                    <a:pt x="1954" y="9843"/>
-                  </a:lnTo>
-                  <a:lnTo>
-                    <a:pt x="2101" y="10307"/>
-                  </a:lnTo>
-                  <a:lnTo>
-                    <a:pt x="2272" y="10747"/>
-                  </a:lnTo>
-                  <a:lnTo>
-                    <a:pt x="1612" y="11699"/>
-                  </a:lnTo>
-                  <a:lnTo>
-                    <a:pt x="1051" y="12579"/>
-                  </a:lnTo>
-                  <a:lnTo>
-                    <a:pt x="831" y="12994"/>
-                  </a:lnTo>
-                  <a:lnTo>
-                    <a:pt x="611" y="13385"/>
-                  </a:lnTo>
-                  <a:lnTo>
-                    <a:pt x="440" y="13775"/>
-                  </a:lnTo>
-                  <a:lnTo>
-                    <a:pt x="293" y="14142"/>
-                  </a:lnTo>
-                  <a:lnTo>
-                    <a:pt x="171" y="14484"/>
-                  </a:lnTo>
-                  <a:lnTo>
-                    <a:pt x="74" y="14801"/>
-                  </a:lnTo>
-                  <a:lnTo>
-                    <a:pt x="25" y="15094"/>
-                  </a:lnTo>
-                  <a:lnTo>
-                    <a:pt x="0" y="15363"/>
-                  </a:lnTo>
-                  <a:lnTo>
-                    <a:pt x="0" y="15583"/>
-                  </a:lnTo>
-                  <a:lnTo>
-                    <a:pt x="49" y="15802"/>
-                  </a:lnTo>
-                  <a:lnTo>
-                    <a:pt x="123" y="15973"/>
-                  </a:lnTo>
-                  <a:lnTo>
-                    <a:pt x="245" y="16120"/>
-                  </a:lnTo>
-                  <a:lnTo>
-                    <a:pt x="342" y="16218"/>
-                  </a:lnTo>
-                  <a:lnTo>
-                    <a:pt x="489" y="16291"/>
-                  </a:lnTo>
-                  <a:lnTo>
-                    <a:pt x="635" y="16340"/>
-                  </a:lnTo>
-                  <a:lnTo>
-                    <a:pt x="806" y="16364"/>
-                  </a:lnTo>
-                  <a:lnTo>
-                    <a:pt x="1173" y="16364"/>
-                  </a:lnTo>
-                  <a:lnTo>
-                    <a:pt x="1393" y="16315"/>
-                  </a:lnTo>
-                  <a:lnTo>
-                    <a:pt x="1637" y="16267"/>
-                  </a:lnTo>
-                  <a:lnTo>
-                    <a:pt x="2150" y="16120"/>
-                  </a:lnTo>
-                  <a:lnTo>
-                    <a:pt x="2711" y="15876"/>
-                  </a:lnTo>
-                  <a:lnTo>
-                    <a:pt x="3322" y="15583"/>
-                  </a:lnTo>
-                  <a:lnTo>
-                    <a:pt x="3957" y="15192"/>
-                  </a:lnTo>
-                  <a:lnTo>
-                    <a:pt x="4665" y="14752"/>
-                  </a:lnTo>
-                  <a:lnTo>
-                    <a:pt x="5373" y="14264"/>
-                  </a:lnTo>
-                  <a:lnTo>
-                    <a:pt x="6131" y="13702"/>
-                  </a:lnTo>
-                  <a:lnTo>
-                    <a:pt x="6912" y="13092"/>
-                  </a:lnTo>
-                  <a:lnTo>
-                    <a:pt x="7718" y="12432"/>
-                  </a:lnTo>
-                  <a:lnTo>
-                    <a:pt x="8524" y="11724"/>
-                  </a:lnTo>
-                  <a:lnTo>
-                    <a:pt x="9330" y="10967"/>
-                  </a:lnTo>
-                  <a:lnTo>
-                    <a:pt x="10160" y="10161"/>
-                  </a:lnTo>
-                  <a:lnTo>
-                    <a:pt x="10966" y="9330"/>
-                  </a:lnTo>
-                  <a:lnTo>
-                    <a:pt x="11723" y="8524"/>
-                  </a:lnTo>
-                  <a:lnTo>
-                    <a:pt x="12432" y="7718"/>
-                  </a:lnTo>
-                  <a:lnTo>
-                    <a:pt x="13091" y="6912"/>
-                  </a:lnTo>
-                  <a:lnTo>
-                    <a:pt x="13702" y="6131"/>
-                  </a:lnTo>
-                  <a:lnTo>
-                    <a:pt x="14263" y="5374"/>
-                  </a:lnTo>
-                  <a:lnTo>
-                    <a:pt x="14752" y="4666"/>
-                  </a:lnTo>
-                  <a:lnTo>
-                    <a:pt x="15192" y="3957"/>
-                  </a:lnTo>
-                  <a:lnTo>
-                    <a:pt x="15582" y="3322"/>
-                  </a:lnTo>
-                  <a:lnTo>
-                    <a:pt x="15875" y="2712"/>
-                  </a:lnTo>
-                  <a:lnTo>
-                    <a:pt x="16120" y="2150"/>
-                  </a:lnTo>
-                  <a:lnTo>
-                    <a:pt x="16266" y="1637"/>
-                  </a:lnTo>
-                  <a:lnTo>
-                    <a:pt x="16315" y="1393"/>
-                  </a:lnTo>
-                  <a:lnTo>
-                    <a:pt x="16364" y="1173"/>
-                  </a:lnTo>
-                  <a:lnTo>
-                    <a:pt x="16364" y="978"/>
-                  </a:lnTo>
-                  <a:lnTo>
-                    <a:pt x="16364" y="807"/>
-                  </a:lnTo>
-                  <a:lnTo>
-                    <a:pt x="16339" y="636"/>
-                  </a:lnTo>
-                  <a:lnTo>
-                    <a:pt x="16291" y="489"/>
-                  </a:lnTo>
-                  <a:lnTo>
-                    <a:pt x="16217" y="343"/>
-                  </a:lnTo>
-                  <a:lnTo>
-                    <a:pt x="16120" y="245"/>
-                  </a:lnTo>
-                  <a:lnTo>
-                    <a:pt x="15973" y="123"/>
-                  </a:lnTo>
-                  <a:lnTo>
-                    <a:pt x="15802" y="50"/>
-                  </a:lnTo>
-                  <a:lnTo>
-                    <a:pt x="15582" y="1"/>
-                  </a:lnTo>
-                  <a:close/>
-                </a:path>
-              </a:pathLst>
-            </a:custGeom>
-            <a:solidFill>
-              <a:srgbClr val="6699FF"/>
-            </a:solidFill>
-            <a:ln>
-              <a:noFill/>
-            </a:ln>
-          </p:spPr>
-          <p:txBody>
-            <a:bodyPr spcFirstLastPara="1" wrap="square" lIns="91425" tIns="91425" rIns="91425" bIns="91425" anchor="ctr" anchorCtr="0">
-              <a:noAutofit/>
-            </a:bodyPr>
-            <a:lstStyle/>
-            <a:p>
-              <a:pPr marL="0" lvl="0" indent="0" algn="l" rtl="0">
-                <a:spcBef>
-                  <a:spcPts val="0"/>
-                </a:spcBef>
-                <a:spcAft>
-                  <a:spcPts val="0"/>
-                </a:spcAft>
-                <a:buNone/>
-              </a:pPr>
-              <a:endParaRPr/>
-            </a:p>
-          </p:txBody>
-        </p:sp>
-      </p:grpSp>
-      <p:grpSp>
-        <p:nvGrpSpPr>
-          <p:cNvPr id="244" name="Google Shape;244;p21"/>
-          <p:cNvGrpSpPr/>
-          <p:nvPr/>
-        </p:nvGrpSpPr>
-        <p:grpSpPr>
-          <a:xfrm>
-            <a:off x="5609062" y="1020784"/>
-            <a:ext cx="384731" cy="480964"/>
-            <a:chOff x="570875" y="4322250"/>
-            <a:chExt cx="443300" cy="443325"/>
-          </a:xfrm>
-        </p:grpSpPr>
-        <p:sp>
-          <p:nvSpPr>
-            <p:cNvPr id="245" name="Google Shape;245;p21"/>
-            <p:cNvSpPr/>
-            <p:nvPr/>
-          </p:nvSpPr>
-          <p:spPr>
-            <a:xfrm>
-              <a:off x="570875" y="4322250"/>
-              <a:ext cx="443300" cy="443325"/>
-            </a:xfrm>
-            <a:custGeom>
-              <a:avLst/>
-              <a:gdLst/>
-              <a:ahLst/>
-              <a:cxnLst/>
-              <a:rect l="l" t="t" r="r" b="b"/>
-              <a:pathLst>
-                <a:path w="17732" h="17733" extrusionOk="0">
-                  <a:moveTo>
-                    <a:pt x="13091" y="2712"/>
-                  </a:moveTo>
-                  <a:lnTo>
-                    <a:pt x="13286" y="2736"/>
-                  </a:lnTo>
-                  <a:lnTo>
-                    <a:pt x="13506" y="2785"/>
-                  </a:lnTo>
-                  <a:lnTo>
-                    <a:pt x="13702" y="2858"/>
-                  </a:lnTo>
-                  <a:lnTo>
-                    <a:pt x="13873" y="2956"/>
-                  </a:lnTo>
-                  <a:lnTo>
-                    <a:pt x="14068" y="3054"/>
-                  </a:lnTo>
-                  <a:lnTo>
-                    <a:pt x="14239" y="3176"/>
-                  </a:lnTo>
-                  <a:lnTo>
-                    <a:pt x="14410" y="3323"/>
-                  </a:lnTo>
-                  <a:lnTo>
-                    <a:pt x="14556" y="3493"/>
-                  </a:lnTo>
-                  <a:lnTo>
-                    <a:pt x="14679" y="3664"/>
-                  </a:lnTo>
-                  <a:lnTo>
-                    <a:pt x="14776" y="3860"/>
-                  </a:lnTo>
-                  <a:lnTo>
-                    <a:pt x="14874" y="4031"/>
-                  </a:lnTo>
-                  <a:lnTo>
-                    <a:pt x="14947" y="4226"/>
-                  </a:lnTo>
-                  <a:lnTo>
-                    <a:pt x="14996" y="4446"/>
-                  </a:lnTo>
-                  <a:lnTo>
-                    <a:pt x="15021" y="4641"/>
-                  </a:lnTo>
-                  <a:lnTo>
-                    <a:pt x="15021" y="4861"/>
-                  </a:lnTo>
-                  <a:lnTo>
-                    <a:pt x="15021" y="5057"/>
-                  </a:lnTo>
-                  <a:lnTo>
-                    <a:pt x="14996" y="5252"/>
-                  </a:lnTo>
-                  <a:lnTo>
-                    <a:pt x="14947" y="5472"/>
-                  </a:lnTo>
-                  <a:lnTo>
-                    <a:pt x="14874" y="5667"/>
-                  </a:lnTo>
-                  <a:lnTo>
-                    <a:pt x="14776" y="5838"/>
-                  </a:lnTo>
-                  <a:lnTo>
-                    <a:pt x="14679" y="6033"/>
-                  </a:lnTo>
-                  <a:lnTo>
-                    <a:pt x="14556" y="6204"/>
-                  </a:lnTo>
-                  <a:lnTo>
-                    <a:pt x="14410" y="6375"/>
-                  </a:lnTo>
-                  <a:lnTo>
-                    <a:pt x="13433" y="7328"/>
-                  </a:lnTo>
-                  <a:lnTo>
-                    <a:pt x="13311" y="7426"/>
-                  </a:lnTo>
-                  <a:lnTo>
-                    <a:pt x="13189" y="7499"/>
-                  </a:lnTo>
-                  <a:lnTo>
-                    <a:pt x="13042" y="7548"/>
-                  </a:lnTo>
-                  <a:lnTo>
-                    <a:pt x="12871" y="7572"/>
-                  </a:lnTo>
-                  <a:lnTo>
-                    <a:pt x="12725" y="7548"/>
-                  </a:lnTo>
-                  <a:lnTo>
-                    <a:pt x="12578" y="7499"/>
-                  </a:lnTo>
-                  <a:lnTo>
-                    <a:pt x="12456" y="7426"/>
-                  </a:lnTo>
-                  <a:lnTo>
-                    <a:pt x="12334" y="7328"/>
-                  </a:lnTo>
-                  <a:lnTo>
-                    <a:pt x="10405" y="5398"/>
-                  </a:lnTo>
-                  <a:lnTo>
-                    <a:pt x="10307" y="5276"/>
-                  </a:lnTo>
-                  <a:lnTo>
-                    <a:pt x="10234" y="5154"/>
-                  </a:lnTo>
-                  <a:lnTo>
-                    <a:pt x="10185" y="5008"/>
-                  </a:lnTo>
-                  <a:lnTo>
-                    <a:pt x="10160" y="4861"/>
-                  </a:lnTo>
-                  <a:lnTo>
-                    <a:pt x="10185" y="4690"/>
-                  </a:lnTo>
-                  <a:lnTo>
-                    <a:pt x="10234" y="4544"/>
-                  </a:lnTo>
-                  <a:lnTo>
-                    <a:pt x="10307" y="4422"/>
-                  </a:lnTo>
-                  <a:lnTo>
-                    <a:pt x="10405" y="4299"/>
-                  </a:lnTo>
-                  <a:lnTo>
-                    <a:pt x="11357" y="3323"/>
-                  </a:lnTo>
-                  <a:lnTo>
-                    <a:pt x="11528" y="3176"/>
-                  </a:lnTo>
-                  <a:lnTo>
-                    <a:pt x="11699" y="3054"/>
-                  </a:lnTo>
-                  <a:lnTo>
-                    <a:pt x="11894" y="2956"/>
-                  </a:lnTo>
-                  <a:lnTo>
-                    <a:pt x="12065" y="2858"/>
-                  </a:lnTo>
-                  <a:lnTo>
-                    <a:pt x="12261" y="2785"/>
-                  </a:lnTo>
-                  <a:lnTo>
-                    <a:pt x="12481" y="2736"/>
-                  </a:lnTo>
-                  <a:lnTo>
-                    <a:pt x="12676" y="2712"/>
-                  </a:lnTo>
-                  <a:close/>
-                  <a:moveTo>
-                    <a:pt x="8377" y="8867"/>
-                  </a:moveTo>
-                  <a:lnTo>
-                    <a:pt x="8475" y="8891"/>
-                  </a:lnTo>
-                  <a:lnTo>
-                    <a:pt x="8548" y="8915"/>
-                  </a:lnTo>
-                  <a:lnTo>
-                    <a:pt x="8646" y="8964"/>
-                  </a:lnTo>
-                  <a:lnTo>
-                    <a:pt x="8719" y="9013"/>
-                  </a:lnTo>
-                  <a:lnTo>
-                    <a:pt x="8768" y="9086"/>
-                  </a:lnTo>
-                  <a:lnTo>
-                    <a:pt x="8817" y="9184"/>
-                  </a:lnTo>
-                  <a:lnTo>
-                    <a:pt x="8841" y="9257"/>
-                  </a:lnTo>
-                  <a:lnTo>
-                    <a:pt x="8866" y="9355"/>
-                  </a:lnTo>
-                  <a:lnTo>
-                    <a:pt x="8841" y="9453"/>
-                  </a:lnTo>
-                  <a:lnTo>
-                    <a:pt x="8817" y="9550"/>
-                  </a:lnTo>
-                  <a:lnTo>
-                    <a:pt x="8768" y="9624"/>
-                  </a:lnTo>
-                  <a:lnTo>
-                    <a:pt x="8719" y="9697"/>
-                  </a:lnTo>
-                  <a:lnTo>
-                    <a:pt x="6179" y="12237"/>
-                  </a:lnTo>
-                  <a:lnTo>
-                    <a:pt x="6106" y="12310"/>
-                  </a:lnTo>
-                  <a:lnTo>
-                    <a:pt x="6033" y="12359"/>
-                  </a:lnTo>
-                  <a:lnTo>
-                    <a:pt x="5935" y="12383"/>
-                  </a:lnTo>
-                  <a:lnTo>
-                    <a:pt x="5740" y="12383"/>
-                  </a:lnTo>
-                  <a:lnTo>
-                    <a:pt x="5642" y="12359"/>
-                  </a:lnTo>
-                  <a:lnTo>
-                    <a:pt x="5569" y="12310"/>
-                  </a:lnTo>
-                  <a:lnTo>
-                    <a:pt x="5496" y="12237"/>
-                  </a:lnTo>
-                  <a:lnTo>
-                    <a:pt x="5422" y="12164"/>
-                  </a:lnTo>
-                  <a:lnTo>
-                    <a:pt x="5373" y="12090"/>
-                  </a:lnTo>
-                  <a:lnTo>
-                    <a:pt x="5349" y="11993"/>
-                  </a:lnTo>
-                  <a:lnTo>
-                    <a:pt x="5349" y="11895"/>
-                  </a:lnTo>
-                  <a:lnTo>
-                    <a:pt x="5349" y="11797"/>
-                  </a:lnTo>
-                  <a:lnTo>
-                    <a:pt x="5373" y="11700"/>
-                  </a:lnTo>
-                  <a:lnTo>
-                    <a:pt x="5422" y="11626"/>
-                  </a:lnTo>
-                  <a:lnTo>
-                    <a:pt x="5496" y="11553"/>
-                  </a:lnTo>
-                  <a:lnTo>
-                    <a:pt x="8036" y="9013"/>
-                  </a:lnTo>
-                  <a:lnTo>
-                    <a:pt x="8109" y="8964"/>
-                  </a:lnTo>
-                  <a:lnTo>
-                    <a:pt x="8182" y="8915"/>
-                  </a:lnTo>
-                  <a:lnTo>
-                    <a:pt x="8280" y="8891"/>
-                  </a:lnTo>
-                  <a:lnTo>
-                    <a:pt x="8377" y="8867"/>
-                  </a:lnTo>
-                  <a:close/>
-                  <a:moveTo>
-                    <a:pt x="14825" y="1"/>
-                  </a:moveTo>
-                  <a:lnTo>
-                    <a:pt x="14288" y="25"/>
-                  </a:lnTo>
-                  <a:lnTo>
-                    <a:pt x="13751" y="50"/>
-                  </a:lnTo>
-                  <a:lnTo>
-                    <a:pt x="13213" y="123"/>
-                  </a:lnTo>
-                  <a:lnTo>
-                    <a:pt x="12676" y="245"/>
-                  </a:lnTo>
-                  <a:lnTo>
-                    <a:pt x="12163" y="367"/>
-                  </a:lnTo>
-                  <a:lnTo>
-                    <a:pt x="11675" y="538"/>
-                  </a:lnTo>
-                  <a:lnTo>
-                    <a:pt x="11235" y="758"/>
-                  </a:lnTo>
-                  <a:lnTo>
-                    <a:pt x="11015" y="856"/>
-                  </a:lnTo>
-                  <a:lnTo>
-                    <a:pt x="10844" y="1002"/>
-                  </a:lnTo>
-                  <a:lnTo>
-                    <a:pt x="10649" y="1124"/>
-                  </a:lnTo>
-                  <a:lnTo>
-                    <a:pt x="10502" y="1271"/>
-                  </a:lnTo>
-                  <a:lnTo>
-                    <a:pt x="5544" y="6229"/>
-                  </a:lnTo>
-                  <a:lnTo>
-                    <a:pt x="391" y="6229"/>
-                  </a:lnTo>
-                  <a:lnTo>
-                    <a:pt x="245" y="6253"/>
-                  </a:lnTo>
-                  <a:lnTo>
-                    <a:pt x="147" y="6278"/>
-                  </a:lnTo>
-                  <a:lnTo>
-                    <a:pt x="49" y="6327"/>
-                  </a:lnTo>
-                  <a:lnTo>
-                    <a:pt x="0" y="6400"/>
-                  </a:lnTo>
-                  <a:lnTo>
-                    <a:pt x="0" y="6473"/>
-                  </a:lnTo>
-                  <a:lnTo>
-                    <a:pt x="25" y="6571"/>
-                  </a:lnTo>
-                  <a:lnTo>
-                    <a:pt x="74" y="6668"/>
-                  </a:lnTo>
-                  <a:lnTo>
-                    <a:pt x="171" y="6791"/>
-                  </a:lnTo>
-                  <a:lnTo>
-                    <a:pt x="2589" y="9184"/>
-                  </a:lnTo>
-                  <a:lnTo>
-                    <a:pt x="2272" y="9502"/>
-                  </a:lnTo>
-                  <a:lnTo>
-                    <a:pt x="953" y="9746"/>
-                  </a:lnTo>
-                  <a:lnTo>
-                    <a:pt x="806" y="9795"/>
-                  </a:lnTo>
-                  <a:lnTo>
-                    <a:pt x="684" y="9843"/>
-                  </a:lnTo>
-                  <a:lnTo>
-                    <a:pt x="611" y="9941"/>
-                  </a:lnTo>
-                  <a:lnTo>
-                    <a:pt x="562" y="10014"/>
-                  </a:lnTo>
-                  <a:lnTo>
-                    <a:pt x="562" y="10112"/>
-                  </a:lnTo>
-                  <a:lnTo>
-                    <a:pt x="586" y="10234"/>
-                  </a:lnTo>
-                  <a:lnTo>
-                    <a:pt x="635" y="10332"/>
-                  </a:lnTo>
-                  <a:lnTo>
-                    <a:pt x="733" y="10454"/>
-                  </a:lnTo>
-                  <a:lnTo>
-                    <a:pt x="7278" y="16999"/>
-                  </a:lnTo>
-                  <a:lnTo>
-                    <a:pt x="7401" y="17097"/>
-                  </a:lnTo>
-                  <a:lnTo>
-                    <a:pt x="7498" y="17146"/>
-                  </a:lnTo>
-                  <a:lnTo>
-                    <a:pt x="7620" y="17170"/>
-                  </a:lnTo>
-                  <a:lnTo>
-                    <a:pt x="7718" y="17170"/>
-                  </a:lnTo>
-                  <a:lnTo>
-                    <a:pt x="7791" y="17122"/>
-                  </a:lnTo>
-                  <a:lnTo>
-                    <a:pt x="7889" y="17048"/>
-                  </a:lnTo>
-                  <a:lnTo>
-                    <a:pt x="7938" y="16926"/>
-                  </a:lnTo>
-                  <a:lnTo>
-                    <a:pt x="7987" y="16780"/>
-                  </a:lnTo>
-                  <a:lnTo>
-                    <a:pt x="8231" y="15461"/>
-                  </a:lnTo>
-                  <a:lnTo>
-                    <a:pt x="8548" y="15143"/>
-                  </a:lnTo>
-                  <a:lnTo>
-                    <a:pt x="10942" y="17561"/>
-                  </a:lnTo>
-                  <a:lnTo>
-                    <a:pt x="11064" y="17659"/>
-                  </a:lnTo>
-                  <a:lnTo>
-                    <a:pt x="11162" y="17708"/>
-                  </a:lnTo>
-                  <a:lnTo>
-                    <a:pt x="11259" y="17732"/>
-                  </a:lnTo>
-                  <a:lnTo>
-                    <a:pt x="11333" y="17732"/>
-                  </a:lnTo>
-                  <a:lnTo>
-                    <a:pt x="11406" y="17683"/>
-                  </a:lnTo>
-                  <a:lnTo>
-                    <a:pt x="11455" y="17586"/>
-                  </a:lnTo>
-                  <a:lnTo>
-                    <a:pt x="11479" y="17488"/>
-                  </a:lnTo>
-                  <a:lnTo>
-                    <a:pt x="11504" y="17341"/>
-                  </a:lnTo>
-                  <a:lnTo>
-                    <a:pt x="11504" y="12188"/>
-                  </a:lnTo>
-                  <a:lnTo>
-                    <a:pt x="16461" y="7230"/>
-                  </a:lnTo>
-                  <a:lnTo>
-                    <a:pt x="16608" y="7084"/>
-                  </a:lnTo>
-                  <a:lnTo>
-                    <a:pt x="16730" y="6888"/>
-                  </a:lnTo>
-                  <a:lnTo>
-                    <a:pt x="16877" y="6693"/>
-                  </a:lnTo>
-                  <a:lnTo>
-                    <a:pt x="16974" y="6498"/>
-                  </a:lnTo>
-                  <a:lnTo>
-                    <a:pt x="17194" y="6058"/>
-                  </a:lnTo>
-                  <a:lnTo>
-                    <a:pt x="17365" y="5569"/>
-                  </a:lnTo>
-                  <a:lnTo>
-                    <a:pt x="17487" y="5057"/>
-                  </a:lnTo>
-                  <a:lnTo>
-                    <a:pt x="17609" y="4519"/>
-                  </a:lnTo>
-                  <a:lnTo>
-                    <a:pt x="17683" y="3982"/>
-                  </a:lnTo>
-                  <a:lnTo>
-                    <a:pt x="17707" y="3445"/>
-                  </a:lnTo>
-                  <a:lnTo>
-                    <a:pt x="17731" y="2907"/>
-                  </a:lnTo>
-                  <a:lnTo>
-                    <a:pt x="17731" y="2419"/>
-                  </a:lnTo>
-                  <a:lnTo>
-                    <a:pt x="17707" y="1955"/>
-                  </a:lnTo>
-                  <a:lnTo>
-                    <a:pt x="17658" y="1515"/>
-                  </a:lnTo>
-                  <a:lnTo>
-                    <a:pt x="17585" y="1149"/>
-                  </a:lnTo>
-                  <a:lnTo>
-                    <a:pt x="17512" y="831"/>
-                  </a:lnTo>
-                  <a:lnTo>
-                    <a:pt x="17414" y="587"/>
-                  </a:lnTo>
-                  <a:lnTo>
-                    <a:pt x="17341" y="489"/>
-                  </a:lnTo>
-                  <a:lnTo>
-                    <a:pt x="17292" y="441"/>
-                  </a:lnTo>
-                  <a:lnTo>
-                    <a:pt x="17243" y="392"/>
-                  </a:lnTo>
-                  <a:lnTo>
-                    <a:pt x="17145" y="318"/>
-                  </a:lnTo>
-                  <a:lnTo>
-                    <a:pt x="16901" y="221"/>
-                  </a:lnTo>
-                  <a:lnTo>
-                    <a:pt x="16584" y="148"/>
-                  </a:lnTo>
-                  <a:lnTo>
-                    <a:pt x="16217" y="74"/>
-                  </a:lnTo>
-                  <a:lnTo>
-                    <a:pt x="15778" y="25"/>
-                  </a:lnTo>
-                  <a:lnTo>
-                    <a:pt x="15314" y="1"/>
-                  </a:lnTo>
-                  <a:close/>
-                </a:path>
-              </a:pathLst>
-            </a:custGeom>
-            <a:solidFill>
-              <a:srgbClr val="FF0066"/>
-            </a:solidFill>
-            <a:ln>
-              <a:noFill/>
-            </a:ln>
-          </p:spPr>
-          <p:txBody>
-            <a:bodyPr spcFirstLastPara="1" wrap="square" lIns="91425" tIns="91425" rIns="91425" bIns="91425" anchor="ctr" anchorCtr="0">
-              <a:noAutofit/>
-            </a:bodyPr>
-            <a:lstStyle/>
-            <a:p>
-              <a:pPr marL="0" lvl="0" indent="0" algn="l" rtl="0">
-                <a:spcBef>
-                  <a:spcPts val="0"/>
-                </a:spcBef>
-                <a:spcAft>
-                  <a:spcPts val="0"/>
-                </a:spcAft>
-                <a:buNone/>
-              </a:pPr>
-              <a:endParaRPr/>
-            </a:p>
-          </p:txBody>
-        </p:sp>
-        <p:sp>
-          <p:nvSpPr>
-            <p:cNvPr id="246" name="Google Shape;246;p21"/>
-            <p:cNvSpPr/>
-            <p:nvPr/>
-          </p:nvSpPr>
-          <p:spPr>
-            <a:xfrm>
-              <a:off x="597725" y="4665400"/>
-              <a:ext cx="73300" cy="73300"/>
-            </a:xfrm>
-            <a:custGeom>
-              <a:avLst/>
-              <a:gdLst/>
-              <a:ahLst/>
-              <a:cxnLst/>
-              <a:rect l="l" t="t" r="r" b="b"/>
-              <a:pathLst>
-                <a:path w="2932" h="2932" extrusionOk="0">
-                  <a:moveTo>
-                    <a:pt x="2028" y="1"/>
-                  </a:moveTo>
-                  <a:lnTo>
-                    <a:pt x="1857" y="25"/>
-                  </a:lnTo>
-                  <a:lnTo>
-                    <a:pt x="1686" y="74"/>
-                  </a:lnTo>
-                  <a:lnTo>
-                    <a:pt x="1515" y="147"/>
-                  </a:lnTo>
-                  <a:lnTo>
-                    <a:pt x="1369" y="269"/>
-                  </a:lnTo>
-                  <a:lnTo>
-                    <a:pt x="1222" y="489"/>
-                  </a:lnTo>
-                  <a:lnTo>
-                    <a:pt x="1002" y="831"/>
-                  </a:lnTo>
-                  <a:lnTo>
-                    <a:pt x="563" y="1735"/>
-                  </a:lnTo>
-                  <a:lnTo>
-                    <a:pt x="172" y="2565"/>
-                  </a:lnTo>
-                  <a:lnTo>
-                    <a:pt x="1" y="2932"/>
-                  </a:lnTo>
-                  <a:lnTo>
-                    <a:pt x="1" y="2932"/>
-                  </a:lnTo>
-                  <a:lnTo>
-                    <a:pt x="367" y="2761"/>
-                  </a:lnTo>
-                  <a:lnTo>
-                    <a:pt x="1198" y="2370"/>
-                  </a:lnTo>
-                  <a:lnTo>
-                    <a:pt x="2101" y="1930"/>
-                  </a:lnTo>
-                  <a:lnTo>
-                    <a:pt x="2443" y="1710"/>
-                  </a:lnTo>
-                  <a:lnTo>
-                    <a:pt x="2663" y="1564"/>
-                  </a:lnTo>
-                  <a:lnTo>
-                    <a:pt x="2785" y="1417"/>
-                  </a:lnTo>
-                  <a:lnTo>
-                    <a:pt x="2858" y="1246"/>
-                  </a:lnTo>
-                  <a:lnTo>
-                    <a:pt x="2907" y="1075"/>
-                  </a:lnTo>
-                  <a:lnTo>
-                    <a:pt x="2932" y="904"/>
-                  </a:lnTo>
-                  <a:lnTo>
-                    <a:pt x="2907" y="733"/>
-                  </a:lnTo>
-                  <a:lnTo>
-                    <a:pt x="2858" y="562"/>
-                  </a:lnTo>
-                  <a:lnTo>
-                    <a:pt x="2785" y="416"/>
-                  </a:lnTo>
-                  <a:lnTo>
-                    <a:pt x="2663" y="269"/>
-                  </a:lnTo>
-                  <a:lnTo>
-                    <a:pt x="2517" y="147"/>
-                  </a:lnTo>
-                  <a:lnTo>
-                    <a:pt x="2370" y="74"/>
-                  </a:lnTo>
-                  <a:lnTo>
-                    <a:pt x="2199" y="25"/>
-                  </a:lnTo>
-                  <a:lnTo>
-                    <a:pt x="2028" y="1"/>
-                  </a:lnTo>
-                  <a:close/>
-                </a:path>
-              </a:pathLst>
-            </a:custGeom>
-            <a:solidFill>
-              <a:srgbClr val="FF0066"/>
-            </a:solidFill>
-            <a:ln>
-              <a:noFill/>
-            </a:ln>
-          </p:spPr>
-          <p:txBody>
-            <a:bodyPr spcFirstLastPara="1" wrap="square" lIns="91425" tIns="91425" rIns="91425" bIns="91425" anchor="ctr" anchorCtr="0">
-              <a:noAutofit/>
-            </a:bodyPr>
-            <a:lstStyle/>
-            <a:p>
-              <a:pPr marL="0" lvl="0" indent="0" algn="l" rtl="0">
-                <a:spcBef>
-                  <a:spcPts val="0"/>
-                </a:spcBef>
-                <a:spcAft>
-                  <a:spcPts val="0"/>
-                </a:spcAft>
-                <a:buNone/>
-              </a:pPr>
-              <a:endParaRPr/>
-            </a:p>
-          </p:txBody>
-        </p:sp>
-        <p:sp>
-          <p:nvSpPr>
-            <p:cNvPr id="247" name="Google Shape;247;p21"/>
-            <p:cNvSpPr/>
-            <p:nvPr/>
-          </p:nvSpPr>
-          <p:spPr>
-            <a:xfrm>
-              <a:off x="654525" y="4708150"/>
-              <a:ext cx="47025" cy="47025"/>
-            </a:xfrm>
-            <a:custGeom>
-              <a:avLst/>
-              <a:gdLst/>
-              <a:ahLst/>
-              <a:cxnLst/>
-              <a:rect l="l" t="t" r="r" b="b"/>
-              <a:pathLst>
-                <a:path w="1881" h="1881" extrusionOk="0">
-                  <a:moveTo>
-                    <a:pt x="1124" y="0"/>
-                  </a:moveTo>
-                  <a:lnTo>
-                    <a:pt x="977" y="25"/>
-                  </a:lnTo>
-                  <a:lnTo>
-                    <a:pt x="831" y="74"/>
-                  </a:lnTo>
-                  <a:lnTo>
-                    <a:pt x="709" y="147"/>
-                  </a:lnTo>
-                  <a:lnTo>
-                    <a:pt x="586" y="245"/>
-                  </a:lnTo>
-                  <a:lnTo>
-                    <a:pt x="464" y="391"/>
-                  </a:lnTo>
-                  <a:lnTo>
-                    <a:pt x="367" y="611"/>
-                  </a:lnTo>
-                  <a:lnTo>
-                    <a:pt x="269" y="880"/>
-                  </a:lnTo>
-                  <a:lnTo>
-                    <a:pt x="171" y="1173"/>
-                  </a:lnTo>
-                  <a:lnTo>
-                    <a:pt x="49" y="1686"/>
-                  </a:lnTo>
-                  <a:lnTo>
-                    <a:pt x="0" y="1881"/>
-                  </a:lnTo>
-                  <a:lnTo>
-                    <a:pt x="0" y="1881"/>
-                  </a:lnTo>
-                  <a:lnTo>
-                    <a:pt x="220" y="1857"/>
-                  </a:lnTo>
-                  <a:lnTo>
-                    <a:pt x="733" y="1710"/>
-                  </a:lnTo>
-                  <a:lnTo>
-                    <a:pt x="1002" y="1637"/>
-                  </a:lnTo>
-                  <a:lnTo>
-                    <a:pt x="1270" y="1539"/>
-                  </a:lnTo>
-                  <a:lnTo>
-                    <a:pt x="1515" y="1417"/>
-                  </a:lnTo>
-                  <a:lnTo>
-                    <a:pt x="1661" y="1319"/>
-                  </a:lnTo>
-                  <a:lnTo>
-                    <a:pt x="1759" y="1197"/>
-                  </a:lnTo>
-                  <a:lnTo>
-                    <a:pt x="1832" y="1051"/>
-                  </a:lnTo>
-                  <a:lnTo>
-                    <a:pt x="1881" y="928"/>
-                  </a:lnTo>
-                  <a:lnTo>
-                    <a:pt x="1881" y="782"/>
-                  </a:lnTo>
-                  <a:lnTo>
-                    <a:pt x="1881" y="635"/>
-                  </a:lnTo>
-                  <a:lnTo>
-                    <a:pt x="1832" y="489"/>
-                  </a:lnTo>
-                  <a:lnTo>
-                    <a:pt x="1759" y="367"/>
-                  </a:lnTo>
-                  <a:lnTo>
-                    <a:pt x="1661" y="245"/>
-                  </a:lnTo>
-                  <a:lnTo>
-                    <a:pt x="1539" y="147"/>
-                  </a:lnTo>
-                  <a:lnTo>
-                    <a:pt x="1417" y="74"/>
-                  </a:lnTo>
-                  <a:lnTo>
-                    <a:pt x="1270" y="25"/>
-                  </a:lnTo>
-                  <a:lnTo>
-                    <a:pt x="1124" y="0"/>
-                  </a:lnTo>
-                  <a:close/>
-                </a:path>
-              </a:pathLst>
-            </a:custGeom>
-            <a:solidFill>
-              <a:srgbClr val="FF0066"/>
-            </a:solidFill>
-            <a:ln>
-              <a:noFill/>
-            </a:ln>
-          </p:spPr>
-          <p:txBody>
-            <a:bodyPr spcFirstLastPara="1" wrap="square" lIns="91425" tIns="91425" rIns="91425" bIns="91425" anchor="ctr" anchorCtr="0">
-              <a:noAutofit/>
-            </a:bodyPr>
-            <a:lstStyle/>
-            <a:p>
-              <a:pPr marL="0" lvl="0" indent="0" algn="l" rtl="0">
-                <a:spcBef>
-                  <a:spcPts val="0"/>
-                </a:spcBef>
-                <a:spcAft>
-                  <a:spcPts val="0"/>
-                </a:spcAft>
-                <a:buNone/>
-              </a:pPr>
-              <a:endParaRPr/>
-            </a:p>
-          </p:txBody>
-        </p:sp>
-        <p:sp>
-          <p:nvSpPr>
-            <p:cNvPr id="248" name="Google Shape;248;p21"/>
-            <p:cNvSpPr/>
-            <p:nvPr/>
-          </p:nvSpPr>
-          <p:spPr>
-            <a:xfrm>
-              <a:off x="581250" y="4634875"/>
-              <a:ext cx="47050" cy="47050"/>
-            </a:xfrm>
-            <a:custGeom>
-              <a:avLst/>
-              <a:gdLst/>
-              <a:ahLst/>
-              <a:cxnLst/>
-              <a:rect l="l" t="t" r="r" b="b"/>
-              <a:pathLst>
-                <a:path w="1882" h="1882" extrusionOk="0">
-                  <a:moveTo>
-                    <a:pt x="953" y="1"/>
-                  </a:moveTo>
-                  <a:lnTo>
-                    <a:pt x="831" y="49"/>
-                  </a:lnTo>
-                  <a:lnTo>
-                    <a:pt x="684" y="123"/>
-                  </a:lnTo>
-                  <a:lnTo>
-                    <a:pt x="562" y="220"/>
-                  </a:lnTo>
-                  <a:lnTo>
-                    <a:pt x="465" y="367"/>
-                  </a:lnTo>
-                  <a:lnTo>
-                    <a:pt x="342" y="611"/>
-                  </a:lnTo>
-                  <a:lnTo>
-                    <a:pt x="245" y="880"/>
-                  </a:lnTo>
-                  <a:lnTo>
-                    <a:pt x="171" y="1148"/>
-                  </a:lnTo>
-                  <a:lnTo>
-                    <a:pt x="25" y="1661"/>
-                  </a:lnTo>
-                  <a:lnTo>
-                    <a:pt x="1" y="1881"/>
-                  </a:lnTo>
-                  <a:lnTo>
-                    <a:pt x="196" y="1832"/>
-                  </a:lnTo>
-                  <a:lnTo>
-                    <a:pt x="709" y="1710"/>
-                  </a:lnTo>
-                  <a:lnTo>
-                    <a:pt x="1002" y="1613"/>
-                  </a:lnTo>
-                  <a:lnTo>
-                    <a:pt x="1271" y="1515"/>
-                  </a:lnTo>
-                  <a:lnTo>
-                    <a:pt x="1490" y="1417"/>
-                  </a:lnTo>
-                  <a:lnTo>
-                    <a:pt x="1637" y="1295"/>
-                  </a:lnTo>
-                  <a:lnTo>
-                    <a:pt x="1735" y="1173"/>
-                  </a:lnTo>
-                  <a:lnTo>
-                    <a:pt x="1808" y="1051"/>
-                  </a:lnTo>
-                  <a:lnTo>
-                    <a:pt x="1857" y="904"/>
-                  </a:lnTo>
-                  <a:lnTo>
-                    <a:pt x="1881" y="758"/>
-                  </a:lnTo>
-                  <a:lnTo>
-                    <a:pt x="1857" y="611"/>
-                  </a:lnTo>
-                  <a:lnTo>
-                    <a:pt x="1808" y="465"/>
-                  </a:lnTo>
-                  <a:lnTo>
-                    <a:pt x="1735" y="343"/>
-                  </a:lnTo>
-                  <a:lnTo>
-                    <a:pt x="1637" y="220"/>
-                  </a:lnTo>
-                  <a:lnTo>
-                    <a:pt x="1515" y="123"/>
-                  </a:lnTo>
-                  <a:lnTo>
-                    <a:pt x="1393" y="49"/>
-                  </a:lnTo>
-                  <a:lnTo>
-                    <a:pt x="1246" y="1"/>
-                  </a:lnTo>
-                  <a:close/>
-                </a:path>
-              </a:pathLst>
-            </a:custGeom>
-            <a:solidFill>
-              <a:srgbClr val="FF0066"/>
-            </a:solidFill>
-            <a:ln>
-              <a:noFill/>
-            </a:ln>
-          </p:spPr>
-          <p:txBody>
-            <a:bodyPr spcFirstLastPara="1" wrap="square" lIns="91425" tIns="91425" rIns="91425" bIns="91425" anchor="ctr" anchorCtr="0">
-              <a:noAutofit/>
-            </a:bodyPr>
-            <a:lstStyle/>
-            <a:p>
-              <a:pPr marL="0" lvl="0" indent="0" algn="l" rtl="0">
-                <a:spcBef>
-                  <a:spcPts val="0"/>
-                </a:spcBef>
-                <a:spcAft>
-                  <a:spcPts val="0"/>
-                </a:spcAft>
-                <a:buNone/>
-              </a:pPr>
-              <a:endParaRPr/>
-            </a:p>
-          </p:txBody>
-        </p:sp>
-      </p:grpSp>
-      <p:sp>
-        <p:nvSpPr>
-          <p:cNvPr id="249" name="Google Shape;249;p21"/>
-          <p:cNvSpPr/>
-          <p:nvPr/>
-        </p:nvSpPr>
-        <p:spPr>
-          <a:xfrm rot="1892490">
-            <a:off x="7490780" y="1234541"/>
-            <a:ext cx="275600" cy="263152"/>
-          </a:xfrm>
-          <a:custGeom>
-            <a:avLst/>
-            <a:gdLst/>
-            <a:ahLst/>
-            <a:cxnLst/>
-            <a:rect l="l" t="t" r="r" b="b"/>
-            <a:pathLst>
-              <a:path w="15144" h="14460" extrusionOk="0">
-                <a:moveTo>
-                  <a:pt x="7572" y="1"/>
-                </a:moveTo>
-                <a:lnTo>
-                  <a:pt x="7499" y="25"/>
-                </a:lnTo>
-                <a:lnTo>
-                  <a:pt x="7401" y="74"/>
-                </a:lnTo>
-                <a:lnTo>
-                  <a:pt x="7328" y="172"/>
-                </a:lnTo>
-                <a:lnTo>
-                  <a:pt x="7255" y="294"/>
-                </a:lnTo>
-                <a:lnTo>
-                  <a:pt x="5594" y="4104"/>
-                </a:lnTo>
-                <a:lnTo>
-                  <a:pt x="5521" y="4226"/>
-                </a:lnTo>
-                <a:lnTo>
-                  <a:pt x="5398" y="4373"/>
-                </a:lnTo>
-                <a:lnTo>
-                  <a:pt x="5276" y="4495"/>
-                </a:lnTo>
-                <a:lnTo>
-                  <a:pt x="5130" y="4617"/>
-                </a:lnTo>
-                <a:lnTo>
-                  <a:pt x="4983" y="4715"/>
-                </a:lnTo>
-                <a:lnTo>
-                  <a:pt x="4812" y="4788"/>
-                </a:lnTo>
-                <a:lnTo>
-                  <a:pt x="4666" y="4861"/>
-                </a:lnTo>
-                <a:lnTo>
-                  <a:pt x="4495" y="4886"/>
-                </a:lnTo>
-                <a:lnTo>
-                  <a:pt x="392" y="5301"/>
-                </a:lnTo>
-                <a:lnTo>
-                  <a:pt x="245" y="5325"/>
-                </a:lnTo>
-                <a:lnTo>
-                  <a:pt x="123" y="5374"/>
-                </a:lnTo>
-                <a:lnTo>
-                  <a:pt x="50" y="5423"/>
-                </a:lnTo>
-                <a:lnTo>
-                  <a:pt x="1" y="5521"/>
-                </a:lnTo>
-                <a:lnTo>
-                  <a:pt x="1" y="5594"/>
-                </a:lnTo>
-                <a:lnTo>
-                  <a:pt x="25" y="5692"/>
-                </a:lnTo>
-                <a:lnTo>
-                  <a:pt x="74" y="5789"/>
-                </a:lnTo>
-                <a:lnTo>
-                  <a:pt x="196" y="5911"/>
-                </a:lnTo>
-                <a:lnTo>
-                  <a:pt x="3274" y="8647"/>
-                </a:lnTo>
-                <a:lnTo>
-                  <a:pt x="3396" y="8769"/>
-                </a:lnTo>
-                <a:lnTo>
-                  <a:pt x="3493" y="8915"/>
-                </a:lnTo>
-                <a:lnTo>
-                  <a:pt x="3567" y="9086"/>
-                </a:lnTo>
-                <a:lnTo>
-                  <a:pt x="3640" y="9257"/>
-                </a:lnTo>
-                <a:lnTo>
-                  <a:pt x="3689" y="9428"/>
-                </a:lnTo>
-                <a:lnTo>
-                  <a:pt x="3713" y="9599"/>
-                </a:lnTo>
-                <a:lnTo>
-                  <a:pt x="3713" y="9770"/>
-                </a:lnTo>
-                <a:lnTo>
-                  <a:pt x="3689" y="9941"/>
-                </a:lnTo>
-                <a:lnTo>
-                  <a:pt x="2810" y="13995"/>
-                </a:lnTo>
-                <a:lnTo>
-                  <a:pt x="2785" y="14142"/>
-                </a:lnTo>
-                <a:lnTo>
-                  <a:pt x="2810" y="14240"/>
-                </a:lnTo>
-                <a:lnTo>
-                  <a:pt x="2834" y="14337"/>
-                </a:lnTo>
-                <a:lnTo>
-                  <a:pt x="2883" y="14411"/>
-                </a:lnTo>
-                <a:lnTo>
-                  <a:pt x="2981" y="14435"/>
-                </a:lnTo>
-                <a:lnTo>
-                  <a:pt x="3078" y="14459"/>
-                </a:lnTo>
-                <a:lnTo>
-                  <a:pt x="3200" y="14411"/>
-                </a:lnTo>
-                <a:lnTo>
-                  <a:pt x="3322" y="14362"/>
-                </a:lnTo>
-                <a:lnTo>
-                  <a:pt x="6888" y="12261"/>
-                </a:lnTo>
-                <a:lnTo>
-                  <a:pt x="7035" y="12188"/>
-                </a:lnTo>
-                <a:lnTo>
-                  <a:pt x="7206" y="12139"/>
-                </a:lnTo>
-                <a:lnTo>
-                  <a:pt x="7401" y="12115"/>
-                </a:lnTo>
-                <a:lnTo>
-                  <a:pt x="7743" y="12115"/>
-                </a:lnTo>
-                <a:lnTo>
-                  <a:pt x="7938" y="12139"/>
-                </a:lnTo>
-                <a:lnTo>
-                  <a:pt x="8109" y="12188"/>
-                </a:lnTo>
-                <a:lnTo>
-                  <a:pt x="8256" y="12261"/>
-                </a:lnTo>
-                <a:lnTo>
-                  <a:pt x="11822" y="14362"/>
-                </a:lnTo>
-                <a:lnTo>
-                  <a:pt x="11944" y="14411"/>
-                </a:lnTo>
-                <a:lnTo>
-                  <a:pt x="12066" y="14459"/>
-                </a:lnTo>
-                <a:lnTo>
-                  <a:pt x="12164" y="14435"/>
-                </a:lnTo>
-                <a:lnTo>
-                  <a:pt x="12261" y="14411"/>
-                </a:lnTo>
-                <a:lnTo>
-                  <a:pt x="12310" y="14337"/>
-                </a:lnTo>
-                <a:lnTo>
-                  <a:pt x="12335" y="14240"/>
-                </a:lnTo>
-                <a:lnTo>
-                  <a:pt x="12359" y="14142"/>
-                </a:lnTo>
-                <a:lnTo>
-                  <a:pt x="12335" y="13995"/>
-                </a:lnTo>
-                <a:lnTo>
-                  <a:pt x="11455" y="9941"/>
-                </a:lnTo>
-                <a:lnTo>
-                  <a:pt x="11431" y="9770"/>
-                </a:lnTo>
-                <a:lnTo>
-                  <a:pt x="11431" y="9599"/>
-                </a:lnTo>
-                <a:lnTo>
-                  <a:pt x="11455" y="9428"/>
-                </a:lnTo>
-                <a:lnTo>
-                  <a:pt x="11504" y="9257"/>
-                </a:lnTo>
-                <a:lnTo>
-                  <a:pt x="11577" y="9086"/>
-                </a:lnTo>
-                <a:lnTo>
-                  <a:pt x="11651" y="8915"/>
-                </a:lnTo>
-                <a:lnTo>
-                  <a:pt x="11748" y="8769"/>
-                </a:lnTo>
-                <a:lnTo>
-                  <a:pt x="11870" y="8647"/>
-                </a:lnTo>
-                <a:lnTo>
-                  <a:pt x="14948" y="5911"/>
-                </a:lnTo>
-                <a:lnTo>
-                  <a:pt x="15070" y="5789"/>
-                </a:lnTo>
-                <a:lnTo>
-                  <a:pt x="15119" y="5692"/>
-                </a:lnTo>
-                <a:lnTo>
-                  <a:pt x="15143" y="5594"/>
-                </a:lnTo>
-                <a:lnTo>
-                  <a:pt x="15143" y="5521"/>
-                </a:lnTo>
-                <a:lnTo>
-                  <a:pt x="15094" y="5423"/>
-                </a:lnTo>
-                <a:lnTo>
-                  <a:pt x="15021" y="5374"/>
-                </a:lnTo>
-                <a:lnTo>
-                  <a:pt x="14899" y="5325"/>
-                </a:lnTo>
-                <a:lnTo>
-                  <a:pt x="14752" y="5301"/>
-                </a:lnTo>
-                <a:lnTo>
-                  <a:pt x="10649" y="4886"/>
-                </a:lnTo>
-                <a:lnTo>
-                  <a:pt x="10478" y="4861"/>
-                </a:lnTo>
-                <a:lnTo>
-                  <a:pt x="10332" y="4788"/>
-                </a:lnTo>
-                <a:lnTo>
-                  <a:pt x="10161" y="4715"/>
-                </a:lnTo>
-                <a:lnTo>
-                  <a:pt x="10014" y="4617"/>
-                </a:lnTo>
-                <a:lnTo>
-                  <a:pt x="9868" y="4495"/>
-                </a:lnTo>
-                <a:lnTo>
-                  <a:pt x="9746" y="4373"/>
-                </a:lnTo>
-                <a:lnTo>
-                  <a:pt x="9624" y="4226"/>
-                </a:lnTo>
-                <a:lnTo>
-                  <a:pt x="9550" y="4104"/>
-                </a:lnTo>
-                <a:lnTo>
-                  <a:pt x="7890" y="294"/>
-                </a:lnTo>
-                <a:lnTo>
-                  <a:pt x="7816" y="172"/>
-                </a:lnTo>
-                <a:lnTo>
-                  <a:pt x="7743" y="74"/>
-                </a:lnTo>
-                <a:lnTo>
-                  <a:pt x="7645" y="25"/>
-                </a:lnTo>
-                <a:lnTo>
-                  <a:pt x="7572" y="1"/>
-                </a:lnTo>
-                <a:close/>
-              </a:path>
-            </a:pathLst>
-          </a:custGeom>
-          <a:solidFill>
-            <a:srgbClr val="FFCC00"/>
-          </a:solidFill>
-          <a:ln>
-            <a:noFill/>
-          </a:ln>
-        </p:spPr>
-        <p:txBody>
-          <a:bodyPr spcFirstLastPara="1" wrap="square" lIns="91425" tIns="91425" rIns="91425" bIns="91425" anchor="ctr" anchorCtr="0">
-            <a:noAutofit/>
-          </a:bodyPr>
-          <a:lstStyle/>
-          <a:p>
-            <a:pPr marL="0" lvl="0" indent="0" algn="l" rtl="0">
-              <a:spcBef>
-                <a:spcPts val="0"/>
-              </a:spcBef>
-              <a:spcAft>
-                <a:spcPts val="0"/>
-              </a:spcAft>
-              <a:buNone/>
-            </a:pPr>
-            <a:endParaRPr/>
-          </a:p>
-        </p:txBody>
-      </p:sp>
-      <p:sp>
-        <p:nvSpPr>
-          <p:cNvPr id="250" name="Google Shape;250;p21"/>
-          <p:cNvSpPr/>
-          <p:nvPr/>
-        </p:nvSpPr>
-        <p:spPr>
-          <a:xfrm rot="-931596">
-            <a:off x="6645961" y="1760203"/>
-            <a:ext cx="186411" cy="177991"/>
-          </a:xfrm>
-          <a:custGeom>
-            <a:avLst/>
-            <a:gdLst/>
-            <a:ahLst/>
-            <a:cxnLst/>
-            <a:rect l="l" t="t" r="r" b="b"/>
-            <a:pathLst>
-              <a:path w="15144" h="14460" extrusionOk="0">
-                <a:moveTo>
-                  <a:pt x="7572" y="1"/>
-                </a:moveTo>
-                <a:lnTo>
-                  <a:pt x="7499" y="25"/>
-                </a:lnTo>
-                <a:lnTo>
-                  <a:pt x="7401" y="74"/>
-                </a:lnTo>
-                <a:lnTo>
-                  <a:pt x="7328" y="172"/>
-                </a:lnTo>
-                <a:lnTo>
-                  <a:pt x="7255" y="294"/>
-                </a:lnTo>
-                <a:lnTo>
-                  <a:pt x="5594" y="4104"/>
-                </a:lnTo>
-                <a:lnTo>
-                  <a:pt x="5521" y="4226"/>
-                </a:lnTo>
-                <a:lnTo>
-                  <a:pt x="5398" y="4373"/>
-                </a:lnTo>
-                <a:lnTo>
-                  <a:pt x="5276" y="4495"/>
-                </a:lnTo>
-                <a:lnTo>
-                  <a:pt x="5130" y="4617"/>
-                </a:lnTo>
-                <a:lnTo>
-                  <a:pt x="4983" y="4715"/>
-                </a:lnTo>
-                <a:lnTo>
-                  <a:pt x="4812" y="4788"/>
-                </a:lnTo>
-                <a:lnTo>
-                  <a:pt x="4666" y="4861"/>
-                </a:lnTo>
-                <a:lnTo>
-                  <a:pt x="4495" y="4886"/>
-                </a:lnTo>
-                <a:lnTo>
-                  <a:pt x="392" y="5301"/>
-                </a:lnTo>
-                <a:lnTo>
-                  <a:pt x="245" y="5325"/>
-                </a:lnTo>
-                <a:lnTo>
-                  <a:pt x="123" y="5374"/>
-                </a:lnTo>
-                <a:lnTo>
-                  <a:pt x="50" y="5423"/>
-                </a:lnTo>
-                <a:lnTo>
-                  <a:pt x="1" y="5521"/>
-                </a:lnTo>
-                <a:lnTo>
-                  <a:pt x="1" y="5594"/>
-                </a:lnTo>
-                <a:lnTo>
-                  <a:pt x="25" y="5692"/>
-                </a:lnTo>
-                <a:lnTo>
-                  <a:pt x="74" y="5789"/>
-                </a:lnTo>
-                <a:lnTo>
-                  <a:pt x="196" y="5911"/>
-                </a:lnTo>
-                <a:lnTo>
-                  <a:pt x="3274" y="8647"/>
-                </a:lnTo>
-                <a:lnTo>
-                  <a:pt x="3396" y="8769"/>
-                </a:lnTo>
-                <a:lnTo>
-                  <a:pt x="3493" y="8915"/>
-                </a:lnTo>
-                <a:lnTo>
-                  <a:pt x="3567" y="9086"/>
-                </a:lnTo>
-                <a:lnTo>
-                  <a:pt x="3640" y="9257"/>
-                </a:lnTo>
-                <a:lnTo>
-                  <a:pt x="3689" y="9428"/>
-                </a:lnTo>
-                <a:lnTo>
-                  <a:pt x="3713" y="9599"/>
-                </a:lnTo>
-                <a:lnTo>
-                  <a:pt x="3713" y="9770"/>
-                </a:lnTo>
-                <a:lnTo>
-                  <a:pt x="3689" y="9941"/>
-                </a:lnTo>
-                <a:lnTo>
-                  <a:pt x="2810" y="13995"/>
-                </a:lnTo>
-                <a:lnTo>
-                  <a:pt x="2785" y="14142"/>
-                </a:lnTo>
-                <a:lnTo>
-                  <a:pt x="2810" y="14240"/>
-                </a:lnTo>
-                <a:lnTo>
-                  <a:pt x="2834" y="14337"/>
-                </a:lnTo>
-                <a:lnTo>
-                  <a:pt x="2883" y="14411"/>
-                </a:lnTo>
-                <a:lnTo>
-                  <a:pt x="2981" y="14435"/>
-                </a:lnTo>
-                <a:lnTo>
-                  <a:pt x="3078" y="14459"/>
-                </a:lnTo>
-                <a:lnTo>
-                  <a:pt x="3200" y="14411"/>
-                </a:lnTo>
-                <a:lnTo>
-                  <a:pt x="3322" y="14362"/>
-                </a:lnTo>
-                <a:lnTo>
-                  <a:pt x="6888" y="12261"/>
-                </a:lnTo>
-                <a:lnTo>
-                  <a:pt x="7035" y="12188"/>
-                </a:lnTo>
-                <a:lnTo>
-                  <a:pt x="7206" y="12139"/>
-                </a:lnTo>
-                <a:lnTo>
-                  <a:pt x="7401" y="12115"/>
-                </a:lnTo>
-                <a:lnTo>
-                  <a:pt x="7743" y="12115"/>
-                </a:lnTo>
-                <a:lnTo>
-                  <a:pt x="7938" y="12139"/>
-                </a:lnTo>
-                <a:lnTo>
-                  <a:pt x="8109" y="12188"/>
-                </a:lnTo>
-                <a:lnTo>
-                  <a:pt x="8256" y="12261"/>
-                </a:lnTo>
-                <a:lnTo>
-                  <a:pt x="11822" y="14362"/>
-                </a:lnTo>
-                <a:lnTo>
-                  <a:pt x="11944" y="14411"/>
-                </a:lnTo>
-                <a:lnTo>
-                  <a:pt x="12066" y="14459"/>
-                </a:lnTo>
-                <a:lnTo>
-                  <a:pt x="12164" y="14435"/>
-                </a:lnTo>
-                <a:lnTo>
-                  <a:pt x="12261" y="14411"/>
-                </a:lnTo>
-                <a:lnTo>
-                  <a:pt x="12310" y="14337"/>
-                </a:lnTo>
-                <a:lnTo>
-                  <a:pt x="12335" y="14240"/>
-                </a:lnTo>
-                <a:lnTo>
-                  <a:pt x="12359" y="14142"/>
-                </a:lnTo>
-                <a:lnTo>
-                  <a:pt x="12335" y="13995"/>
-                </a:lnTo>
-                <a:lnTo>
-                  <a:pt x="11455" y="9941"/>
-                </a:lnTo>
-                <a:lnTo>
-                  <a:pt x="11431" y="9770"/>
-                </a:lnTo>
-                <a:lnTo>
-                  <a:pt x="11431" y="9599"/>
-                </a:lnTo>
-                <a:lnTo>
-                  <a:pt x="11455" y="9428"/>
-                </a:lnTo>
-                <a:lnTo>
-                  <a:pt x="11504" y="9257"/>
-                </a:lnTo>
-                <a:lnTo>
-                  <a:pt x="11577" y="9086"/>
-                </a:lnTo>
-                <a:lnTo>
-                  <a:pt x="11651" y="8915"/>
-                </a:lnTo>
-                <a:lnTo>
-                  <a:pt x="11748" y="8769"/>
-                </a:lnTo>
-                <a:lnTo>
-                  <a:pt x="11870" y="8647"/>
-                </a:lnTo>
-                <a:lnTo>
-                  <a:pt x="14948" y="5911"/>
-                </a:lnTo>
-                <a:lnTo>
-                  <a:pt x="15070" y="5789"/>
-                </a:lnTo>
-                <a:lnTo>
-                  <a:pt x="15119" y="5692"/>
-                </a:lnTo>
-                <a:lnTo>
-                  <a:pt x="15143" y="5594"/>
-                </a:lnTo>
-                <a:lnTo>
-                  <a:pt x="15143" y="5521"/>
-                </a:lnTo>
-                <a:lnTo>
-                  <a:pt x="15094" y="5423"/>
-                </a:lnTo>
-                <a:lnTo>
-                  <a:pt x="15021" y="5374"/>
-                </a:lnTo>
-                <a:lnTo>
-                  <a:pt x="14899" y="5325"/>
-                </a:lnTo>
-                <a:lnTo>
-                  <a:pt x="14752" y="5301"/>
-                </a:lnTo>
-                <a:lnTo>
-                  <a:pt x="10649" y="4886"/>
-                </a:lnTo>
-                <a:lnTo>
-                  <a:pt x="10478" y="4861"/>
-                </a:lnTo>
-                <a:lnTo>
-                  <a:pt x="10332" y="4788"/>
-                </a:lnTo>
-                <a:lnTo>
-                  <a:pt x="10161" y="4715"/>
-                </a:lnTo>
-                <a:lnTo>
-                  <a:pt x="10014" y="4617"/>
-                </a:lnTo>
-                <a:lnTo>
-                  <a:pt x="9868" y="4495"/>
-                </a:lnTo>
-                <a:lnTo>
-                  <a:pt x="9746" y="4373"/>
-                </a:lnTo>
-                <a:lnTo>
-                  <a:pt x="9624" y="4226"/>
-                </a:lnTo>
-                <a:lnTo>
-                  <a:pt x="9550" y="4104"/>
-                </a:lnTo>
-                <a:lnTo>
-                  <a:pt x="7890" y="294"/>
-                </a:lnTo>
-                <a:lnTo>
-                  <a:pt x="7816" y="172"/>
-                </a:lnTo>
-                <a:lnTo>
-                  <a:pt x="7743" y="74"/>
-                </a:lnTo>
-                <a:lnTo>
-                  <a:pt x="7645" y="25"/>
-                </a:lnTo>
-                <a:lnTo>
-                  <a:pt x="7572" y="1"/>
-                </a:lnTo>
-                <a:close/>
-              </a:path>
-            </a:pathLst>
-          </a:custGeom>
-          <a:solidFill>
-            <a:srgbClr val="FFCC00"/>
-          </a:solidFill>
-          <a:ln>
-            <a:noFill/>
-          </a:ln>
-        </p:spPr>
-        <p:txBody>
-          <a:bodyPr spcFirstLastPara="1" wrap="square" lIns="91425" tIns="91425" rIns="91425" bIns="91425" anchor="ctr" anchorCtr="0">
-            <a:noAutofit/>
-          </a:bodyPr>
-          <a:lstStyle/>
-          <a:p>
-            <a:pPr marL="0" lvl="0" indent="0" algn="l" rtl="0">
-              <a:spcBef>
-                <a:spcPts val="0"/>
-              </a:spcBef>
-              <a:spcAft>
-                <a:spcPts val="0"/>
-              </a:spcAft>
-              <a:buNone/>
-            </a:pPr>
-            <a:endParaRPr/>
-          </a:p>
-        </p:txBody>
-      </p:sp>
-      <p:sp>
-        <p:nvSpPr>
-          <p:cNvPr id="251" name="Google Shape;251;p21"/>
-          <p:cNvSpPr txBox="1">
-            <a:spLocks noGrp="1"/>
-          </p:cNvSpPr>
-          <p:nvPr>
-            <p:ph type="sldNum" idx="12"/>
-          </p:nvPr>
-        </p:nvSpPr>
-        <p:spPr>
-          <a:xfrm>
-            <a:off x="8556775" y="4812625"/>
-            <a:ext cx="587100" cy="330900"/>
-          </a:xfrm>
-          <a:prstGeom prst="rect">
-            <a:avLst/>
-          </a:prstGeom>
-        </p:spPr>
-        <p:txBody>
-          <a:bodyPr spcFirstLastPara="1" wrap="square" lIns="91425" tIns="91425" rIns="91425" bIns="91425" anchor="t" anchorCtr="0">
-            <a:noAutofit/>
-          </a:bodyPr>
-          <a:lstStyle/>
-          <a:p>
-            <a:pPr marL="0" lvl="0" indent="0" algn="r" rtl="0">
-              <a:spcBef>
-                <a:spcPts val="0"/>
-              </a:spcBef>
-              <a:spcAft>
-                <a:spcPts val="0"/>
-              </a:spcAft>
-              <a:buNone/>
-            </a:pPr>
-            <a:fld id="{00000000-1234-1234-1234-123412341234}" type="slidenum">
-              <a:rPr lang="en"/>
-              <a:t>7</a:t>
-            </a:fld>
-            <a:endParaRPr/>
-          </a:p>
-        </p:txBody>
-      </p:sp>
-    </p:spTree>
-  </p:cSld>
-  <p:clrMapOvr>
-    <a:masterClrMapping/>
-  </p:clrMapOvr>
-</p:sld>
-</file>
-
-<file path=ppt/slides/slide8.xml><?xml version="1.0" encoding="utf-8"?>
+<file path=ppt/slides/slide9.xml><?xml version="1.0" encoding="utf-8"?>
 <p:sld xmlns:a="http://schemas.openxmlformats.org/drawingml/2006/main" xmlns:r="http://schemas.openxmlformats.org/officeDocument/2006/relationships" xmlns:p="http://schemas.openxmlformats.org/presentationml/2006/main">
   <p:cSld>
     <p:spTree>
@@ -16403,7 +14845,7 @@
             </a:pPr>
             <a:fld id="{00000000-1234-1234-1234-123412341234}" type="slidenum">
               <a:rPr lang="en"/>
-              <a:t>8</a:t>
+              <a:t>9</a:t>
             </a:fld>
             <a:endParaRPr/>
           </a:p>
@@ -16427,7 +14869,7 @@
         </p:nvSpPr>
         <p:spPr>
           <a:xfrm>
-            <a:off x="1067088" y="902217"/>
+            <a:off x="1067087" y="217850"/>
             <a:ext cx="4982838" cy="636000"/>
           </a:xfrm>
         </p:spPr>
@@ -16465,147 +14907,8 @@
         </p:blipFill>
         <p:spPr>
           <a:xfrm>
-            <a:off x="1067087" y="1694280"/>
+            <a:off x="1067087" y="1042639"/>
             <a:ext cx="5285343" cy="3294058"/>
-          </a:xfrm>
-          <a:prstGeom prst="rect">
-            <a:avLst/>
-          </a:prstGeom>
-        </p:spPr>
-      </p:pic>
-    </p:spTree>
-  </p:cSld>
-  <p:clrMapOvr>
-    <a:masterClrMapping/>
-  </p:clrMapOvr>
-</p:sld>
-</file>
-
-<file path=ppt/slides/slide9.xml><?xml version="1.0" encoding="utf-8"?>
-<p:sld xmlns:a="http://schemas.openxmlformats.org/drawingml/2006/main" xmlns:r="http://schemas.openxmlformats.org/officeDocument/2006/relationships" xmlns:p="http://schemas.openxmlformats.org/presentationml/2006/main">
-  <p:cSld>
-    <p:spTree>
-      <p:nvGrpSpPr>
-        <p:cNvPr id="1" name="Shape 263"/>
-        <p:cNvGrpSpPr/>
-        <p:nvPr/>
-      </p:nvGrpSpPr>
-      <p:grpSpPr>
-        <a:xfrm>
-          <a:off x="0" y="0"/>
-          <a:ext cx="0" cy="0"/>
-          <a:chOff x="0" y="0"/>
-          <a:chExt cx="0" cy="0"/>
-        </a:xfrm>
-      </p:grpSpPr>
-      <p:sp>
-        <p:nvSpPr>
-          <p:cNvPr id="264" name="Google Shape;264;p23"/>
-          <p:cNvSpPr txBox="1">
-            <a:spLocks noGrp="1"/>
-          </p:cNvSpPr>
-          <p:nvPr>
-            <p:ph type="title"/>
-          </p:nvPr>
-        </p:nvSpPr>
-        <p:spPr>
-          <a:xfrm>
-            <a:off x="1067099" y="217700"/>
-            <a:ext cx="5972100" cy="636000"/>
-          </a:xfrm>
-          <a:prstGeom prst="rect">
-            <a:avLst/>
-          </a:prstGeom>
-        </p:spPr>
-        <p:txBody>
-          <a:bodyPr spcFirstLastPara="1" wrap="square" lIns="91425" tIns="91425" rIns="91425" bIns="91425" anchor="b" anchorCtr="0">
-            <a:noAutofit/>
-          </a:bodyPr>
-          <a:lstStyle/>
-          <a:p>
-            <a:pPr marL="0" lvl="0" indent="0" algn="l" rtl="0">
-              <a:spcBef>
-                <a:spcPts val="0"/>
-              </a:spcBef>
-              <a:spcAft>
-                <a:spcPts val="0"/>
-              </a:spcAft>
-              <a:buNone/>
-            </a:pPr>
-            <a:r>
-              <a:rPr lang="en" dirty="0"/>
-              <a:t>Diagrama de Despliegue</a:t>
-            </a:r>
-            <a:endParaRPr dirty="0"/>
-          </a:p>
-        </p:txBody>
-      </p:sp>
-      <p:sp>
-        <p:nvSpPr>
-          <p:cNvPr id="268" name="Google Shape;268;p23"/>
-          <p:cNvSpPr txBox="1">
-            <a:spLocks noGrp="1"/>
-          </p:cNvSpPr>
-          <p:nvPr>
-            <p:ph type="sldNum" idx="12"/>
-          </p:nvPr>
-        </p:nvSpPr>
-        <p:spPr>
-          <a:xfrm>
-            <a:off x="8556775" y="4812625"/>
-            <a:ext cx="587100" cy="330900"/>
-          </a:xfrm>
-          <a:prstGeom prst="rect">
-            <a:avLst/>
-          </a:prstGeom>
-        </p:spPr>
-        <p:txBody>
-          <a:bodyPr spcFirstLastPara="1" wrap="square" lIns="91425" tIns="91425" rIns="91425" bIns="91425" anchor="t" anchorCtr="0">
-            <a:noAutofit/>
-          </a:bodyPr>
-          <a:lstStyle/>
-          <a:p>
-            <a:pPr marL="0" lvl="0" indent="0" algn="r" rtl="0">
-              <a:spcBef>
-                <a:spcPts val="0"/>
-              </a:spcBef>
-              <a:spcAft>
-                <a:spcPts val="0"/>
-              </a:spcAft>
-              <a:buNone/>
-            </a:pPr>
-            <a:fld id="{00000000-1234-1234-1234-123412341234}" type="slidenum">
-              <a:rPr lang="en"/>
-              <a:t>9</a:t>
-            </a:fld>
-            <a:endParaRPr/>
-          </a:p>
-        </p:txBody>
-      </p:sp>
-      <p:pic>
-        <p:nvPicPr>
-          <p:cNvPr id="3" name="Imagen 2" descr="Diagrama&#10;&#10;Descripción generada automáticamente">
-            <a:extLst>
-              <a:ext uri="{FF2B5EF4-FFF2-40B4-BE49-F238E27FC236}">
-                <a16:creationId xmlns:a16="http://schemas.microsoft.com/office/drawing/2014/main" id="{E757F36B-0B4B-4A2F-8188-C68A480972E1}"/>
-              </a:ext>
-            </a:extLst>
-          </p:cNvPr>
-          <p:cNvPicPr>
-            <a:picLocks noChangeAspect="1"/>
-          </p:cNvPicPr>
-          <p:nvPr/>
-        </p:nvPicPr>
-        <p:blipFill>
-          <a:blip r:embed="rId3"/>
-          <a:stretch>
-            <a:fillRect/>
-          </a:stretch>
-        </p:blipFill>
-        <p:spPr>
-          <a:xfrm>
-            <a:off x="928179" y="790640"/>
-            <a:ext cx="7287642" cy="4237763"/>
           </a:xfrm>
           <a:prstGeom prst="rect">
             <a:avLst/>
